--- a/Final.pptx
+++ b/Final.pptx
@@ -5,7 +5,7 @@
     <p:sldMasterId id="2147483648" r:id="rId1"/>
   </p:sldMasterIdLst>
   <p:notesMasterIdLst>
-    <p:notesMasterId r:id="rId22"/>
+    <p:notesMasterId r:id="rId25"/>
   </p:notesMasterIdLst>
   <p:sldIdLst>
     <p:sldId id="256" r:id="rId2"/>
@@ -24,10 +24,13 @@
     <p:sldId id="290" r:id="rId15"/>
     <p:sldId id="291" r:id="rId16"/>
     <p:sldId id="282" r:id="rId17"/>
-    <p:sldId id="261" r:id="rId18"/>
-    <p:sldId id="279" r:id="rId19"/>
-    <p:sldId id="278" r:id="rId20"/>
-    <p:sldId id="262" r:id="rId21"/>
+    <p:sldId id="292" r:id="rId18"/>
+    <p:sldId id="293" r:id="rId19"/>
+    <p:sldId id="294" r:id="rId20"/>
+    <p:sldId id="261" r:id="rId21"/>
+    <p:sldId id="279" r:id="rId22"/>
+    <p:sldId id="278" r:id="rId23"/>
+    <p:sldId id="262" r:id="rId24"/>
   </p:sldIdLst>
   <p:sldSz cx="12192000" cy="6858000"/>
   <p:notesSz cx="6858000" cy="9144000"/>
@@ -216,7 +219,7 @@
           <a:p>
             <a:fld id="{69F75836-DCE1-46D1-902E-93AB39588390}" type="datetimeFigureOut">
               <a:rPr lang="en-US" smtClean="0"/>
-              <a:t>11/23/2019</a:t>
+              <a:t>11/25/2019</a:t>
             </a:fld>
             <a:endParaRPr lang="en-US"/>
           </a:p>
@@ -728,7 +731,7 @@
           <a:p>
             <a:fld id="{AB74F416-60AC-47B8-B7A4-8E59A1593C56}" type="datetime1">
               <a:rPr lang="en-US" smtClean="0"/>
-              <a:t>11/23/2019</a:t>
+              <a:t>11/25/2019</a:t>
             </a:fld>
             <a:endParaRPr lang="en-US"/>
           </a:p>
@@ -1013,7 +1016,7 @@
           <a:p>
             <a:fld id="{BB53C6D8-AA99-4DA3-ABE8-6564F3774B9A}" type="datetime1">
               <a:rPr lang="en-US" smtClean="0"/>
-              <a:t>11/23/2019</a:t>
+              <a:t>11/25/2019</a:t>
             </a:fld>
             <a:endParaRPr lang="en-US"/>
           </a:p>
@@ -1196,7 +1199,7 @@
           <a:p>
             <a:fld id="{FAFFD409-992B-4396-831E-400331BF155E}" type="datetime1">
               <a:rPr lang="en-US" smtClean="0"/>
-              <a:t>11/23/2019</a:t>
+              <a:t>11/25/2019</a:t>
             </a:fld>
             <a:endParaRPr lang="en-US"/>
           </a:p>
@@ -1369,7 +1372,7 @@
           <a:p>
             <a:fld id="{A58A56B9-9364-44BD-B6D4-BF1545A1D032}" type="datetime1">
               <a:rPr lang="en-US" smtClean="0"/>
-              <a:t>11/23/2019</a:t>
+              <a:t>11/25/2019</a:t>
             </a:fld>
             <a:endParaRPr lang="en-US"/>
           </a:p>
@@ -1644,7 +1647,7 @@
           <a:p>
             <a:fld id="{08107730-E7E0-4034-9139-F86131BC67E9}" type="datetime1">
               <a:rPr lang="en-US" smtClean="0"/>
-              <a:t>11/23/2019</a:t>
+              <a:t>11/25/2019</a:t>
             </a:fld>
             <a:endParaRPr lang="en-US"/>
           </a:p>
@@ -1995,7 +1998,7 @@
           <a:p>
             <a:fld id="{2128C74C-6B0A-4BE2-AEB5-ADDA4577555B}" type="datetime1">
               <a:rPr lang="en-US" smtClean="0"/>
-              <a:t>11/23/2019</a:t>
+              <a:t>11/25/2019</a:t>
             </a:fld>
             <a:endParaRPr lang="en-US"/>
           </a:p>
@@ -2475,7 +2478,7 @@
           <a:p>
             <a:fld id="{96ED5E1F-5CA0-44A8-9FAF-8E0C8C93E227}" type="datetime1">
               <a:rPr lang="en-US" smtClean="0"/>
-              <a:t>11/23/2019</a:t>
+              <a:t>11/25/2019</a:t>
             </a:fld>
             <a:endParaRPr lang="en-US"/>
           </a:p>
@@ -2596,7 +2599,7 @@
           <a:p>
             <a:fld id="{9F749C11-8001-49CF-9B59-56FDE52B5F69}" type="datetime1">
               <a:rPr lang="en-US" smtClean="0"/>
-              <a:t>11/23/2019</a:t>
+              <a:t>11/25/2019</a:t>
             </a:fld>
             <a:endParaRPr lang="en-US"/>
           </a:p>
@@ -2694,7 +2697,7 @@
           <a:p>
             <a:fld id="{5EC0E55E-AF34-4E2E-A4E8-BDA3BCCD8B12}" type="datetime1">
               <a:rPr lang="en-US" smtClean="0"/>
-              <a:t>11/23/2019</a:t>
+              <a:t>11/25/2019</a:t>
             </a:fld>
             <a:endParaRPr lang="en-US"/>
           </a:p>
@@ -3043,7 +3046,7 @@
           <a:p>
             <a:fld id="{C85C3791-D12F-464C-8CBC-469E089CC249}" type="datetime1">
               <a:rPr lang="en-US" smtClean="0"/>
-              <a:t>11/23/2019</a:t>
+              <a:t>11/25/2019</a:t>
             </a:fld>
             <a:endParaRPr lang="en-US"/>
           </a:p>
@@ -3429,7 +3432,7 @@
           <a:p>
             <a:fld id="{3901A8D7-7DE1-49C0-A859-BA2154FD532A}" type="datetime1">
               <a:rPr lang="en-US" smtClean="0"/>
-              <a:t>11/23/2019</a:t>
+              <a:t>11/25/2019</a:t>
             </a:fld>
             <a:endParaRPr lang="en-US"/>
           </a:p>
@@ -3702,7 +3705,7 @@
           <a:p>
             <a:fld id="{C3381DA6-54E6-48A3-B70A-BA200C1D04A7}" type="datetime1">
               <a:rPr lang="en-US" smtClean="0"/>
-              <a:t>11/23/2019</a:t>
+              <a:t>11/25/2019</a:t>
             </a:fld>
             <a:endParaRPr lang="en-US"/>
           </a:p>
@@ -4404,7 +4407,7 @@
           <p:cNvPr id="2" name="Title 1">
             <a:extLst>
               <a:ext uri="{FF2B5EF4-FFF2-40B4-BE49-F238E27FC236}">
-                <a16:creationId xmlns:a16="http://schemas.microsoft.com/office/drawing/2014/main" id="{CD1992F5-37E6-4DF0-B6E3-E3BC4D55116B}"/>
+                <a16:creationId xmlns:a16="http://schemas.microsoft.com/office/drawing/2014/main" xmlns="" id="{CD1992F5-37E6-4DF0-B6E3-E3BC4D55116B}"/>
               </a:ext>
             </a:extLst>
           </p:cNvPr>
@@ -4433,7 +4436,7 @@
           <p:cNvPr id="4" name="Picture 3">
             <a:extLst>
               <a:ext uri="{FF2B5EF4-FFF2-40B4-BE49-F238E27FC236}">
-                <a16:creationId xmlns:a16="http://schemas.microsoft.com/office/drawing/2014/main" id="{B74C3B5E-2C72-408E-A17F-2852A157BCF4}"/>
+                <a16:creationId xmlns:a16="http://schemas.microsoft.com/office/drawing/2014/main" xmlns="" id="{B74C3B5E-2C72-408E-A17F-2852A157BCF4}"/>
               </a:ext>
             </a:extLst>
           </p:cNvPr>
@@ -4502,7 +4505,7 @@
           <p:cNvPr id="2" name="Title 1">
             <a:extLst>
               <a:ext uri="{FF2B5EF4-FFF2-40B4-BE49-F238E27FC236}">
-                <a16:creationId xmlns:a16="http://schemas.microsoft.com/office/drawing/2014/main" id="{72408A9F-7FA8-47EE-AEA8-112E9A11308D}"/>
+                <a16:creationId xmlns:a16="http://schemas.microsoft.com/office/drawing/2014/main" xmlns="" id="{72408A9F-7FA8-47EE-AEA8-112E9A11308D}"/>
               </a:ext>
             </a:extLst>
           </p:cNvPr>
@@ -4525,37 +4528,12 @@
           </a:p>
         </p:txBody>
       </p:sp>
-      <p:sp>
-        <p:nvSpPr>
-          <p:cNvPr id="3" name="Content Placeholder 2">
-            <a:extLst>
-              <a:ext uri="{FF2B5EF4-FFF2-40B4-BE49-F238E27FC236}">
-                <a16:creationId xmlns:a16="http://schemas.microsoft.com/office/drawing/2014/main" id="{E7B7FDEC-6E0F-4335-BC96-7BBEBBF6E2A2}"/>
-              </a:ext>
-            </a:extLst>
-          </p:cNvPr>
-          <p:cNvSpPr>
-            <a:spLocks noGrp="1"/>
-          </p:cNvSpPr>
-          <p:nvPr>
-            <p:ph idx="1"/>
-          </p:nvPr>
-        </p:nvSpPr>
-        <p:spPr/>
-        <p:txBody>
-          <a:bodyPr/>
-          <a:lstStyle/>
-          <a:p>
-            <a:endParaRPr lang="en-US"/>
-          </a:p>
-        </p:txBody>
-      </p:sp>
       <p:pic>
         <p:nvPicPr>
           <p:cNvPr id="4" name="Picture 3">
             <a:extLst>
               <a:ext uri="{FF2B5EF4-FFF2-40B4-BE49-F238E27FC236}">
-                <a16:creationId xmlns:a16="http://schemas.microsoft.com/office/drawing/2014/main" id="{130C693D-0082-42E2-8009-DAA156230A2D}"/>
+                <a16:creationId xmlns:a16="http://schemas.microsoft.com/office/drawing/2014/main" xmlns="" id="{130C693D-0082-42E2-8009-DAA156230A2D}"/>
               </a:ext>
             </a:extLst>
           </p:cNvPr>
@@ -4619,7 +4597,7 @@
           <p:cNvPr id="2" name="Title 1">
             <a:extLst>
               <a:ext uri="{FF2B5EF4-FFF2-40B4-BE49-F238E27FC236}">
-                <a16:creationId xmlns:a16="http://schemas.microsoft.com/office/drawing/2014/main" id="{35E05BB2-BBAA-4D69-A33C-1E9EA5535B15}"/>
+                <a16:creationId xmlns:a16="http://schemas.microsoft.com/office/drawing/2014/main" xmlns="" id="{35E05BB2-BBAA-4D69-A33C-1E9EA5535B15}"/>
               </a:ext>
             </a:extLst>
           </p:cNvPr>
@@ -4648,7 +4626,7 @@
           <p:cNvPr id="3" name="Content Placeholder 2">
             <a:extLst>
               <a:ext uri="{FF2B5EF4-FFF2-40B4-BE49-F238E27FC236}">
-                <a16:creationId xmlns:a16="http://schemas.microsoft.com/office/drawing/2014/main" id="{D6C69CD3-FDB0-4F51-BF20-3540E3E5BDC3}"/>
+                <a16:creationId xmlns:a16="http://schemas.microsoft.com/office/drawing/2014/main" xmlns="" id="{D6C69CD3-FDB0-4F51-BF20-3540E3E5BDC3}"/>
               </a:ext>
             </a:extLst>
           </p:cNvPr>
@@ -4718,7 +4696,7 @@
           <p:cNvPr id="2" name="Title 1">
             <a:extLst>
               <a:ext uri="{FF2B5EF4-FFF2-40B4-BE49-F238E27FC236}">
-                <a16:creationId xmlns:a16="http://schemas.microsoft.com/office/drawing/2014/main" id="{C66671C6-2D3E-41A2-9405-3BE98F784F4E}"/>
+                <a16:creationId xmlns:a16="http://schemas.microsoft.com/office/drawing/2014/main" xmlns="" id="{C66671C6-2D3E-41A2-9405-3BE98F784F4E}"/>
               </a:ext>
             </a:extLst>
           </p:cNvPr>
@@ -4752,7 +4730,7 @@
           <p:cNvPr id="3" name="Content Placeholder 2">
             <a:extLst>
               <a:ext uri="{FF2B5EF4-FFF2-40B4-BE49-F238E27FC236}">
-                <a16:creationId xmlns:a16="http://schemas.microsoft.com/office/drawing/2014/main" id="{4F2994D7-DD43-4771-88A0-0B2DABC7D5EF}"/>
+                <a16:creationId xmlns:a16="http://schemas.microsoft.com/office/drawing/2014/main" xmlns="" id="{4F2994D7-DD43-4771-88A0-0B2DABC7D5EF}"/>
               </a:ext>
             </a:extLst>
           </p:cNvPr>
@@ -4868,7 +4846,7 @@
           <p:cNvPr id="2" name="Title 1">
             <a:extLst>
               <a:ext uri="{FF2B5EF4-FFF2-40B4-BE49-F238E27FC236}">
-                <a16:creationId xmlns:a16="http://schemas.microsoft.com/office/drawing/2014/main" id="{32BF840A-1286-494D-8F55-F34E4C46CC90}"/>
+                <a16:creationId xmlns:a16="http://schemas.microsoft.com/office/drawing/2014/main" xmlns="" id="{32BF840A-1286-494D-8F55-F34E4C46CC90}"/>
               </a:ext>
             </a:extLst>
           </p:cNvPr>
@@ -4896,7 +4874,7 @@
           <p:cNvPr id="3" name="Content Placeholder 2">
             <a:extLst>
               <a:ext uri="{FF2B5EF4-FFF2-40B4-BE49-F238E27FC236}">
-                <a16:creationId xmlns:a16="http://schemas.microsoft.com/office/drawing/2014/main" id="{7A585712-05BE-4FEE-B049-114455637083}"/>
+                <a16:creationId xmlns:a16="http://schemas.microsoft.com/office/drawing/2014/main" xmlns="" id="{7A585712-05BE-4FEE-B049-114455637083}"/>
               </a:ext>
             </a:extLst>
           </p:cNvPr>
@@ -4968,7 +4946,7 @@
           <p:cNvPr id="2" name="Title 1">
             <a:extLst>
               <a:ext uri="{FF2B5EF4-FFF2-40B4-BE49-F238E27FC236}">
-                <a16:creationId xmlns:a16="http://schemas.microsoft.com/office/drawing/2014/main" id="{EEC7B15A-2493-4E9C-8DF6-152DACFFC264}"/>
+                <a16:creationId xmlns:a16="http://schemas.microsoft.com/office/drawing/2014/main" xmlns="" id="{EEC7B15A-2493-4E9C-8DF6-152DACFFC264}"/>
               </a:ext>
             </a:extLst>
           </p:cNvPr>
@@ -4997,7 +4975,7 @@
           <p:cNvPr id="3" name="Content Placeholder 2">
             <a:extLst>
               <a:ext uri="{FF2B5EF4-FFF2-40B4-BE49-F238E27FC236}">
-                <a16:creationId xmlns:a16="http://schemas.microsoft.com/office/drawing/2014/main" id="{C922D2EE-5369-4E03-941B-6DB60177C864}"/>
+                <a16:creationId xmlns:a16="http://schemas.microsoft.com/office/drawing/2014/main" xmlns="" id="{C922D2EE-5369-4E03-941B-6DB60177C864}"/>
               </a:ext>
             </a:extLst>
           </p:cNvPr>
@@ -5075,7 +5053,7 @@
           <p:cNvPr id="2" name="Title 1">
             <a:extLst>
               <a:ext uri="{FF2B5EF4-FFF2-40B4-BE49-F238E27FC236}">
-                <a16:creationId xmlns:a16="http://schemas.microsoft.com/office/drawing/2014/main" id="{22EC3005-1204-404A-8DF6-14963C08CD39}"/>
+                <a16:creationId xmlns:a16="http://schemas.microsoft.com/office/drawing/2014/main" xmlns="" id="{22EC3005-1204-404A-8DF6-14963C08CD39}"/>
               </a:ext>
             </a:extLst>
           </p:cNvPr>
@@ -5104,7 +5082,7 @@
           <p:cNvPr id="3" name="Content Placeholder 2">
             <a:extLst>
               <a:ext uri="{FF2B5EF4-FFF2-40B4-BE49-F238E27FC236}">
-                <a16:creationId xmlns:a16="http://schemas.microsoft.com/office/drawing/2014/main" id="{7FF16DDA-DC2F-4804-B711-3266D19946C7}"/>
+                <a16:creationId xmlns:a16="http://schemas.microsoft.com/office/drawing/2014/main" xmlns="" id="{7FF16DDA-DC2F-4804-B711-3266D19946C7}"/>
               </a:ext>
             </a:extLst>
           </p:cNvPr>
@@ -5115,12 +5093,122 @@
             <p:ph idx="1"/>
           </p:nvPr>
         </p:nvSpPr>
-        <p:spPr/>
+        <p:spPr>
+          <a:xfrm>
+            <a:off x="1371600" y="1611517"/>
+            <a:ext cx="9601200" cy="4255883"/>
+          </a:xfrm>
+        </p:spPr>
         <p:txBody>
           <a:bodyPr/>
           <a:lstStyle/>
           <a:p>
-            <a:endParaRPr lang="en-US"/>
+            <a:pPr lvl="0"/>
+            <a:r>
+              <a:rPr lang="en-US" dirty="0"/>
+              <a:t>The software meets its non-functional requirements.</a:t>
+            </a:r>
+          </a:p>
+          <a:p>
+            <a:pPr lvl="0"/>
+            <a:r>
+              <a:rPr lang="en-US" dirty="0"/>
+              <a:t>To identify and reveal as many errors as possible in the tested software.</a:t>
+            </a:r>
+          </a:p>
+          <a:p>
+            <a:pPr lvl="0"/>
+            <a:r>
+              <a:rPr lang="en-US" dirty="0"/>
+              <a:t>To perform the required tests efficiently and effectively, within budgetary and scheduling limitations.</a:t>
+            </a:r>
+          </a:p>
+          <a:p>
+            <a:r>
+              <a:rPr lang="en-US" b="1" dirty="0" smtClean="0"/>
+              <a:t>Types </a:t>
+            </a:r>
+            <a:r>
+              <a:rPr lang="en-US" b="1" dirty="0"/>
+              <a:t>of System </a:t>
+            </a:r>
+            <a:r>
+              <a:rPr lang="en-US" b="1" dirty="0" smtClean="0"/>
+              <a:t>Tests</a:t>
+            </a:r>
+          </a:p>
+          <a:p>
+            <a:pPr lvl="1"/>
+            <a:r>
+              <a:rPr lang="en-US" dirty="0"/>
+              <a:t>Functional </a:t>
+            </a:r>
+            <a:r>
+              <a:rPr lang="en-US" dirty="0" smtClean="0"/>
+              <a:t>testing </a:t>
+            </a:r>
+            <a:endParaRPr lang="en-US" dirty="0"/>
+          </a:p>
+          <a:p>
+            <a:pPr lvl="1"/>
+            <a:r>
+              <a:rPr lang="en-US" dirty="0"/>
+              <a:t>Non- functional </a:t>
+            </a:r>
+            <a:r>
+              <a:rPr lang="en-US" dirty="0" smtClean="0"/>
+              <a:t>testing</a:t>
+            </a:r>
+            <a:endParaRPr lang="en-US" dirty="0"/>
+          </a:p>
+          <a:p>
+            <a:r>
+              <a:rPr lang="en-US" b="1" dirty="0" smtClean="0"/>
+              <a:t>Testing techniques</a:t>
+            </a:r>
+          </a:p>
+          <a:p>
+            <a:pPr lvl="1"/>
+            <a:r>
+              <a:rPr lang="en-US" dirty="0" smtClean="0"/>
+              <a:t>Functional testing: </a:t>
+            </a:r>
+            <a:r>
+              <a:rPr lang="en-US" dirty="0"/>
+              <a:t>Equivalence class partitioning (ECP) </a:t>
+            </a:r>
+            <a:r>
+              <a:rPr lang="en-US" dirty="0"/>
+              <a:t>&amp;</a:t>
+            </a:r>
+            <a:r>
+              <a:rPr lang="en-US" sz="1800" dirty="0" smtClean="0"/>
+              <a:t> </a:t>
+            </a:r>
+            <a:r>
+              <a:rPr lang="en-US" dirty="0" smtClean="0"/>
+              <a:t>State </a:t>
+            </a:r>
+            <a:r>
+              <a:rPr lang="en-US" dirty="0"/>
+              <a:t>transition </a:t>
+            </a:r>
+            <a:r>
+              <a:rPr lang="en-US" dirty="0" smtClean="0"/>
+              <a:t>testing.</a:t>
+            </a:r>
+          </a:p>
+          <a:p>
+            <a:pPr lvl="1"/>
+            <a:r>
+              <a:rPr lang="en-US" sz="1800" dirty="0" smtClean="0"/>
+              <a:t>Non-functional: Survey</a:t>
+            </a:r>
+            <a:endParaRPr lang="en-US" sz="1800" dirty="0"/>
+          </a:p>
+          <a:p>
+            <a:pPr lvl="1"/>
+            <a:endParaRPr lang="en-US" dirty="0"/>
           </a:p>
         </p:txBody>
       </p:sp>
@@ -5170,55 +5258,1241 @@
           <a:lstStyle/>
           <a:p>
             <a:r>
-              <a:rPr lang="en-US" dirty="0"/>
-              <a:t>Conclusion</a:t>
-            </a:r>
-          </a:p>
-        </p:txBody>
-      </p:sp>
-      <p:sp>
-        <p:nvSpPr>
-          <p:cNvPr id="3" name="Content Placeholder 2"/>
-          <p:cNvSpPr>
-            <a:spLocks noGrp="1"/>
-          </p:cNvSpPr>
+              <a:rPr lang="en-US" dirty="0" smtClean="0"/>
+              <a:t>Unit Testing</a:t>
+            </a:r>
+            <a:endParaRPr lang="en-US" dirty="0"/>
+          </a:p>
+        </p:txBody>
+      </p:sp>
+      <p:graphicFrame>
+        <p:nvGraphicFramePr>
+          <p:cNvPr id="4" name="Content Placeholder 3"/>
+          <p:cNvGraphicFramePr>
+            <a:graphicFrameLocks noGrp="1"/>
+          </p:cNvGraphicFramePr>
           <p:nvPr>
             <p:ph idx="1"/>
-          </p:nvPr>
-        </p:nvSpPr>
-        <p:spPr>
-          <a:xfrm>
-            <a:off x="1371600" y="2286000"/>
-            <a:ext cx="5312004" cy="3581400"/>
-          </a:xfrm>
-        </p:spPr>
-        <p:txBody>
-          <a:bodyPr/>
-          <a:lstStyle/>
-          <a:p>
-            <a:r>
-              <a:rPr lang="en-US" dirty="0"/>
-              <a:t>Virtual Reality application to educate students</a:t>
-            </a:r>
-          </a:p>
-          <a:p>
-            <a:r>
-              <a:rPr lang="en-US" dirty="0"/>
-              <a:t>Visual view of the water cycle</a:t>
-            </a:r>
-          </a:p>
-          <a:p>
-            <a:r>
-              <a:rPr lang="en-US" dirty="0"/>
-              <a:t>Mini game to polish up user’s knowledge.</a:t>
-            </a:r>
-          </a:p>
-          <a:p>
-            <a:endParaRPr lang="en-US" dirty="0"/>
-          </a:p>
-        </p:txBody>
-      </p:sp>
+            <p:extLst>
+              <p:ext uri="{D42A27DB-BD31-4B8C-83A1-F6EECF244321}">
+                <p14:modId xmlns:p14="http://schemas.microsoft.com/office/powerpoint/2010/main" val="738116664"/>
+              </p:ext>
+            </p:extLst>
+          </p:nvPr>
+        </p:nvGraphicFramePr>
+        <p:xfrm>
+          <a:off x="1267487" y="1593412"/>
+          <a:ext cx="10067451" cy="4608211"/>
+        </p:xfrm>
+        <a:graphic>
+          <a:graphicData uri="http://schemas.openxmlformats.org/drawingml/2006/table">
+            <a:tbl>
+              <a:tblPr firstRow="1" firstCol="1" bandRow="1">
+                <a:tableStyleId>{5C22544A-7EE6-4342-B048-85BDC9FD1C3A}</a:tableStyleId>
+              </a:tblPr>
+              <a:tblGrid>
+                <a:gridCol w="944516"/>
+                <a:gridCol w="1260697"/>
+                <a:gridCol w="1216392"/>
+                <a:gridCol w="1447990"/>
+                <a:gridCol w="1176113"/>
+                <a:gridCol w="1176113"/>
+                <a:gridCol w="1103614"/>
+                <a:gridCol w="916321"/>
+                <a:gridCol w="825695"/>
+              </a:tblGrid>
+              <a:tr h="632240">
+                <a:tc>
+                  <a:txBody>
+                    <a:bodyPr/>
+                    <a:lstStyle/>
+                    <a:p>
+                      <a:pPr marL="0" marR="0">
+                        <a:lnSpc>
+                          <a:spcPct val="107000"/>
+                        </a:lnSpc>
+                        <a:spcBef>
+                          <a:spcPts val="0"/>
+                        </a:spcBef>
+                        <a:spcAft>
+                          <a:spcPts val="0"/>
+                        </a:spcAft>
+                      </a:pPr>
+                      <a:r>
+                        <a:rPr lang="en-US" sz="1400">
+                          <a:effectLst/>
+                        </a:rPr>
+                        <a:t>Test Case ID</a:t>
+                      </a:r>
+                      <a:endParaRPr lang="en-US" sz="2000">
+                        <a:effectLst/>
+                        <a:latin typeface="Calibri" panose="020F0502020204030204" pitchFamily="34" charset="0"/>
+                        <a:ea typeface="Calibri" panose="020F0502020204030204" pitchFamily="34" charset="0"/>
+                        <a:cs typeface="Arial" panose="020B0604020202020204" pitchFamily="34" charset="0"/>
+                      </a:endParaRPr>
+                    </a:p>
+                  </a:txBody>
+                  <a:tcPr marL="68580" marR="68580" marT="0" marB="0" anchor="ctr"/>
+                </a:tc>
+                <a:tc>
+                  <a:txBody>
+                    <a:bodyPr/>
+                    <a:lstStyle/>
+                    <a:p>
+                      <a:pPr marL="0" marR="0">
+                        <a:lnSpc>
+                          <a:spcPct val="107000"/>
+                        </a:lnSpc>
+                        <a:spcBef>
+                          <a:spcPts val="0"/>
+                        </a:spcBef>
+                        <a:spcAft>
+                          <a:spcPts val="0"/>
+                        </a:spcAft>
+                      </a:pPr>
+                      <a:r>
+                        <a:rPr lang="en-US" sz="1400">
+                          <a:effectLst/>
+                        </a:rPr>
+                        <a:t>Test Scenario</a:t>
+                      </a:r>
+                      <a:endParaRPr lang="en-US" sz="2000">
+                        <a:effectLst/>
+                        <a:latin typeface="Calibri" panose="020F0502020204030204" pitchFamily="34" charset="0"/>
+                        <a:ea typeface="Calibri" panose="020F0502020204030204" pitchFamily="34" charset="0"/>
+                        <a:cs typeface="Arial" panose="020B0604020202020204" pitchFamily="34" charset="0"/>
+                      </a:endParaRPr>
+                    </a:p>
+                  </a:txBody>
+                  <a:tcPr marL="68580" marR="68580" marT="0" marB="0" anchor="ctr"/>
+                </a:tc>
+                <a:tc>
+                  <a:txBody>
+                    <a:bodyPr/>
+                    <a:lstStyle/>
+                    <a:p>
+                      <a:pPr marL="0" marR="0">
+                        <a:lnSpc>
+                          <a:spcPct val="107000"/>
+                        </a:lnSpc>
+                        <a:spcBef>
+                          <a:spcPts val="0"/>
+                        </a:spcBef>
+                        <a:spcAft>
+                          <a:spcPts val="0"/>
+                        </a:spcAft>
+                      </a:pPr>
+                      <a:r>
+                        <a:rPr lang="en-US" sz="1400">
+                          <a:effectLst/>
+                        </a:rPr>
+                        <a:t>Test Case Description</a:t>
+                      </a:r>
+                      <a:endParaRPr lang="en-US" sz="2000">
+                        <a:effectLst/>
+                        <a:latin typeface="Calibri" panose="020F0502020204030204" pitchFamily="34" charset="0"/>
+                        <a:ea typeface="Calibri" panose="020F0502020204030204" pitchFamily="34" charset="0"/>
+                        <a:cs typeface="Arial" panose="020B0604020202020204" pitchFamily="34" charset="0"/>
+                      </a:endParaRPr>
+                    </a:p>
+                  </a:txBody>
+                  <a:tcPr marL="68580" marR="68580" marT="0" marB="0" anchor="ctr"/>
+                </a:tc>
+                <a:tc>
+                  <a:txBody>
+                    <a:bodyPr/>
+                    <a:lstStyle/>
+                    <a:p>
+                      <a:pPr marL="0" marR="0">
+                        <a:lnSpc>
+                          <a:spcPct val="107000"/>
+                        </a:lnSpc>
+                        <a:spcBef>
+                          <a:spcPts val="0"/>
+                        </a:spcBef>
+                        <a:spcAft>
+                          <a:spcPts val="0"/>
+                        </a:spcAft>
+                      </a:pPr>
+                      <a:r>
+                        <a:rPr lang="en-US" sz="1400">
+                          <a:effectLst/>
+                        </a:rPr>
+                        <a:t>Precondition</a:t>
+                      </a:r>
+                      <a:endParaRPr lang="en-US" sz="2000">
+                        <a:effectLst/>
+                        <a:latin typeface="Calibri" panose="020F0502020204030204" pitchFamily="34" charset="0"/>
+                        <a:ea typeface="Calibri" panose="020F0502020204030204" pitchFamily="34" charset="0"/>
+                        <a:cs typeface="Arial" panose="020B0604020202020204" pitchFamily="34" charset="0"/>
+                      </a:endParaRPr>
+                    </a:p>
+                  </a:txBody>
+                  <a:tcPr marL="68580" marR="68580" marT="0" marB="0" anchor="ctr"/>
+                </a:tc>
+                <a:tc>
+                  <a:txBody>
+                    <a:bodyPr/>
+                    <a:lstStyle/>
+                    <a:p>
+                      <a:pPr marL="0" marR="0">
+                        <a:lnSpc>
+                          <a:spcPct val="107000"/>
+                        </a:lnSpc>
+                        <a:spcBef>
+                          <a:spcPts val="0"/>
+                        </a:spcBef>
+                        <a:spcAft>
+                          <a:spcPts val="0"/>
+                        </a:spcAft>
+                      </a:pPr>
+                      <a:r>
+                        <a:rPr lang="en-US" sz="1400">
+                          <a:effectLst/>
+                        </a:rPr>
+                        <a:t>Test Steps</a:t>
+                      </a:r>
+                      <a:endParaRPr lang="en-US" sz="2000">
+                        <a:effectLst/>
+                        <a:latin typeface="Calibri" panose="020F0502020204030204" pitchFamily="34" charset="0"/>
+                        <a:ea typeface="Calibri" panose="020F0502020204030204" pitchFamily="34" charset="0"/>
+                        <a:cs typeface="Arial" panose="020B0604020202020204" pitchFamily="34" charset="0"/>
+                      </a:endParaRPr>
+                    </a:p>
+                  </a:txBody>
+                  <a:tcPr marL="68580" marR="68580" marT="0" marB="0" anchor="ctr"/>
+                </a:tc>
+                <a:tc>
+                  <a:txBody>
+                    <a:bodyPr/>
+                    <a:lstStyle/>
+                    <a:p>
+                      <a:pPr marL="0" marR="0">
+                        <a:lnSpc>
+                          <a:spcPct val="107000"/>
+                        </a:lnSpc>
+                        <a:spcBef>
+                          <a:spcPts val="0"/>
+                        </a:spcBef>
+                        <a:spcAft>
+                          <a:spcPts val="0"/>
+                        </a:spcAft>
+                      </a:pPr>
+                      <a:r>
+                        <a:rPr lang="en-US" sz="1400">
+                          <a:effectLst/>
+                        </a:rPr>
+                        <a:t>Test Data</a:t>
+                      </a:r>
+                      <a:endParaRPr lang="en-US" sz="2000">
+                        <a:effectLst/>
+                        <a:latin typeface="Calibri" panose="020F0502020204030204" pitchFamily="34" charset="0"/>
+                        <a:ea typeface="Calibri" panose="020F0502020204030204" pitchFamily="34" charset="0"/>
+                        <a:cs typeface="Arial" panose="020B0604020202020204" pitchFamily="34" charset="0"/>
+                      </a:endParaRPr>
+                    </a:p>
+                  </a:txBody>
+                  <a:tcPr marL="68580" marR="68580" marT="0" marB="0" anchor="ctr"/>
+                </a:tc>
+                <a:tc>
+                  <a:txBody>
+                    <a:bodyPr/>
+                    <a:lstStyle/>
+                    <a:p>
+                      <a:pPr marL="0" marR="0">
+                        <a:lnSpc>
+                          <a:spcPct val="107000"/>
+                        </a:lnSpc>
+                        <a:spcBef>
+                          <a:spcPts val="0"/>
+                        </a:spcBef>
+                        <a:spcAft>
+                          <a:spcPts val="0"/>
+                        </a:spcAft>
+                      </a:pPr>
+                      <a:r>
+                        <a:rPr lang="en-US" sz="1400">
+                          <a:effectLst/>
+                        </a:rPr>
+                        <a:t>Expected Results</a:t>
+                      </a:r>
+                      <a:endParaRPr lang="en-US" sz="2000">
+                        <a:effectLst/>
+                        <a:latin typeface="Calibri" panose="020F0502020204030204" pitchFamily="34" charset="0"/>
+                        <a:ea typeface="Calibri" panose="020F0502020204030204" pitchFamily="34" charset="0"/>
+                        <a:cs typeface="Arial" panose="020B0604020202020204" pitchFamily="34" charset="0"/>
+                      </a:endParaRPr>
+                    </a:p>
+                  </a:txBody>
+                  <a:tcPr marL="68580" marR="68580" marT="0" marB="0" anchor="ctr"/>
+                </a:tc>
+                <a:tc>
+                  <a:txBody>
+                    <a:bodyPr/>
+                    <a:lstStyle/>
+                    <a:p>
+                      <a:pPr marL="0" marR="0">
+                        <a:lnSpc>
+                          <a:spcPct val="107000"/>
+                        </a:lnSpc>
+                        <a:spcBef>
+                          <a:spcPts val="0"/>
+                        </a:spcBef>
+                        <a:spcAft>
+                          <a:spcPts val="0"/>
+                        </a:spcAft>
+                      </a:pPr>
+                      <a:r>
+                        <a:rPr lang="en-US" sz="1400">
+                          <a:effectLst/>
+                        </a:rPr>
+                        <a:t>Actual Result</a:t>
+                      </a:r>
+                      <a:endParaRPr lang="en-US" sz="2000">
+                        <a:effectLst/>
+                        <a:latin typeface="Calibri" panose="020F0502020204030204" pitchFamily="34" charset="0"/>
+                        <a:ea typeface="Calibri" panose="020F0502020204030204" pitchFamily="34" charset="0"/>
+                        <a:cs typeface="Arial" panose="020B0604020202020204" pitchFamily="34" charset="0"/>
+                      </a:endParaRPr>
+                    </a:p>
+                  </a:txBody>
+                  <a:tcPr marL="68580" marR="68580" marT="0" marB="0" anchor="ctr"/>
+                </a:tc>
+                <a:tc>
+                  <a:txBody>
+                    <a:bodyPr/>
+                    <a:lstStyle/>
+                    <a:p>
+                      <a:pPr marL="0" marR="0" algn="ctr">
+                        <a:lnSpc>
+                          <a:spcPct val="107000"/>
+                        </a:lnSpc>
+                        <a:spcBef>
+                          <a:spcPts val="0"/>
+                        </a:spcBef>
+                        <a:spcAft>
+                          <a:spcPts val="0"/>
+                        </a:spcAft>
+                      </a:pPr>
+                      <a:r>
+                        <a:rPr lang="en-US" sz="1400" dirty="0">
+                          <a:effectLst/>
+                        </a:rPr>
+                        <a:t>Test</a:t>
+                      </a:r>
+                      <a:endParaRPr lang="en-US" sz="2000" dirty="0">
+                        <a:effectLst/>
+                      </a:endParaRPr>
+                    </a:p>
+                    <a:p>
+                      <a:pPr marL="0" marR="0" algn="ctr">
+                        <a:lnSpc>
+                          <a:spcPct val="107000"/>
+                        </a:lnSpc>
+                        <a:spcBef>
+                          <a:spcPts val="0"/>
+                        </a:spcBef>
+                        <a:spcAft>
+                          <a:spcPts val="0"/>
+                        </a:spcAft>
+                      </a:pPr>
+                      <a:r>
+                        <a:rPr lang="en-US" sz="1400" dirty="0">
+                          <a:effectLst/>
+                        </a:rPr>
+                        <a:t>Result</a:t>
+                      </a:r>
+                      <a:endParaRPr lang="en-US" sz="2000" dirty="0">
+                        <a:effectLst/>
+                        <a:latin typeface="Calibri" panose="020F0502020204030204" pitchFamily="34" charset="0"/>
+                        <a:ea typeface="Calibri" panose="020F0502020204030204" pitchFamily="34" charset="0"/>
+                        <a:cs typeface="Arial" panose="020B0604020202020204" pitchFamily="34" charset="0"/>
+                      </a:endParaRPr>
+                    </a:p>
+                  </a:txBody>
+                  <a:tcPr marL="68580" marR="68580" marT="0" marB="0" anchor="ctr"/>
+                </a:tc>
+              </a:tr>
+              <a:tr h="1347679">
+                <a:tc>
+                  <a:txBody>
+                    <a:bodyPr/>
+                    <a:lstStyle/>
+                    <a:p>
+                      <a:pPr marL="0" marR="0">
+                        <a:lnSpc>
+                          <a:spcPct val="107000"/>
+                        </a:lnSpc>
+                        <a:spcBef>
+                          <a:spcPts val="0"/>
+                        </a:spcBef>
+                        <a:spcAft>
+                          <a:spcPts val="0"/>
+                        </a:spcAft>
+                      </a:pPr>
+                      <a:r>
+                        <a:rPr lang="en-US" sz="1400">
+                          <a:effectLst/>
+                        </a:rPr>
+                        <a:t>TC_001</a:t>
+                      </a:r>
+                      <a:endParaRPr lang="en-US" sz="2000">
+                        <a:effectLst/>
+                        <a:latin typeface="Calibri" panose="020F0502020204030204" pitchFamily="34" charset="0"/>
+                        <a:ea typeface="Calibri" panose="020F0502020204030204" pitchFamily="34" charset="0"/>
+                        <a:cs typeface="Arial" panose="020B0604020202020204" pitchFamily="34" charset="0"/>
+                      </a:endParaRPr>
+                    </a:p>
+                  </a:txBody>
+                  <a:tcPr marL="68580" marR="68580" marT="0" marB="0" anchor="ctr"/>
+                </a:tc>
+                <a:tc>
+                  <a:txBody>
+                    <a:bodyPr/>
+                    <a:lstStyle/>
+                    <a:p>
+                      <a:pPr marL="0" marR="0">
+                        <a:lnSpc>
+                          <a:spcPct val="107000"/>
+                        </a:lnSpc>
+                        <a:spcBef>
+                          <a:spcPts val="0"/>
+                        </a:spcBef>
+                        <a:spcAft>
+                          <a:spcPts val="0"/>
+                        </a:spcAft>
+                      </a:pPr>
+                      <a:r>
+                        <a:rPr lang="en-US" sz="1200">
+                          <a:effectLst/>
+                        </a:rPr>
+                        <a:t>Starting the tour guide for the water cycle</a:t>
+                      </a:r>
+                      <a:endParaRPr lang="en-US" sz="1800">
+                        <a:effectLst/>
+                        <a:latin typeface="Calibri" panose="020F0502020204030204" pitchFamily="34" charset="0"/>
+                        <a:ea typeface="Calibri" panose="020F0502020204030204" pitchFamily="34" charset="0"/>
+                        <a:cs typeface="Arial" panose="020B0604020202020204" pitchFamily="34" charset="0"/>
+                      </a:endParaRPr>
+                    </a:p>
+                  </a:txBody>
+                  <a:tcPr marL="68580" marR="68580" marT="0" marB="0" anchor="ctr"/>
+                </a:tc>
+                <a:tc>
+                  <a:txBody>
+                    <a:bodyPr/>
+                    <a:lstStyle/>
+                    <a:p>
+                      <a:pPr marL="0" marR="0">
+                        <a:lnSpc>
+                          <a:spcPct val="107000"/>
+                        </a:lnSpc>
+                        <a:spcBef>
+                          <a:spcPts val="0"/>
+                        </a:spcBef>
+                        <a:spcAft>
+                          <a:spcPts val="0"/>
+                        </a:spcAft>
+                      </a:pPr>
+                      <a:r>
+                        <a:rPr lang="en-US" sz="1200">
+                          <a:effectLst/>
+                        </a:rPr>
+                        <a:t>Testing the start tour guide functionality by looking at the button for 2 seconds</a:t>
+                      </a:r>
+                      <a:endParaRPr lang="en-US" sz="1800">
+                        <a:effectLst/>
+                        <a:latin typeface="Calibri" panose="020F0502020204030204" pitchFamily="34" charset="0"/>
+                        <a:ea typeface="Calibri" panose="020F0502020204030204" pitchFamily="34" charset="0"/>
+                        <a:cs typeface="Arial" panose="020B0604020202020204" pitchFamily="34" charset="0"/>
+                      </a:endParaRPr>
+                    </a:p>
+                  </a:txBody>
+                  <a:tcPr marL="68580" marR="68580" marT="0" marB="0" anchor="ctr"/>
+                </a:tc>
+                <a:tc>
+                  <a:txBody>
+                    <a:bodyPr/>
+                    <a:lstStyle/>
+                    <a:p>
+                      <a:pPr marL="0" marR="0">
+                        <a:lnSpc>
+                          <a:spcPct val="107000"/>
+                        </a:lnSpc>
+                        <a:spcBef>
+                          <a:spcPts val="0"/>
+                        </a:spcBef>
+                        <a:spcAft>
+                          <a:spcPts val="0"/>
+                        </a:spcAft>
+                      </a:pPr>
+                      <a:r>
+                        <a:rPr lang="en-US" sz="1200">
+                          <a:effectLst/>
+                        </a:rPr>
+                        <a:t>Launch the app.</a:t>
+                      </a:r>
+                      <a:endParaRPr lang="en-US" sz="1800">
+                        <a:effectLst/>
+                        <a:latin typeface="Calibri" panose="020F0502020204030204" pitchFamily="34" charset="0"/>
+                        <a:ea typeface="Calibri" panose="020F0502020204030204" pitchFamily="34" charset="0"/>
+                        <a:cs typeface="Arial" panose="020B0604020202020204" pitchFamily="34" charset="0"/>
+                      </a:endParaRPr>
+                    </a:p>
+                  </a:txBody>
+                  <a:tcPr marL="68580" marR="68580" marT="0" marB="0" anchor="ctr"/>
+                </a:tc>
+                <a:tc>
+                  <a:txBody>
+                    <a:bodyPr/>
+                    <a:lstStyle/>
+                    <a:p>
+                      <a:pPr marL="0" marR="0">
+                        <a:lnSpc>
+                          <a:spcPct val="107000"/>
+                        </a:lnSpc>
+                        <a:spcBef>
+                          <a:spcPts val="0"/>
+                        </a:spcBef>
+                        <a:spcAft>
+                          <a:spcPts val="0"/>
+                        </a:spcAft>
+                      </a:pPr>
+                      <a:r>
+                        <a:rPr lang="en-US" sz="1200">
+                          <a:effectLst/>
+                        </a:rPr>
+                        <a:t>Look at the Tour Guide button for 2 seconds.</a:t>
+                      </a:r>
+                      <a:endParaRPr lang="en-US" sz="1800">
+                        <a:effectLst/>
+                        <a:latin typeface="Calibri" panose="020F0502020204030204" pitchFamily="34" charset="0"/>
+                        <a:ea typeface="Calibri" panose="020F0502020204030204" pitchFamily="34" charset="0"/>
+                        <a:cs typeface="Arial" panose="020B0604020202020204" pitchFamily="34" charset="0"/>
+                      </a:endParaRPr>
+                    </a:p>
+                  </a:txBody>
+                  <a:tcPr marL="68580" marR="68580" marT="0" marB="0" anchor="ctr"/>
+                </a:tc>
+                <a:tc>
+                  <a:txBody>
+                    <a:bodyPr/>
+                    <a:lstStyle/>
+                    <a:p>
+                      <a:pPr marL="0" marR="0">
+                        <a:lnSpc>
+                          <a:spcPct val="107000"/>
+                        </a:lnSpc>
+                        <a:spcBef>
+                          <a:spcPts val="0"/>
+                        </a:spcBef>
+                        <a:spcAft>
+                          <a:spcPts val="0"/>
+                        </a:spcAft>
+                      </a:pPr>
+                      <a:r>
+                        <a:rPr lang="en-US" sz="1200">
+                          <a:effectLst/>
+                        </a:rPr>
+                        <a:t>Gaze at the start tour button for 2 sec.</a:t>
+                      </a:r>
+                      <a:endParaRPr lang="en-US" sz="1800">
+                        <a:effectLst/>
+                        <a:latin typeface="Calibri" panose="020F0502020204030204" pitchFamily="34" charset="0"/>
+                        <a:ea typeface="Calibri" panose="020F0502020204030204" pitchFamily="34" charset="0"/>
+                        <a:cs typeface="Arial" panose="020B0604020202020204" pitchFamily="34" charset="0"/>
+                      </a:endParaRPr>
+                    </a:p>
+                  </a:txBody>
+                  <a:tcPr marL="68580" marR="68580" marT="0" marB="0" anchor="ctr"/>
+                </a:tc>
+                <a:tc>
+                  <a:txBody>
+                    <a:bodyPr/>
+                    <a:lstStyle/>
+                    <a:p>
+                      <a:pPr marL="0" marR="0">
+                        <a:lnSpc>
+                          <a:spcPct val="107000"/>
+                        </a:lnSpc>
+                        <a:spcBef>
+                          <a:spcPts val="0"/>
+                        </a:spcBef>
+                        <a:spcAft>
+                          <a:spcPts val="0"/>
+                        </a:spcAft>
+                      </a:pPr>
+                      <a:r>
+                        <a:rPr lang="en-US" sz="1200">
+                          <a:effectLst/>
+                        </a:rPr>
+                        <a:t>Tour guide Started</a:t>
+                      </a:r>
+                      <a:endParaRPr lang="en-US" sz="1800">
+                        <a:effectLst/>
+                        <a:latin typeface="Calibri" panose="020F0502020204030204" pitchFamily="34" charset="0"/>
+                        <a:ea typeface="Calibri" panose="020F0502020204030204" pitchFamily="34" charset="0"/>
+                        <a:cs typeface="Arial" panose="020B0604020202020204" pitchFamily="34" charset="0"/>
+                      </a:endParaRPr>
+                    </a:p>
+                  </a:txBody>
+                  <a:tcPr marL="68580" marR="68580" marT="0" marB="0" anchor="ctr"/>
+                </a:tc>
+                <a:tc>
+                  <a:txBody>
+                    <a:bodyPr/>
+                    <a:lstStyle/>
+                    <a:p>
+                      <a:pPr marL="0" marR="0">
+                        <a:lnSpc>
+                          <a:spcPct val="107000"/>
+                        </a:lnSpc>
+                        <a:spcBef>
+                          <a:spcPts val="0"/>
+                        </a:spcBef>
+                        <a:spcAft>
+                          <a:spcPts val="0"/>
+                        </a:spcAft>
+                      </a:pPr>
+                      <a:r>
+                        <a:rPr lang="en-US" sz="1200">
+                          <a:effectLst/>
+                        </a:rPr>
+                        <a:t>Tour Guide started</a:t>
+                      </a:r>
+                      <a:endParaRPr lang="en-US" sz="1800">
+                        <a:effectLst/>
+                        <a:latin typeface="Calibri" panose="020F0502020204030204" pitchFamily="34" charset="0"/>
+                        <a:ea typeface="Calibri" panose="020F0502020204030204" pitchFamily="34" charset="0"/>
+                        <a:cs typeface="Arial" panose="020B0604020202020204" pitchFamily="34" charset="0"/>
+                      </a:endParaRPr>
+                    </a:p>
+                  </a:txBody>
+                  <a:tcPr marL="68580" marR="68580" marT="0" marB="0" anchor="ctr"/>
+                </a:tc>
+                <a:tc>
+                  <a:txBody>
+                    <a:bodyPr/>
+                    <a:lstStyle/>
+                    <a:p>
+                      <a:pPr marL="0" marR="0" algn="ctr">
+                        <a:lnSpc>
+                          <a:spcPct val="107000"/>
+                        </a:lnSpc>
+                        <a:spcBef>
+                          <a:spcPts val="0"/>
+                        </a:spcBef>
+                        <a:spcAft>
+                          <a:spcPts val="0"/>
+                        </a:spcAft>
+                      </a:pPr>
+                      <a:r>
+                        <a:rPr lang="en-US" sz="1200" dirty="0">
+                          <a:effectLst/>
+                        </a:rPr>
+                        <a:t>Pass</a:t>
+                      </a:r>
+                      <a:endParaRPr lang="en-US" sz="1800" dirty="0">
+                        <a:effectLst/>
+                        <a:latin typeface="Calibri" panose="020F0502020204030204" pitchFamily="34" charset="0"/>
+                        <a:ea typeface="Calibri" panose="020F0502020204030204" pitchFamily="34" charset="0"/>
+                        <a:cs typeface="Arial" panose="020B0604020202020204" pitchFamily="34" charset="0"/>
+                      </a:endParaRPr>
+                    </a:p>
+                  </a:txBody>
+                  <a:tcPr marL="68580" marR="68580" marT="0" marB="0" anchor="ctr"/>
+                </a:tc>
+              </a:tr>
+              <a:tr h="1347679">
+                <a:tc>
+                  <a:txBody>
+                    <a:bodyPr/>
+                    <a:lstStyle/>
+                    <a:p>
+                      <a:pPr marL="0" marR="0">
+                        <a:lnSpc>
+                          <a:spcPct val="107000"/>
+                        </a:lnSpc>
+                        <a:spcBef>
+                          <a:spcPts val="0"/>
+                        </a:spcBef>
+                        <a:spcAft>
+                          <a:spcPts val="0"/>
+                        </a:spcAft>
+                      </a:pPr>
+                      <a:r>
+                        <a:rPr lang="en-US" sz="1400">
+                          <a:effectLst/>
+                        </a:rPr>
+                        <a:t>TC_002</a:t>
+                      </a:r>
+                      <a:endParaRPr lang="en-US" sz="2000">
+                        <a:effectLst/>
+                        <a:latin typeface="Calibri" panose="020F0502020204030204" pitchFamily="34" charset="0"/>
+                        <a:ea typeface="Calibri" panose="020F0502020204030204" pitchFamily="34" charset="0"/>
+                        <a:cs typeface="Arial" panose="020B0604020202020204" pitchFamily="34" charset="0"/>
+                      </a:endParaRPr>
+                    </a:p>
+                  </a:txBody>
+                  <a:tcPr marL="68580" marR="68580" marT="0" marB="0" anchor="ctr"/>
+                </a:tc>
+                <a:tc>
+                  <a:txBody>
+                    <a:bodyPr/>
+                    <a:lstStyle/>
+                    <a:p>
+                      <a:pPr marL="0" marR="0">
+                        <a:lnSpc>
+                          <a:spcPct val="107000"/>
+                        </a:lnSpc>
+                        <a:spcBef>
+                          <a:spcPts val="0"/>
+                        </a:spcBef>
+                        <a:spcAft>
+                          <a:spcPts val="0"/>
+                        </a:spcAft>
+                      </a:pPr>
+                      <a:r>
+                        <a:rPr lang="en-US" sz="1200">
+                          <a:effectLst/>
+                        </a:rPr>
+                        <a:t>Starting the tour guide for the water cycle</a:t>
+                      </a:r>
+                      <a:endParaRPr lang="en-US" sz="1800">
+                        <a:effectLst/>
+                        <a:latin typeface="Calibri" panose="020F0502020204030204" pitchFamily="34" charset="0"/>
+                        <a:ea typeface="Calibri" panose="020F0502020204030204" pitchFamily="34" charset="0"/>
+                        <a:cs typeface="Arial" panose="020B0604020202020204" pitchFamily="34" charset="0"/>
+                      </a:endParaRPr>
+                    </a:p>
+                  </a:txBody>
+                  <a:tcPr marL="68580" marR="68580" marT="0" marB="0" anchor="ctr"/>
+                </a:tc>
+                <a:tc>
+                  <a:txBody>
+                    <a:bodyPr/>
+                    <a:lstStyle/>
+                    <a:p>
+                      <a:pPr marL="0" marR="0">
+                        <a:lnSpc>
+                          <a:spcPct val="107000"/>
+                        </a:lnSpc>
+                        <a:spcBef>
+                          <a:spcPts val="0"/>
+                        </a:spcBef>
+                        <a:spcAft>
+                          <a:spcPts val="0"/>
+                        </a:spcAft>
+                      </a:pPr>
+                      <a:r>
+                        <a:rPr lang="en-US" sz="1200">
+                          <a:effectLst/>
+                        </a:rPr>
+                        <a:t>Testing the start tour guide functionality by not looking at the tour guide button </a:t>
+                      </a:r>
+                      <a:endParaRPr lang="en-US" sz="1800">
+                        <a:effectLst/>
+                        <a:latin typeface="Calibri" panose="020F0502020204030204" pitchFamily="34" charset="0"/>
+                        <a:ea typeface="Calibri" panose="020F0502020204030204" pitchFamily="34" charset="0"/>
+                        <a:cs typeface="Arial" panose="020B0604020202020204" pitchFamily="34" charset="0"/>
+                      </a:endParaRPr>
+                    </a:p>
+                  </a:txBody>
+                  <a:tcPr marL="68580" marR="68580" marT="0" marB="0" anchor="ctr"/>
+                </a:tc>
+                <a:tc>
+                  <a:txBody>
+                    <a:bodyPr/>
+                    <a:lstStyle/>
+                    <a:p>
+                      <a:pPr marL="0" marR="0">
+                        <a:lnSpc>
+                          <a:spcPct val="107000"/>
+                        </a:lnSpc>
+                        <a:spcBef>
+                          <a:spcPts val="0"/>
+                        </a:spcBef>
+                        <a:spcAft>
+                          <a:spcPts val="0"/>
+                        </a:spcAft>
+                      </a:pPr>
+                      <a:r>
+                        <a:rPr lang="en-US" sz="1200">
+                          <a:effectLst/>
+                        </a:rPr>
+                        <a:t>Launch the app</a:t>
+                      </a:r>
+                      <a:endParaRPr lang="en-US" sz="1800">
+                        <a:effectLst/>
+                        <a:latin typeface="Calibri" panose="020F0502020204030204" pitchFamily="34" charset="0"/>
+                        <a:ea typeface="Calibri" panose="020F0502020204030204" pitchFamily="34" charset="0"/>
+                        <a:cs typeface="Arial" panose="020B0604020202020204" pitchFamily="34" charset="0"/>
+                      </a:endParaRPr>
+                    </a:p>
+                  </a:txBody>
+                  <a:tcPr marL="68580" marR="68580" marT="0" marB="0" anchor="ctr"/>
+                </a:tc>
+                <a:tc>
+                  <a:txBody>
+                    <a:bodyPr/>
+                    <a:lstStyle/>
+                    <a:p>
+                      <a:pPr marL="0" marR="0">
+                        <a:lnSpc>
+                          <a:spcPct val="107000"/>
+                        </a:lnSpc>
+                        <a:spcBef>
+                          <a:spcPts val="0"/>
+                        </a:spcBef>
+                        <a:spcAft>
+                          <a:spcPts val="0"/>
+                        </a:spcAft>
+                      </a:pPr>
+                      <a:r>
+                        <a:rPr lang="en-US" sz="1200">
+                          <a:effectLst/>
+                        </a:rPr>
+                        <a:t>Look anywhere but not on the Tour Guide button</a:t>
+                      </a:r>
+                      <a:endParaRPr lang="en-US" sz="1800">
+                        <a:effectLst/>
+                        <a:latin typeface="Calibri" panose="020F0502020204030204" pitchFamily="34" charset="0"/>
+                        <a:ea typeface="Calibri" panose="020F0502020204030204" pitchFamily="34" charset="0"/>
+                        <a:cs typeface="Arial" panose="020B0604020202020204" pitchFamily="34" charset="0"/>
+                      </a:endParaRPr>
+                    </a:p>
+                  </a:txBody>
+                  <a:tcPr marL="68580" marR="68580" marT="0" marB="0" anchor="ctr"/>
+                </a:tc>
+                <a:tc>
+                  <a:txBody>
+                    <a:bodyPr/>
+                    <a:lstStyle/>
+                    <a:p>
+                      <a:pPr marL="0" marR="0">
+                        <a:lnSpc>
+                          <a:spcPct val="107000"/>
+                        </a:lnSpc>
+                        <a:spcBef>
+                          <a:spcPts val="0"/>
+                        </a:spcBef>
+                        <a:spcAft>
+                          <a:spcPts val="0"/>
+                        </a:spcAft>
+                      </a:pPr>
+                      <a:r>
+                        <a:rPr lang="en-US" sz="1200">
+                          <a:effectLst/>
+                        </a:rPr>
+                        <a:t>Gaze anywhere expect the start tour button.</a:t>
+                      </a:r>
+                      <a:endParaRPr lang="en-US" sz="1800">
+                        <a:effectLst/>
+                        <a:latin typeface="Calibri" panose="020F0502020204030204" pitchFamily="34" charset="0"/>
+                        <a:ea typeface="Calibri" panose="020F0502020204030204" pitchFamily="34" charset="0"/>
+                        <a:cs typeface="Arial" panose="020B0604020202020204" pitchFamily="34" charset="0"/>
+                      </a:endParaRPr>
+                    </a:p>
+                  </a:txBody>
+                  <a:tcPr marL="68580" marR="68580" marT="0" marB="0" anchor="ctr"/>
+                </a:tc>
+                <a:tc>
+                  <a:txBody>
+                    <a:bodyPr/>
+                    <a:lstStyle/>
+                    <a:p>
+                      <a:pPr marL="0" marR="0">
+                        <a:lnSpc>
+                          <a:spcPct val="107000"/>
+                        </a:lnSpc>
+                        <a:spcBef>
+                          <a:spcPts val="0"/>
+                        </a:spcBef>
+                        <a:spcAft>
+                          <a:spcPts val="0"/>
+                        </a:spcAft>
+                      </a:pPr>
+                      <a:r>
+                        <a:rPr lang="en-US" sz="1200">
+                          <a:effectLst/>
+                        </a:rPr>
+                        <a:t>Tour Guide does not start. i.e. no action taken</a:t>
+                      </a:r>
+                      <a:endParaRPr lang="en-US" sz="1800">
+                        <a:effectLst/>
+                        <a:latin typeface="Calibri" panose="020F0502020204030204" pitchFamily="34" charset="0"/>
+                        <a:ea typeface="Calibri" panose="020F0502020204030204" pitchFamily="34" charset="0"/>
+                        <a:cs typeface="Arial" panose="020B0604020202020204" pitchFamily="34" charset="0"/>
+                      </a:endParaRPr>
+                    </a:p>
+                  </a:txBody>
+                  <a:tcPr marL="68580" marR="68580" marT="0" marB="0" anchor="ctr"/>
+                </a:tc>
+                <a:tc>
+                  <a:txBody>
+                    <a:bodyPr/>
+                    <a:lstStyle/>
+                    <a:p>
+                      <a:pPr marL="0" marR="0">
+                        <a:lnSpc>
+                          <a:spcPct val="107000"/>
+                        </a:lnSpc>
+                        <a:spcBef>
+                          <a:spcPts val="0"/>
+                        </a:spcBef>
+                        <a:spcAft>
+                          <a:spcPts val="0"/>
+                        </a:spcAft>
+                      </a:pPr>
+                      <a:r>
+                        <a:rPr lang="en-US" sz="1200">
+                          <a:effectLst/>
+                        </a:rPr>
+                        <a:t>Tour guide does not start</a:t>
+                      </a:r>
+                      <a:endParaRPr lang="en-US" sz="1800">
+                        <a:effectLst/>
+                        <a:latin typeface="Calibri" panose="020F0502020204030204" pitchFamily="34" charset="0"/>
+                        <a:ea typeface="Calibri" panose="020F0502020204030204" pitchFamily="34" charset="0"/>
+                        <a:cs typeface="Arial" panose="020B0604020202020204" pitchFamily="34" charset="0"/>
+                      </a:endParaRPr>
+                    </a:p>
+                  </a:txBody>
+                  <a:tcPr marL="68580" marR="68580" marT="0" marB="0" anchor="ctr"/>
+                </a:tc>
+                <a:tc>
+                  <a:txBody>
+                    <a:bodyPr/>
+                    <a:lstStyle/>
+                    <a:p>
+                      <a:pPr marL="0" marR="0" algn="ctr">
+                        <a:lnSpc>
+                          <a:spcPct val="107000"/>
+                        </a:lnSpc>
+                        <a:spcBef>
+                          <a:spcPts val="0"/>
+                        </a:spcBef>
+                        <a:spcAft>
+                          <a:spcPts val="0"/>
+                        </a:spcAft>
+                      </a:pPr>
+                      <a:r>
+                        <a:rPr lang="en-US" sz="1200">
+                          <a:effectLst/>
+                        </a:rPr>
+                        <a:t>Pass</a:t>
+                      </a:r>
+                      <a:endParaRPr lang="en-US" sz="1800">
+                        <a:effectLst/>
+                        <a:latin typeface="Calibri" panose="020F0502020204030204" pitchFamily="34" charset="0"/>
+                        <a:ea typeface="Calibri" panose="020F0502020204030204" pitchFamily="34" charset="0"/>
+                        <a:cs typeface="Arial" panose="020B0604020202020204" pitchFamily="34" charset="0"/>
+                      </a:endParaRPr>
+                    </a:p>
+                  </a:txBody>
+                  <a:tcPr marL="68580" marR="68580" marT="0" marB="0" anchor="ctr"/>
+                </a:tc>
+              </a:tr>
+              <a:tr h="1280613">
+                <a:tc>
+                  <a:txBody>
+                    <a:bodyPr/>
+                    <a:lstStyle/>
+                    <a:p>
+                      <a:pPr marL="0" marR="0">
+                        <a:lnSpc>
+                          <a:spcPct val="107000"/>
+                        </a:lnSpc>
+                        <a:spcBef>
+                          <a:spcPts val="0"/>
+                        </a:spcBef>
+                        <a:spcAft>
+                          <a:spcPts val="0"/>
+                        </a:spcAft>
+                      </a:pPr>
+                      <a:r>
+                        <a:rPr lang="en-US" sz="1400" dirty="0">
+                          <a:effectLst/>
+                        </a:rPr>
+                        <a:t>TC_003</a:t>
+                      </a:r>
+                      <a:endParaRPr lang="en-US" sz="2000" dirty="0">
+                        <a:effectLst/>
+                        <a:latin typeface="Calibri" panose="020F0502020204030204" pitchFamily="34" charset="0"/>
+                        <a:ea typeface="Calibri" panose="020F0502020204030204" pitchFamily="34" charset="0"/>
+                        <a:cs typeface="Arial" panose="020B0604020202020204" pitchFamily="34" charset="0"/>
+                      </a:endParaRPr>
+                    </a:p>
+                  </a:txBody>
+                  <a:tcPr marL="68580" marR="68580" marT="0" marB="0" anchor="ctr"/>
+                </a:tc>
+                <a:tc>
+                  <a:txBody>
+                    <a:bodyPr/>
+                    <a:lstStyle/>
+                    <a:p>
+                      <a:pPr marL="0" marR="0">
+                        <a:lnSpc>
+                          <a:spcPct val="107000"/>
+                        </a:lnSpc>
+                        <a:spcBef>
+                          <a:spcPts val="0"/>
+                        </a:spcBef>
+                        <a:spcAft>
+                          <a:spcPts val="0"/>
+                        </a:spcAft>
+                      </a:pPr>
+                      <a:r>
+                        <a:rPr lang="en-US" sz="1200">
+                          <a:effectLst/>
+                        </a:rPr>
+                        <a:t>Starting the tour guide for the water cycle</a:t>
+                      </a:r>
+                      <a:endParaRPr lang="en-US" sz="1800">
+                        <a:effectLst/>
+                        <a:latin typeface="Calibri" panose="020F0502020204030204" pitchFamily="34" charset="0"/>
+                        <a:ea typeface="Calibri" panose="020F0502020204030204" pitchFamily="34" charset="0"/>
+                        <a:cs typeface="Arial" panose="020B0604020202020204" pitchFamily="34" charset="0"/>
+                      </a:endParaRPr>
+                    </a:p>
+                  </a:txBody>
+                  <a:tcPr marL="68580" marR="68580" marT="0" marB="0" anchor="ctr"/>
+                </a:tc>
+                <a:tc>
+                  <a:txBody>
+                    <a:bodyPr/>
+                    <a:lstStyle/>
+                    <a:p>
+                      <a:pPr marL="0" marR="0">
+                        <a:lnSpc>
+                          <a:spcPct val="107000"/>
+                        </a:lnSpc>
+                        <a:spcBef>
+                          <a:spcPts val="0"/>
+                        </a:spcBef>
+                        <a:spcAft>
+                          <a:spcPts val="0"/>
+                        </a:spcAft>
+                      </a:pPr>
+                      <a:r>
+                        <a:rPr lang="en-US" sz="1200">
+                          <a:effectLst/>
+                        </a:rPr>
+                        <a:t>Testing the Start tour guide functionality by looking at start Game button</a:t>
+                      </a:r>
+                      <a:endParaRPr lang="en-US" sz="1800">
+                        <a:effectLst/>
+                        <a:latin typeface="Calibri" panose="020F0502020204030204" pitchFamily="34" charset="0"/>
+                        <a:ea typeface="Calibri" panose="020F0502020204030204" pitchFamily="34" charset="0"/>
+                        <a:cs typeface="Arial" panose="020B0604020202020204" pitchFamily="34" charset="0"/>
+                      </a:endParaRPr>
+                    </a:p>
+                  </a:txBody>
+                  <a:tcPr marL="68580" marR="68580" marT="0" marB="0" anchor="ctr"/>
+                </a:tc>
+                <a:tc>
+                  <a:txBody>
+                    <a:bodyPr/>
+                    <a:lstStyle/>
+                    <a:p>
+                      <a:pPr marL="0" marR="0">
+                        <a:lnSpc>
+                          <a:spcPct val="107000"/>
+                        </a:lnSpc>
+                        <a:spcBef>
+                          <a:spcPts val="0"/>
+                        </a:spcBef>
+                        <a:spcAft>
+                          <a:spcPts val="0"/>
+                        </a:spcAft>
+                      </a:pPr>
+                      <a:r>
+                        <a:rPr lang="en-US" sz="1200">
+                          <a:effectLst/>
+                        </a:rPr>
+                        <a:t>Launch the app.</a:t>
+                      </a:r>
+                      <a:endParaRPr lang="en-US" sz="1800">
+                        <a:effectLst/>
+                        <a:latin typeface="Calibri" panose="020F0502020204030204" pitchFamily="34" charset="0"/>
+                        <a:ea typeface="Calibri" panose="020F0502020204030204" pitchFamily="34" charset="0"/>
+                        <a:cs typeface="Arial" panose="020B0604020202020204" pitchFamily="34" charset="0"/>
+                      </a:endParaRPr>
+                    </a:p>
+                  </a:txBody>
+                  <a:tcPr marL="68580" marR="68580" marT="0" marB="0" anchor="ctr"/>
+                </a:tc>
+                <a:tc>
+                  <a:txBody>
+                    <a:bodyPr/>
+                    <a:lstStyle/>
+                    <a:p>
+                      <a:pPr marL="0" marR="0">
+                        <a:lnSpc>
+                          <a:spcPct val="107000"/>
+                        </a:lnSpc>
+                        <a:spcBef>
+                          <a:spcPts val="0"/>
+                        </a:spcBef>
+                        <a:spcAft>
+                          <a:spcPts val="0"/>
+                        </a:spcAft>
+                      </a:pPr>
+                      <a:r>
+                        <a:rPr lang="en-US" sz="1200">
+                          <a:effectLst/>
+                        </a:rPr>
+                        <a:t>Looks at the start game button for 2 seconds.</a:t>
+                      </a:r>
+                      <a:endParaRPr lang="en-US" sz="1800">
+                        <a:effectLst/>
+                        <a:latin typeface="Calibri" panose="020F0502020204030204" pitchFamily="34" charset="0"/>
+                        <a:ea typeface="Calibri" panose="020F0502020204030204" pitchFamily="34" charset="0"/>
+                        <a:cs typeface="Arial" panose="020B0604020202020204" pitchFamily="34" charset="0"/>
+                      </a:endParaRPr>
+                    </a:p>
+                  </a:txBody>
+                  <a:tcPr marL="68580" marR="68580" marT="0" marB="0" anchor="ctr"/>
+                </a:tc>
+                <a:tc>
+                  <a:txBody>
+                    <a:bodyPr/>
+                    <a:lstStyle/>
+                    <a:p>
+                      <a:pPr marL="0" marR="0">
+                        <a:lnSpc>
+                          <a:spcPct val="107000"/>
+                        </a:lnSpc>
+                        <a:spcBef>
+                          <a:spcPts val="0"/>
+                        </a:spcBef>
+                        <a:spcAft>
+                          <a:spcPts val="0"/>
+                        </a:spcAft>
+                      </a:pPr>
+                      <a:r>
+                        <a:rPr lang="en-US" sz="1200">
+                          <a:effectLst/>
+                        </a:rPr>
+                        <a:t>Gaze at the start game button for 2 seconds.</a:t>
+                      </a:r>
+                      <a:endParaRPr lang="en-US" sz="1800">
+                        <a:effectLst/>
+                        <a:latin typeface="Calibri" panose="020F0502020204030204" pitchFamily="34" charset="0"/>
+                        <a:ea typeface="Calibri" panose="020F0502020204030204" pitchFamily="34" charset="0"/>
+                        <a:cs typeface="Arial" panose="020B0604020202020204" pitchFamily="34" charset="0"/>
+                      </a:endParaRPr>
+                    </a:p>
+                  </a:txBody>
+                  <a:tcPr marL="68580" marR="68580" marT="0" marB="0" anchor="ctr"/>
+                </a:tc>
+                <a:tc>
+                  <a:txBody>
+                    <a:bodyPr/>
+                    <a:lstStyle/>
+                    <a:p>
+                      <a:pPr marL="0" marR="0">
+                        <a:lnSpc>
+                          <a:spcPct val="107000"/>
+                        </a:lnSpc>
+                        <a:spcBef>
+                          <a:spcPts val="0"/>
+                        </a:spcBef>
+                        <a:spcAft>
+                          <a:spcPts val="0"/>
+                        </a:spcAft>
+                      </a:pPr>
+                      <a:r>
+                        <a:rPr lang="en-US" sz="1200">
+                          <a:effectLst/>
+                        </a:rPr>
+                        <a:t>Game starts</a:t>
+                      </a:r>
+                      <a:endParaRPr lang="en-US" sz="1800">
+                        <a:effectLst/>
+                        <a:latin typeface="Calibri" panose="020F0502020204030204" pitchFamily="34" charset="0"/>
+                        <a:ea typeface="Calibri" panose="020F0502020204030204" pitchFamily="34" charset="0"/>
+                        <a:cs typeface="Arial" panose="020B0604020202020204" pitchFamily="34" charset="0"/>
+                      </a:endParaRPr>
+                    </a:p>
+                  </a:txBody>
+                  <a:tcPr marL="68580" marR="68580" marT="0" marB="0" anchor="ctr"/>
+                </a:tc>
+                <a:tc>
+                  <a:txBody>
+                    <a:bodyPr/>
+                    <a:lstStyle/>
+                    <a:p>
+                      <a:pPr marL="0" marR="0">
+                        <a:lnSpc>
+                          <a:spcPct val="107000"/>
+                        </a:lnSpc>
+                        <a:spcBef>
+                          <a:spcPts val="0"/>
+                        </a:spcBef>
+                        <a:spcAft>
+                          <a:spcPts val="0"/>
+                        </a:spcAft>
+                      </a:pPr>
+                      <a:r>
+                        <a:rPr lang="en-US" sz="1200">
+                          <a:effectLst/>
+                        </a:rPr>
+                        <a:t>Game starts and tour guide does not start</a:t>
+                      </a:r>
+                      <a:endParaRPr lang="en-US" sz="1800">
+                        <a:effectLst/>
+                        <a:latin typeface="Calibri" panose="020F0502020204030204" pitchFamily="34" charset="0"/>
+                        <a:ea typeface="Calibri" panose="020F0502020204030204" pitchFamily="34" charset="0"/>
+                        <a:cs typeface="Arial" panose="020B0604020202020204" pitchFamily="34" charset="0"/>
+                      </a:endParaRPr>
+                    </a:p>
+                  </a:txBody>
+                  <a:tcPr marL="68580" marR="68580" marT="0" marB="0" anchor="ctr"/>
+                </a:tc>
+                <a:tc>
+                  <a:txBody>
+                    <a:bodyPr/>
+                    <a:lstStyle/>
+                    <a:p>
+                      <a:pPr marL="0" marR="0" algn="ctr">
+                        <a:lnSpc>
+                          <a:spcPct val="107000"/>
+                        </a:lnSpc>
+                        <a:spcBef>
+                          <a:spcPts val="0"/>
+                        </a:spcBef>
+                        <a:spcAft>
+                          <a:spcPts val="0"/>
+                        </a:spcAft>
+                      </a:pPr>
+                      <a:r>
+                        <a:rPr lang="en-US" sz="1200" dirty="0">
+                          <a:effectLst/>
+                        </a:rPr>
+                        <a:t>Pass</a:t>
+                      </a:r>
+                      <a:endParaRPr lang="en-US" sz="1800" dirty="0">
+                        <a:effectLst/>
+                        <a:latin typeface="Calibri" panose="020F0502020204030204" pitchFamily="34" charset="0"/>
+                        <a:ea typeface="Calibri" panose="020F0502020204030204" pitchFamily="34" charset="0"/>
+                        <a:cs typeface="Arial" panose="020B0604020202020204" pitchFamily="34" charset="0"/>
+                      </a:endParaRPr>
+                    </a:p>
+                  </a:txBody>
+                  <a:tcPr marL="68580" marR="68580" marT="0" marB="0" anchor="ctr"/>
+                </a:tc>
+              </a:tr>
+            </a:tbl>
+          </a:graphicData>
+        </a:graphic>
+      </p:graphicFrame>
     </p:spTree>
+    <p:extLst>
+      <p:ext uri="{BB962C8B-B14F-4D97-AF65-F5344CB8AC3E}">
+        <p14:creationId xmlns:p14="http://schemas.microsoft.com/office/powerpoint/2010/main" val="3437216411"/>
+      </p:ext>
+    </p:extLst>
   </p:cSld>
   <p:clrMapOvr>
     <a:masterClrMapping/>
@@ -5253,99 +6527,2036 @@
             <p:ph type="title"/>
           </p:nvPr>
         </p:nvSpPr>
-        <p:spPr/>
-        <p:txBody>
-          <a:bodyPr/>
-          <a:lstStyle/>
-          <a:p>
-            <a:r>
-              <a:rPr lang="en-US" dirty="0"/>
-              <a:t>Future Work</a:t>
-            </a:r>
-          </a:p>
-        </p:txBody>
-      </p:sp>
-      <p:sp>
-        <p:nvSpPr>
-          <p:cNvPr id="3" name="Content Placeholder 2"/>
-          <p:cNvSpPr>
-            <a:spLocks noGrp="1"/>
-          </p:cNvSpPr>
-          <p:nvPr>
-            <p:ph idx="1"/>
-          </p:nvPr>
-        </p:nvSpPr>
         <p:spPr>
           <a:xfrm>
-            <a:off x="1371600" y="1960775"/>
-            <a:ext cx="9601200" cy="3906625"/>
+            <a:off x="828393" y="443621"/>
+            <a:ext cx="9601200" cy="660903"/>
           </a:xfrm>
         </p:spPr>
         <p:txBody>
           <a:bodyPr>
-            <a:normAutofit/>
+            <a:normAutofit fontScale="90000"/>
           </a:bodyPr>
           <a:lstStyle/>
           <a:p>
-            <a:pPr algn="just">
-              <a:lnSpc>
-                <a:spcPct val="150000"/>
-              </a:lnSpc>
-            </a:pPr>
-            <a:r>
-              <a:rPr lang="en-US" sz="2400" dirty="0"/>
-              <a:t>Improve Graphics </a:t>
-            </a:r>
-          </a:p>
-          <a:p>
-            <a:pPr algn="just">
-              <a:lnSpc>
-                <a:spcPct val="150000"/>
-              </a:lnSpc>
-            </a:pPr>
-            <a:r>
-              <a:rPr lang="en-US" sz="2400" dirty="0"/>
-              <a:t>Text-to-Speech </a:t>
-            </a:r>
-            <a:endParaRPr lang="en-US" sz="3200" dirty="0"/>
-          </a:p>
-          <a:p>
-            <a:pPr algn="just">
-              <a:lnSpc>
-                <a:spcPct val="150000"/>
-              </a:lnSpc>
-            </a:pPr>
-            <a:r>
-              <a:rPr lang="en-US" sz="2400" dirty="0"/>
-              <a:t>Animations</a:t>
-            </a:r>
-            <a:endParaRPr lang="en-US" sz="3200" dirty="0"/>
-          </a:p>
-          <a:p>
-            <a:pPr algn="just">
-              <a:lnSpc>
-                <a:spcPct val="150000"/>
-              </a:lnSpc>
-            </a:pPr>
-            <a:r>
-              <a:rPr lang="en-US" sz="2400" dirty="0"/>
-              <a:t>Different Languages</a:t>
-            </a:r>
-          </a:p>
-          <a:p>
-            <a:pPr algn="just">
-              <a:lnSpc>
-                <a:spcPct val="150000"/>
-              </a:lnSpc>
-            </a:pPr>
-            <a:r>
-              <a:rPr lang="en-US" sz="2400" dirty="0"/>
-              <a:t>Game Modes</a:t>
-            </a:r>
-          </a:p>
-        </p:txBody>
-      </p:sp>
+            <a:r>
+              <a:rPr lang="en-US" dirty="0" smtClean="0"/>
+              <a:t>System Testing</a:t>
+            </a:r>
+            <a:endParaRPr lang="en-US" dirty="0"/>
+          </a:p>
+        </p:txBody>
+      </p:sp>
+      <p:graphicFrame>
+        <p:nvGraphicFramePr>
+          <p:cNvPr id="4" name="Content Placeholder 3"/>
+          <p:cNvGraphicFramePr>
+            <a:graphicFrameLocks noGrp="1"/>
+          </p:cNvGraphicFramePr>
+          <p:nvPr>
+            <p:ph idx="1"/>
+            <p:extLst>
+              <p:ext uri="{D42A27DB-BD31-4B8C-83A1-F6EECF244321}">
+                <p14:modId xmlns:p14="http://schemas.microsoft.com/office/powerpoint/2010/main" val="2688901288"/>
+              </p:ext>
+            </p:extLst>
+          </p:nvPr>
+        </p:nvGraphicFramePr>
+        <p:xfrm>
+          <a:off x="828393" y="1249378"/>
+          <a:ext cx="11085967" cy="5154024"/>
+        </p:xfrm>
+        <a:graphic>
+          <a:graphicData uri="http://schemas.openxmlformats.org/drawingml/2006/table">
+            <a:tbl>
+              <a:tblPr firstRow="1" firstCol="1" bandRow="1">
+                <a:tableStyleId>{5C22544A-7EE6-4342-B048-85BDC9FD1C3A}</a:tableStyleId>
+              </a:tblPr>
+              <a:tblGrid>
+                <a:gridCol w="754398"/>
+                <a:gridCol w="1803253"/>
+                <a:gridCol w="1554737"/>
+                <a:gridCol w="753850"/>
+                <a:gridCol w="1882757"/>
+                <a:gridCol w="1382689"/>
+                <a:gridCol w="1382689"/>
+                <a:gridCol w="999692"/>
+                <a:gridCol w="571902"/>
+              </a:tblGrid>
+              <a:tr h="860233">
+                <a:tc>
+                  <a:txBody>
+                    <a:bodyPr/>
+                    <a:lstStyle/>
+                    <a:p>
+                      <a:pPr marL="0" marR="0">
+                        <a:lnSpc>
+                          <a:spcPct val="107000"/>
+                        </a:lnSpc>
+                        <a:spcBef>
+                          <a:spcPts val="0"/>
+                        </a:spcBef>
+                        <a:spcAft>
+                          <a:spcPts val="0"/>
+                        </a:spcAft>
+                      </a:pPr>
+                      <a:r>
+                        <a:rPr lang="en-US" sz="1400" dirty="0">
+                          <a:effectLst/>
+                        </a:rPr>
+                        <a:t>Test Case ID</a:t>
+                      </a:r>
+                      <a:endParaRPr lang="en-US" sz="1600" dirty="0">
+                        <a:effectLst/>
+                        <a:latin typeface="Calibri" panose="020F0502020204030204" pitchFamily="34" charset="0"/>
+                        <a:ea typeface="Calibri" panose="020F0502020204030204" pitchFamily="34" charset="0"/>
+                        <a:cs typeface="Arial" panose="020B0604020202020204" pitchFamily="34" charset="0"/>
+                      </a:endParaRPr>
+                    </a:p>
+                  </a:txBody>
+                  <a:tcPr marL="44045" marR="44045" marT="0" marB="0" anchor="ctr"/>
+                </a:tc>
+                <a:tc>
+                  <a:txBody>
+                    <a:bodyPr/>
+                    <a:lstStyle/>
+                    <a:p>
+                      <a:pPr marL="0" marR="0">
+                        <a:lnSpc>
+                          <a:spcPct val="107000"/>
+                        </a:lnSpc>
+                        <a:spcBef>
+                          <a:spcPts val="0"/>
+                        </a:spcBef>
+                        <a:spcAft>
+                          <a:spcPts val="0"/>
+                        </a:spcAft>
+                      </a:pPr>
+                      <a:r>
+                        <a:rPr lang="en-US" sz="1400" dirty="0">
+                          <a:effectLst/>
+                        </a:rPr>
+                        <a:t>Test Scenario</a:t>
+                      </a:r>
+                      <a:endParaRPr lang="en-US" sz="1600" dirty="0">
+                        <a:effectLst/>
+                        <a:latin typeface="Calibri" panose="020F0502020204030204" pitchFamily="34" charset="0"/>
+                        <a:ea typeface="Calibri" panose="020F0502020204030204" pitchFamily="34" charset="0"/>
+                        <a:cs typeface="Arial" panose="020B0604020202020204" pitchFamily="34" charset="0"/>
+                      </a:endParaRPr>
+                    </a:p>
+                  </a:txBody>
+                  <a:tcPr marL="44045" marR="44045" marT="0" marB="0" anchor="ctr"/>
+                </a:tc>
+                <a:tc>
+                  <a:txBody>
+                    <a:bodyPr/>
+                    <a:lstStyle/>
+                    <a:p>
+                      <a:pPr marL="0" marR="0">
+                        <a:lnSpc>
+                          <a:spcPct val="107000"/>
+                        </a:lnSpc>
+                        <a:spcBef>
+                          <a:spcPts val="0"/>
+                        </a:spcBef>
+                        <a:spcAft>
+                          <a:spcPts val="0"/>
+                        </a:spcAft>
+                      </a:pPr>
+                      <a:r>
+                        <a:rPr lang="en-US" sz="1400" dirty="0">
+                          <a:effectLst/>
+                        </a:rPr>
+                        <a:t>Test Case Description</a:t>
+                      </a:r>
+                      <a:endParaRPr lang="en-US" sz="1600" dirty="0">
+                        <a:effectLst/>
+                        <a:latin typeface="Calibri" panose="020F0502020204030204" pitchFamily="34" charset="0"/>
+                        <a:ea typeface="Calibri" panose="020F0502020204030204" pitchFamily="34" charset="0"/>
+                        <a:cs typeface="Arial" panose="020B0604020202020204" pitchFamily="34" charset="0"/>
+                      </a:endParaRPr>
+                    </a:p>
+                  </a:txBody>
+                  <a:tcPr marL="44045" marR="44045" marT="0" marB="0" anchor="ctr"/>
+                </a:tc>
+                <a:tc>
+                  <a:txBody>
+                    <a:bodyPr/>
+                    <a:lstStyle/>
+                    <a:p>
+                      <a:pPr marL="0" marR="0">
+                        <a:lnSpc>
+                          <a:spcPct val="107000"/>
+                        </a:lnSpc>
+                        <a:spcBef>
+                          <a:spcPts val="0"/>
+                        </a:spcBef>
+                        <a:spcAft>
+                          <a:spcPts val="0"/>
+                        </a:spcAft>
+                      </a:pPr>
+                      <a:r>
+                        <a:rPr lang="en-US" sz="1400" dirty="0">
+                          <a:effectLst/>
+                        </a:rPr>
+                        <a:t>Precondition</a:t>
+                      </a:r>
+                      <a:endParaRPr lang="en-US" sz="1600" dirty="0">
+                        <a:effectLst/>
+                        <a:latin typeface="Calibri" panose="020F0502020204030204" pitchFamily="34" charset="0"/>
+                        <a:ea typeface="Calibri" panose="020F0502020204030204" pitchFamily="34" charset="0"/>
+                        <a:cs typeface="Arial" panose="020B0604020202020204" pitchFamily="34" charset="0"/>
+                      </a:endParaRPr>
+                    </a:p>
+                  </a:txBody>
+                  <a:tcPr marL="44045" marR="44045" marT="0" marB="0" anchor="ctr"/>
+                </a:tc>
+                <a:tc>
+                  <a:txBody>
+                    <a:bodyPr/>
+                    <a:lstStyle/>
+                    <a:p>
+                      <a:pPr marL="0" marR="0">
+                        <a:lnSpc>
+                          <a:spcPct val="107000"/>
+                        </a:lnSpc>
+                        <a:spcBef>
+                          <a:spcPts val="0"/>
+                        </a:spcBef>
+                        <a:spcAft>
+                          <a:spcPts val="0"/>
+                        </a:spcAft>
+                      </a:pPr>
+                      <a:r>
+                        <a:rPr lang="en-US" sz="1400" dirty="0">
+                          <a:effectLst/>
+                        </a:rPr>
+                        <a:t>Test Steps</a:t>
+                      </a:r>
+                      <a:endParaRPr lang="en-US" sz="1600" dirty="0">
+                        <a:effectLst/>
+                        <a:latin typeface="Calibri" panose="020F0502020204030204" pitchFamily="34" charset="0"/>
+                        <a:ea typeface="Calibri" panose="020F0502020204030204" pitchFamily="34" charset="0"/>
+                        <a:cs typeface="Arial" panose="020B0604020202020204" pitchFamily="34" charset="0"/>
+                      </a:endParaRPr>
+                    </a:p>
+                  </a:txBody>
+                  <a:tcPr marL="44045" marR="44045" marT="0" marB="0" anchor="ctr"/>
+                </a:tc>
+                <a:tc>
+                  <a:txBody>
+                    <a:bodyPr/>
+                    <a:lstStyle/>
+                    <a:p>
+                      <a:pPr marL="0" marR="0">
+                        <a:lnSpc>
+                          <a:spcPct val="107000"/>
+                        </a:lnSpc>
+                        <a:spcBef>
+                          <a:spcPts val="0"/>
+                        </a:spcBef>
+                        <a:spcAft>
+                          <a:spcPts val="0"/>
+                        </a:spcAft>
+                      </a:pPr>
+                      <a:r>
+                        <a:rPr lang="en-US" sz="1400" dirty="0">
+                          <a:effectLst/>
+                        </a:rPr>
+                        <a:t>Test Data</a:t>
+                      </a:r>
+                      <a:endParaRPr lang="en-US" sz="1600" dirty="0">
+                        <a:effectLst/>
+                        <a:latin typeface="Calibri" panose="020F0502020204030204" pitchFamily="34" charset="0"/>
+                        <a:ea typeface="Calibri" panose="020F0502020204030204" pitchFamily="34" charset="0"/>
+                        <a:cs typeface="Arial" panose="020B0604020202020204" pitchFamily="34" charset="0"/>
+                      </a:endParaRPr>
+                    </a:p>
+                  </a:txBody>
+                  <a:tcPr marL="44045" marR="44045" marT="0" marB="0" anchor="ctr"/>
+                </a:tc>
+                <a:tc>
+                  <a:txBody>
+                    <a:bodyPr/>
+                    <a:lstStyle/>
+                    <a:p>
+                      <a:pPr marL="0" marR="0">
+                        <a:lnSpc>
+                          <a:spcPct val="107000"/>
+                        </a:lnSpc>
+                        <a:spcBef>
+                          <a:spcPts val="0"/>
+                        </a:spcBef>
+                        <a:spcAft>
+                          <a:spcPts val="0"/>
+                        </a:spcAft>
+                      </a:pPr>
+                      <a:r>
+                        <a:rPr lang="en-US" sz="1400" dirty="0">
+                          <a:effectLst/>
+                        </a:rPr>
+                        <a:t>Expected Results</a:t>
+                      </a:r>
+                      <a:endParaRPr lang="en-US" sz="1600" dirty="0">
+                        <a:effectLst/>
+                        <a:latin typeface="Calibri" panose="020F0502020204030204" pitchFamily="34" charset="0"/>
+                        <a:ea typeface="Calibri" panose="020F0502020204030204" pitchFamily="34" charset="0"/>
+                        <a:cs typeface="Arial" panose="020B0604020202020204" pitchFamily="34" charset="0"/>
+                      </a:endParaRPr>
+                    </a:p>
+                  </a:txBody>
+                  <a:tcPr marL="44045" marR="44045" marT="0" marB="0" anchor="ctr"/>
+                </a:tc>
+                <a:tc>
+                  <a:txBody>
+                    <a:bodyPr/>
+                    <a:lstStyle/>
+                    <a:p>
+                      <a:pPr marL="0" marR="0">
+                        <a:lnSpc>
+                          <a:spcPct val="107000"/>
+                        </a:lnSpc>
+                        <a:spcBef>
+                          <a:spcPts val="0"/>
+                        </a:spcBef>
+                        <a:spcAft>
+                          <a:spcPts val="0"/>
+                        </a:spcAft>
+                      </a:pPr>
+                      <a:r>
+                        <a:rPr lang="en-US" sz="1400" dirty="0">
+                          <a:effectLst/>
+                        </a:rPr>
+                        <a:t>Actual Result</a:t>
+                      </a:r>
+                      <a:endParaRPr lang="en-US" sz="1600" dirty="0">
+                        <a:effectLst/>
+                        <a:latin typeface="Calibri" panose="020F0502020204030204" pitchFamily="34" charset="0"/>
+                        <a:ea typeface="Calibri" panose="020F0502020204030204" pitchFamily="34" charset="0"/>
+                        <a:cs typeface="Arial" panose="020B0604020202020204" pitchFamily="34" charset="0"/>
+                      </a:endParaRPr>
+                    </a:p>
+                  </a:txBody>
+                  <a:tcPr marL="44045" marR="44045" marT="0" marB="0" anchor="ctr"/>
+                </a:tc>
+                <a:tc>
+                  <a:txBody>
+                    <a:bodyPr/>
+                    <a:lstStyle/>
+                    <a:p>
+                      <a:pPr marL="0" marR="0">
+                        <a:lnSpc>
+                          <a:spcPct val="107000"/>
+                        </a:lnSpc>
+                        <a:spcBef>
+                          <a:spcPts val="0"/>
+                        </a:spcBef>
+                        <a:spcAft>
+                          <a:spcPts val="0"/>
+                        </a:spcAft>
+                      </a:pPr>
+                      <a:r>
+                        <a:rPr lang="en-US" sz="1400" dirty="0">
+                          <a:effectLst/>
+                        </a:rPr>
+                        <a:t>Test</a:t>
+                      </a:r>
+                      <a:endParaRPr lang="en-US" sz="1600" dirty="0">
+                        <a:effectLst/>
+                      </a:endParaRPr>
+                    </a:p>
+                    <a:p>
+                      <a:pPr marL="0" marR="0">
+                        <a:lnSpc>
+                          <a:spcPct val="107000"/>
+                        </a:lnSpc>
+                        <a:spcBef>
+                          <a:spcPts val="0"/>
+                        </a:spcBef>
+                        <a:spcAft>
+                          <a:spcPts val="0"/>
+                        </a:spcAft>
+                      </a:pPr>
+                      <a:r>
+                        <a:rPr lang="en-US" sz="1400" dirty="0">
+                          <a:effectLst/>
+                        </a:rPr>
+                        <a:t>Result</a:t>
+                      </a:r>
+                      <a:endParaRPr lang="en-US" sz="1600" dirty="0">
+                        <a:effectLst/>
+                        <a:latin typeface="Calibri" panose="020F0502020204030204" pitchFamily="34" charset="0"/>
+                        <a:ea typeface="Calibri" panose="020F0502020204030204" pitchFamily="34" charset="0"/>
+                        <a:cs typeface="Arial" panose="020B0604020202020204" pitchFamily="34" charset="0"/>
+                      </a:endParaRPr>
+                    </a:p>
+                  </a:txBody>
+                  <a:tcPr marL="44045" marR="44045" marT="0" marB="0" anchor="ctr"/>
+                </a:tc>
+              </a:tr>
+              <a:tr h="512666">
+                <a:tc rowSpan="2">
+                  <a:txBody>
+                    <a:bodyPr/>
+                    <a:lstStyle/>
+                    <a:p>
+                      <a:pPr marL="0" marR="0">
+                        <a:lnSpc>
+                          <a:spcPct val="107000"/>
+                        </a:lnSpc>
+                        <a:spcBef>
+                          <a:spcPts val="0"/>
+                        </a:spcBef>
+                        <a:spcAft>
+                          <a:spcPts val="0"/>
+                        </a:spcAft>
+                      </a:pPr>
+                      <a:r>
+                        <a:rPr lang="en-US" sz="1200" dirty="0">
+                          <a:effectLst/>
+                        </a:rPr>
+                        <a:t>STC_001</a:t>
+                      </a:r>
+                      <a:endParaRPr lang="en-US" sz="1400" dirty="0">
+                        <a:effectLst/>
+                        <a:latin typeface="Calibri" panose="020F0502020204030204" pitchFamily="34" charset="0"/>
+                        <a:ea typeface="Calibri" panose="020F0502020204030204" pitchFamily="34" charset="0"/>
+                        <a:cs typeface="Arial" panose="020B0604020202020204" pitchFamily="34" charset="0"/>
+                      </a:endParaRPr>
+                    </a:p>
+                  </a:txBody>
+                  <a:tcPr marL="44045" marR="44045" marT="0" marB="0" anchor="ctr"/>
+                </a:tc>
+                <a:tc rowSpan="2">
+                  <a:txBody>
+                    <a:bodyPr/>
+                    <a:lstStyle/>
+                    <a:p>
+                      <a:pPr marL="0" marR="0">
+                        <a:lnSpc>
+                          <a:spcPct val="107000"/>
+                        </a:lnSpc>
+                        <a:spcBef>
+                          <a:spcPts val="0"/>
+                        </a:spcBef>
+                        <a:spcAft>
+                          <a:spcPts val="0"/>
+                        </a:spcAft>
+                      </a:pPr>
+                      <a:r>
+                        <a:rPr lang="en-US" sz="1200" dirty="0">
+                          <a:effectLst/>
+                        </a:rPr>
+                        <a:t>Testing the flow of the user entering the tour and exiting it</a:t>
+                      </a:r>
+                      <a:endParaRPr lang="en-US" sz="1400" dirty="0">
+                        <a:effectLst/>
+                        <a:latin typeface="Calibri" panose="020F0502020204030204" pitchFamily="34" charset="0"/>
+                        <a:ea typeface="Calibri" panose="020F0502020204030204" pitchFamily="34" charset="0"/>
+                        <a:cs typeface="Arial" panose="020B0604020202020204" pitchFamily="34" charset="0"/>
+                      </a:endParaRPr>
+                    </a:p>
+                  </a:txBody>
+                  <a:tcPr marL="44045" marR="44045" marT="0" marB="0" anchor="ctr"/>
+                </a:tc>
+                <a:tc rowSpan="2">
+                  <a:txBody>
+                    <a:bodyPr/>
+                    <a:lstStyle/>
+                    <a:p>
+                      <a:pPr marL="0" marR="0">
+                        <a:lnSpc>
+                          <a:spcPct val="107000"/>
+                        </a:lnSpc>
+                        <a:spcBef>
+                          <a:spcPts val="0"/>
+                        </a:spcBef>
+                        <a:spcAft>
+                          <a:spcPts val="0"/>
+                        </a:spcAft>
+                      </a:pPr>
+                      <a:r>
+                        <a:rPr lang="en-US" sz="1200" dirty="0">
+                          <a:effectLst/>
+                        </a:rPr>
+                        <a:t>The user will enter the tour by gazing at the start tour button for 2 seconds, then the user will the tour with button A.</a:t>
+                      </a:r>
+                      <a:endParaRPr lang="en-US" sz="1400" dirty="0">
+                        <a:effectLst/>
+                        <a:latin typeface="Calibri" panose="020F0502020204030204" pitchFamily="34" charset="0"/>
+                        <a:ea typeface="Calibri" panose="020F0502020204030204" pitchFamily="34" charset="0"/>
+                        <a:cs typeface="Arial" panose="020B0604020202020204" pitchFamily="34" charset="0"/>
+                      </a:endParaRPr>
+                    </a:p>
+                  </a:txBody>
+                  <a:tcPr marL="44045" marR="44045" marT="0" marB="0" anchor="ctr"/>
+                </a:tc>
+                <a:tc rowSpan="2">
+                  <a:txBody>
+                    <a:bodyPr/>
+                    <a:lstStyle/>
+                    <a:p>
+                      <a:pPr marL="0" marR="0">
+                        <a:lnSpc>
+                          <a:spcPct val="107000"/>
+                        </a:lnSpc>
+                        <a:spcBef>
+                          <a:spcPts val="0"/>
+                        </a:spcBef>
+                        <a:spcAft>
+                          <a:spcPts val="0"/>
+                        </a:spcAft>
+                      </a:pPr>
+                      <a:r>
+                        <a:rPr lang="en-US" sz="1200">
+                          <a:effectLst/>
+                        </a:rPr>
+                        <a:t>App is launched.</a:t>
+                      </a:r>
+                      <a:endParaRPr lang="en-US" sz="1400">
+                        <a:effectLst/>
+                        <a:latin typeface="Calibri" panose="020F0502020204030204" pitchFamily="34" charset="0"/>
+                        <a:ea typeface="Calibri" panose="020F0502020204030204" pitchFamily="34" charset="0"/>
+                        <a:cs typeface="Arial" panose="020B0604020202020204" pitchFamily="34" charset="0"/>
+                      </a:endParaRPr>
+                    </a:p>
+                  </a:txBody>
+                  <a:tcPr marL="44045" marR="44045" marT="0" marB="0" anchor="ctr"/>
+                </a:tc>
+                <a:tc>
+                  <a:txBody>
+                    <a:bodyPr/>
+                    <a:lstStyle/>
+                    <a:p>
+                      <a:pPr marL="0" marR="0">
+                        <a:lnSpc>
+                          <a:spcPct val="107000"/>
+                        </a:lnSpc>
+                        <a:spcBef>
+                          <a:spcPts val="0"/>
+                        </a:spcBef>
+                        <a:spcAft>
+                          <a:spcPts val="0"/>
+                        </a:spcAft>
+                      </a:pPr>
+                      <a:r>
+                        <a:rPr lang="en-US" sz="1200">
+                          <a:effectLst/>
+                        </a:rPr>
+                        <a:t>User gazes at the start tour button for 2 seconds.</a:t>
+                      </a:r>
+                      <a:endParaRPr lang="en-US" sz="1400">
+                        <a:effectLst/>
+                        <a:latin typeface="Calibri" panose="020F0502020204030204" pitchFamily="34" charset="0"/>
+                        <a:ea typeface="Calibri" panose="020F0502020204030204" pitchFamily="34" charset="0"/>
+                        <a:cs typeface="Arial" panose="020B0604020202020204" pitchFamily="34" charset="0"/>
+                      </a:endParaRPr>
+                    </a:p>
+                  </a:txBody>
+                  <a:tcPr marL="44045" marR="44045" marT="0" marB="0" anchor="ctr"/>
+                </a:tc>
+                <a:tc>
+                  <a:txBody>
+                    <a:bodyPr/>
+                    <a:lstStyle/>
+                    <a:p>
+                      <a:pPr marL="0" marR="0">
+                        <a:lnSpc>
+                          <a:spcPct val="107000"/>
+                        </a:lnSpc>
+                        <a:spcBef>
+                          <a:spcPts val="0"/>
+                        </a:spcBef>
+                        <a:spcAft>
+                          <a:spcPts val="0"/>
+                        </a:spcAft>
+                      </a:pPr>
+                      <a:r>
+                        <a:rPr lang="en-US" sz="1200">
+                          <a:effectLst/>
+                        </a:rPr>
+                        <a:t>Gaze at the start tour button for 2 seconds.</a:t>
+                      </a:r>
+                      <a:endParaRPr lang="en-US" sz="1400">
+                        <a:effectLst/>
+                        <a:latin typeface="Calibri" panose="020F0502020204030204" pitchFamily="34" charset="0"/>
+                        <a:ea typeface="Calibri" panose="020F0502020204030204" pitchFamily="34" charset="0"/>
+                        <a:cs typeface="Arial" panose="020B0604020202020204" pitchFamily="34" charset="0"/>
+                      </a:endParaRPr>
+                    </a:p>
+                  </a:txBody>
+                  <a:tcPr marL="44045" marR="44045" marT="0" marB="0" anchor="ctr"/>
+                </a:tc>
+                <a:tc>
+                  <a:txBody>
+                    <a:bodyPr/>
+                    <a:lstStyle/>
+                    <a:p>
+                      <a:pPr marL="0" marR="0">
+                        <a:lnSpc>
+                          <a:spcPct val="107000"/>
+                        </a:lnSpc>
+                        <a:spcBef>
+                          <a:spcPts val="0"/>
+                        </a:spcBef>
+                        <a:spcAft>
+                          <a:spcPts val="0"/>
+                        </a:spcAft>
+                      </a:pPr>
+                      <a:r>
+                        <a:rPr lang="en-US" sz="1200">
+                          <a:effectLst/>
+                        </a:rPr>
+                        <a:t>User enters the tour.</a:t>
+                      </a:r>
+                      <a:endParaRPr lang="en-US" sz="1400">
+                        <a:effectLst/>
+                        <a:latin typeface="Calibri" panose="020F0502020204030204" pitchFamily="34" charset="0"/>
+                        <a:ea typeface="Calibri" panose="020F0502020204030204" pitchFamily="34" charset="0"/>
+                        <a:cs typeface="Arial" panose="020B0604020202020204" pitchFamily="34" charset="0"/>
+                      </a:endParaRPr>
+                    </a:p>
+                  </a:txBody>
+                  <a:tcPr marL="44045" marR="44045" marT="0" marB="0" anchor="ctr"/>
+                </a:tc>
+                <a:tc>
+                  <a:txBody>
+                    <a:bodyPr/>
+                    <a:lstStyle/>
+                    <a:p>
+                      <a:pPr marL="0" marR="0">
+                        <a:lnSpc>
+                          <a:spcPct val="107000"/>
+                        </a:lnSpc>
+                        <a:spcBef>
+                          <a:spcPts val="0"/>
+                        </a:spcBef>
+                        <a:spcAft>
+                          <a:spcPts val="0"/>
+                        </a:spcAft>
+                      </a:pPr>
+                      <a:r>
+                        <a:rPr lang="en-US" sz="1200">
+                          <a:effectLst/>
+                        </a:rPr>
+                        <a:t>User enters tour.</a:t>
+                      </a:r>
+                      <a:endParaRPr lang="en-US" sz="1400">
+                        <a:effectLst/>
+                        <a:latin typeface="Calibri" panose="020F0502020204030204" pitchFamily="34" charset="0"/>
+                        <a:ea typeface="Calibri" panose="020F0502020204030204" pitchFamily="34" charset="0"/>
+                        <a:cs typeface="Arial" panose="020B0604020202020204" pitchFamily="34" charset="0"/>
+                      </a:endParaRPr>
+                    </a:p>
+                  </a:txBody>
+                  <a:tcPr marL="44045" marR="44045" marT="0" marB="0" anchor="ctr"/>
+                </a:tc>
+                <a:tc rowSpan="2">
+                  <a:txBody>
+                    <a:bodyPr/>
+                    <a:lstStyle/>
+                    <a:p>
+                      <a:pPr marL="0" marR="0">
+                        <a:lnSpc>
+                          <a:spcPct val="107000"/>
+                        </a:lnSpc>
+                        <a:spcBef>
+                          <a:spcPts val="0"/>
+                        </a:spcBef>
+                        <a:spcAft>
+                          <a:spcPts val="0"/>
+                        </a:spcAft>
+                      </a:pPr>
+                      <a:r>
+                        <a:rPr lang="en-US" sz="1200" dirty="0">
+                          <a:effectLst/>
+                        </a:rPr>
+                        <a:t> </a:t>
+                      </a:r>
+                      <a:endParaRPr lang="en-US" sz="1400" dirty="0">
+                        <a:effectLst/>
+                      </a:endParaRPr>
+                    </a:p>
+                    <a:p>
+                      <a:pPr marL="0" marR="0">
+                        <a:lnSpc>
+                          <a:spcPct val="107000"/>
+                        </a:lnSpc>
+                        <a:spcBef>
+                          <a:spcPts val="0"/>
+                        </a:spcBef>
+                        <a:spcAft>
+                          <a:spcPts val="0"/>
+                        </a:spcAft>
+                      </a:pPr>
+                      <a:r>
+                        <a:rPr lang="en-US" sz="1200" dirty="0">
+                          <a:effectLst/>
+                        </a:rPr>
+                        <a:t> </a:t>
+                      </a:r>
+                      <a:endParaRPr lang="en-US" sz="1400" dirty="0">
+                        <a:effectLst/>
+                      </a:endParaRPr>
+                    </a:p>
+                    <a:p>
+                      <a:pPr marL="0" marR="0">
+                        <a:lnSpc>
+                          <a:spcPct val="107000"/>
+                        </a:lnSpc>
+                        <a:spcBef>
+                          <a:spcPts val="0"/>
+                        </a:spcBef>
+                        <a:spcAft>
+                          <a:spcPts val="0"/>
+                        </a:spcAft>
+                      </a:pPr>
+                      <a:r>
+                        <a:rPr lang="en-US" sz="1200" dirty="0">
+                          <a:effectLst/>
+                        </a:rPr>
+                        <a:t> </a:t>
+                      </a:r>
+                      <a:endParaRPr lang="en-US" sz="1400" dirty="0">
+                        <a:effectLst/>
+                      </a:endParaRPr>
+                    </a:p>
+                    <a:p>
+                      <a:pPr marL="0" marR="0">
+                        <a:lnSpc>
+                          <a:spcPct val="107000"/>
+                        </a:lnSpc>
+                        <a:spcBef>
+                          <a:spcPts val="0"/>
+                        </a:spcBef>
+                        <a:spcAft>
+                          <a:spcPts val="0"/>
+                        </a:spcAft>
+                      </a:pPr>
+                      <a:r>
+                        <a:rPr lang="en-US" sz="1200" dirty="0">
+                          <a:effectLst/>
+                        </a:rPr>
+                        <a:t> </a:t>
+                      </a:r>
+                      <a:endParaRPr lang="en-US" sz="1400" dirty="0">
+                        <a:effectLst/>
+                      </a:endParaRPr>
+                    </a:p>
+                    <a:p>
+                      <a:pPr marL="0" marR="0">
+                        <a:lnSpc>
+                          <a:spcPct val="107000"/>
+                        </a:lnSpc>
+                        <a:spcBef>
+                          <a:spcPts val="0"/>
+                        </a:spcBef>
+                        <a:spcAft>
+                          <a:spcPts val="0"/>
+                        </a:spcAft>
+                      </a:pPr>
+                      <a:r>
+                        <a:rPr lang="en-US" sz="1200" dirty="0">
+                          <a:effectLst/>
+                        </a:rPr>
+                        <a:t> </a:t>
+                      </a:r>
+                      <a:endParaRPr lang="en-US" sz="1400" dirty="0">
+                        <a:effectLst/>
+                      </a:endParaRPr>
+                    </a:p>
+                    <a:p>
+                      <a:pPr marL="0" marR="0" algn="ctr">
+                        <a:lnSpc>
+                          <a:spcPct val="107000"/>
+                        </a:lnSpc>
+                        <a:spcBef>
+                          <a:spcPts val="0"/>
+                        </a:spcBef>
+                        <a:spcAft>
+                          <a:spcPts val="0"/>
+                        </a:spcAft>
+                      </a:pPr>
+                      <a:r>
+                        <a:rPr lang="en-US" sz="1200" dirty="0">
+                          <a:effectLst/>
+                        </a:rPr>
+                        <a:t>Pass</a:t>
+                      </a:r>
+                      <a:endParaRPr lang="en-US" sz="1400" dirty="0">
+                        <a:effectLst/>
+                        <a:latin typeface="Calibri" panose="020F0502020204030204" pitchFamily="34" charset="0"/>
+                        <a:ea typeface="Calibri" panose="020F0502020204030204" pitchFamily="34" charset="0"/>
+                        <a:cs typeface="Arial" panose="020B0604020202020204" pitchFamily="34" charset="0"/>
+                      </a:endParaRPr>
+                    </a:p>
+                  </a:txBody>
+                  <a:tcPr marL="44045" marR="44045" marT="0" marB="0" anchor="ctr"/>
+                </a:tc>
+              </a:tr>
+              <a:tr h="957136">
+                <a:tc vMerge="1">
+                  <a:txBody>
+                    <a:bodyPr/>
+                    <a:lstStyle/>
+                    <a:p>
+                      <a:endParaRPr lang="en-US"/>
+                    </a:p>
+                  </a:txBody>
+                  <a:tcPr/>
+                </a:tc>
+                <a:tc vMerge="1">
+                  <a:txBody>
+                    <a:bodyPr/>
+                    <a:lstStyle/>
+                    <a:p>
+                      <a:endParaRPr lang="en-US"/>
+                    </a:p>
+                  </a:txBody>
+                  <a:tcPr/>
+                </a:tc>
+                <a:tc vMerge="1">
+                  <a:txBody>
+                    <a:bodyPr/>
+                    <a:lstStyle/>
+                    <a:p>
+                      <a:endParaRPr lang="en-US"/>
+                    </a:p>
+                  </a:txBody>
+                  <a:tcPr/>
+                </a:tc>
+                <a:tc vMerge="1">
+                  <a:txBody>
+                    <a:bodyPr/>
+                    <a:lstStyle/>
+                    <a:p>
+                      <a:endParaRPr lang="en-US"/>
+                    </a:p>
+                  </a:txBody>
+                  <a:tcPr/>
+                </a:tc>
+                <a:tc>
+                  <a:txBody>
+                    <a:bodyPr/>
+                    <a:lstStyle/>
+                    <a:p>
+                      <a:pPr marL="0" marR="0">
+                        <a:lnSpc>
+                          <a:spcPct val="107000"/>
+                        </a:lnSpc>
+                        <a:spcBef>
+                          <a:spcPts val="0"/>
+                        </a:spcBef>
+                        <a:spcAft>
+                          <a:spcPts val="0"/>
+                        </a:spcAft>
+                      </a:pPr>
+                      <a:r>
+                        <a:rPr lang="en-US" sz="1200">
+                          <a:effectLst/>
+                        </a:rPr>
+                        <a:t>User presses Button A to exit the tour</a:t>
+                      </a:r>
+                      <a:endParaRPr lang="en-US" sz="1400">
+                        <a:effectLst/>
+                        <a:latin typeface="Calibri" panose="020F0502020204030204" pitchFamily="34" charset="0"/>
+                        <a:ea typeface="Calibri" panose="020F0502020204030204" pitchFamily="34" charset="0"/>
+                        <a:cs typeface="Arial" panose="020B0604020202020204" pitchFamily="34" charset="0"/>
+                      </a:endParaRPr>
+                    </a:p>
+                  </a:txBody>
+                  <a:tcPr marL="44045" marR="44045" marT="0" marB="0" anchor="ctr"/>
+                </a:tc>
+                <a:tc>
+                  <a:txBody>
+                    <a:bodyPr/>
+                    <a:lstStyle/>
+                    <a:p>
+                      <a:pPr marL="0" marR="0">
+                        <a:lnSpc>
+                          <a:spcPct val="107000"/>
+                        </a:lnSpc>
+                        <a:spcBef>
+                          <a:spcPts val="0"/>
+                        </a:spcBef>
+                        <a:spcAft>
+                          <a:spcPts val="0"/>
+                        </a:spcAft>
+                      </a:pPr>
+                      <a:r>
+                        <a:rPr lang="en-US" sz="1200">
+                          <a:effectLst/>
+                        </a:rPr>
+                        <a:t>Button A</a:t>
+                      </a:r>
+                      <a:endParaRPr lang="en-US" sz="1400">
+                        <a:effectLst/>
+                        <a:latin typeface="Calibri" panose="020F0502020204030204" pitchFamily="34" charset="0"/>
+                        <a:ea typeface="Calibri" panose="020F0502020204030204" pitchFamily="34" charset="0"/>
+                        <a:cs typeface="Arial" panose="020B0604020202020204" pitchFamily="34" charset="0"/>
+                      </a:endParaRPr>
+                    </a:p>
+                  </a:txBody>
+                  <a:tcPr marL="44045" marR="44045" marT="0" marB="0" anchor="ctr"/>
+                </a:tc>
+                <a:tc>
+                  <a:txBody>
+                    <a:bodyPr/>
+                    <a:lstStyle/>
+                    <a:p>
+                      <a:pPr marL="0" marR="0">
+                        <a:lnSpc>
+                          <a:spcPct val="107000"/>
+                        </a:lnSpc>
+                        <a:spcBef>
+                          <a:spcPts val="0"/>
+                        </a:spcBef>
+                        <a:spcAft>
+                          <a:spcPts val="0"/>
+                        </a:spcAft>
+                      </a:pPr>
+                      <a:r>
+                        <a:rPr lang="en-US" sz="1200">
+                          <a:effectLst/>
+                        </a:rPr>
+                        <a:t>User exits the tour.</a:t>
+                      </a:r>
+                      <a:endParaRPr lang="en-US" sz="1400">
+                        <a:effectLst/>
+                        <a:latin typeface="Calibri" panose="020F0502020204030204" pitchFamily="34" charset="0"/>
+                        <a:ea typeface="Calibri" panose="020F0502020204030204" pitchFamily="34" charset="0"/>
+                        <a:cs typeface="Arial" panose="020B0604020202020204" pitchFamily="34" charset="0"/>
+                      </a:endParaRPr>
+                    </a:p>
+                  </a:txBody>
+                  <a:tcPr marL="44045" marR="44045" marT="0" marB="0" anchor="ctr"/>
+                </a:tc>
+                <a:tc>
+                  <a:txBody>
+                    <a:bodyPr/>
+                    <a:lstStyle/>
+                    <a:p>
+                      <a:pPr marL="0" marR="0">
+                        <a:lnSpc>
+                          <a:spcPct val="107000"/>
+                        </a:lnSpc>
+                        <a:spcBef>
+                          <a:spcPts val="0"/>
+                        </a:spcBef>
+                        <a:spcAft>
+                          <a:spcPts val="0"/>
+                        </a:spcAft>
+                      </a:pPr>
+                      <a:r>
+                        <a:rPr lang="en-US" sz="1200">
+                          <a:effectLst/>
+                        </a:rPr>
+                        <a:t>User exits the tour.</a:t>
+                      </a:r>
+                      <a:endParaRPr lang="en-US" sz="1400">
+                        <a:effectLst/>
+                        <a:latin typeface="Calibri" panose="020F0502020204030204" pitchFamily="34" charset="0"/>
+                        <a:ea typeface="Calibri" panose="020F0502020204030204" pitchFamily="34" charset="0"/>
+                        <a:cs typeface="Arial" panose="020B0604020202020204" pitchFamily="34" charset="0"/>
+                      </a:endParaRPr>
+                    </a:p>
+                  </a:txBody>
+                  <a:tcPr marL="44045" marR="44045" marT="0" marB="0" anchor="ctr"/>
+                </a:tc>
+                <a:tc vMerge="1">
+                  <a:txBody>
+                    <a:bodyPr/>
+                    <a:lstStyle/>
+                    <a:p>
+                      <a:endParaRPr lang="en-US"/>
+                    </a:p>
+                  </a:txBody>
+                  <a:tcPr/>
+                </a:tc>
+              </a:tr>
+              <a:tr h="512666">
+                <a:tc rowSpan="4">
+                  <a:txBody>
+                    <a:bodyPr/>
+                    <a:lstStyle/>
+                    <a:p>
+                      <a:pPr marL="0" marR="0">
+                        <a:lnSpc>
+                          <a:spcPct val="107000"/>
+                        </a:lnSpc>
+                        <a:spcBef>
+                          <a:spcPts val="0"/>
+                        </a:spcBef>
+                        <a:spcAft>
+                          <a:spcPts val="0"/>
+                        </a:spcAft>
+                      </a:pPr>
+                      <a:r>
+                        <a:rPr lang="en-US" sz="1200" dirty="0">
+                          <a:effectLst/>
+                        </a:rPr>
+                        <a:t>STC_002</a:t>
+                      </a:r>
+                      <a:endParaRPr lang="en-US" sz="1400" dirty="0">
+                        <a:effectLst/>
+                        <a:latin typeface="Calibri" panose="020F0502020204030204" pitchFamily="34" charset="0"/>
+                        <a:ea typeface="Calibri" panose="020F0502020204030204" pitchFamily="34" charset="0"/>
+                        <a:cs typeface="Arial" panose="020B0604020202020204" pitchFamily="34" charset="0"/>
+                      </a:endParaRPr>
+                    </a:p>
+                  </a:txBody>
+                  <a:tcPr marL="44045" marR="44045" marT="0" marB="0" anchor="ctr"/>
+                </a:tc>
+                <a:tc rowSpan="4">
+                  <a:txBody>
+                    <a:bodyPr/>
+                    <a:lstStyle/>
+                    <a:p>
+                      <a:pPr marL="0" marR="0">
+                        <a:lnSpc>
+                          <a:spcPct val="107000"/>
+                        </a:lnSpc>
+                        <a:spcBef>
+                          <a:spcPts val="0"/>
+                        </a:spcBef>
+                        <a:spcAft>
+                          <a:spcPts val="0"/>
+                        </a:spcAft>
+                      </a:pPr>
+                      <a:r>
+                        <a:rPr lang="en-US" sz="1200" dirty="0">
+                          <a:effectLst/>
+                        </a:rPr>
+                        <a:t>Testing the flow of the user entering the game, playing the game and exiting it.</a:t>
+                      </a:r>
+                      <a:endParaRPr lang="en-US" sz="1400" dirty="0">
+                        <a:effectLst/>
+                      </a:endParaRPr>
+                    </a:p>
+                    <a:p>
+                      <a:pPr marL="0" marR="0">
+                        <a:lnSpc>
+                          <a:spcPct val="107000"/>
+                        </a:lnSpc>
+                        <a:spcBef>
+                          <a:spcPts val="0"/>
+                        </a:spcBef>
+                        <a:spcAft>
+                          <a:spcPts val="0"/>
+                        </a:spcAft>
+                      </a:pPr>
+                      <a:r>
+                        <a:rPr lang="en-US" sz="1200" dirty="0">
+                          <a:effectLst/>
+                        </a:rPr>
+                        <a:t> </a:t>
+                      </a:r>
+                      <a:endParaRPr lang="en-US" sz="1400" dirty="0">
+                        <a:effectLst/>
+                        <a:latin typeface="Calibri" panose="020F0502020204030204" pitchFamily="34" charset="0"/>
+                        <a:ea typeface="Calibri" panose="020F0502020204030204" pitchFamily="34" charset="0"/>
+                        <a:cs typeface="Arial" panose="020B0604020202020204" pitchFamily="34" charset="0"/>
+                      </a:endParaRPr>
+                    </a:p>
+                  </a:txBody>
+                  <a:tcPr marL="44045" marR="44045" marT="0" marB="0" anchor="ctr"/>
+                </a:tc>
+                <a:tc rowSpan="4">
+                  <a:txBody>
+                    <a:bodyPr/>
+                    <a:lstStyle/>
+                    <a:p>
+                      <a:pPr marL="0" marR="0">
+                        <a:lnSpc>
+                          <a:spcPct val="107000"/>
+                        </a:lnSpc>
+                        <a:spcBef>
+                          <a:spcPts val="0"/>
+                        </a:spcBef>
+                        <a:spcAft>
+                          <a:spcPts val="0"/>
+                        </a:spcAft>
+                      </a:pPr>
+                      <a:r>
+                        <a:rPr lang="en-US" sz="1200" dirty="0">
+                          <a:effectLst/>
+                        </a:rPr>
+                        <a:t>The user will enter the game by gazing at the Start Game for 2 seconds, plays the game and then the user exits the Game with button A.</a:t>
+                      </a:r>
+                      <a:endParaRPr lang="en-US" sz="1400" dirty="0">
+                        <a:effectLst/>
+                        <a:latin typeface="Calibri" panose="020F0502020204030204" pitchFamily="34" charset="0"/>
+                        <a:ea typeface="Calibri" panose="020F0502020204030204" pitchFamily="34" charset="0"/>
+                        <a:cs typeface="Arial" panose="020B0604020202020204" pitchFamily="34" charset="0"/>
+                      </a:endParaRPr>
+                    </a:p>
+                  </a:txBody>
+                  <a:tcPr marL="44045" marR="44045" marT="0" marB="0" anchor="ctr"/>
+                </a:tc>
+                <a:tc rowSpan="4">
+                  <a:txBody>
+                    <a:bodyPr/>
+                    <a:lstStyle/>
+                    <a:p>
+                      <a:pPr marL="0" marR="0">
+                        <a:lnSpc>
+                          <a:spcPct val="107000"/>
+                        </a:lnSpc>
+                        <a:spcBef>
+                          <a:spcPts val="0"/>
+                        </a:spcBef>
+                        <a:spcAft>
+                          <a:spcPts val="0"/>
+                        </a:spcAft>
+                      </a:pPr>
+                      <a:r>
+                        <a:rPr lang="en-US" sz="1200" dirty="0">
+                          <a:effectLst/>
+                        </a:rPr>
+                        <a:t>App is launched.</a:t>
+                      </a:r>
+                      <a:endParaRPr lang="en-US" sz="1400" dirty="0">
+                        <a:effectLst/>
+                        <a:latin typeface="Calibri" panose="020F0502020204030204" pitchFamily="34" charset="0"/>
+                        <a:ea typeface="Calibri" panose="020F0502020204030204" pitchFamily="34" charset="0"/>
+                        <a:cs typeface="Arial" panose="020B0604020202020204" pitchFamily="34" charset="0"/>
+                      </a:endParaRPr>
+                    </a:p>
+                  </a:txBody>
+                  <a:tcPr marL="44045" marR="44045" marT="0" marB="0" anchor="ctr"/>
+                </a:tc>
+                <a:tc>
+                  <a:txBody>
+                    <a:bodyPr/>
+                    <a:lstStyle/>
+                    <a:p>
+                      <a:pPr marL="0" marR="0">
+                        <a:lnSpc>
+                          <a:spcPct val="107000"/>
+                        </a:lnSpc>
+                        <a:spcBef>
+                          <a:spcPts val="0"/>
+                        </a:spcBef>
+                        <a:spcAft>
+                          <a:spcPts val="0"/>
+                        </a:spcAft>
+                      </a:pPr>
+                      <a:r>
+                        <a:rPr lang="en-US" sz="1200" dirty="0">
+                          <a:effectLst/>
+                        </a:rPr>
+                        <a:t>User gazes at the Start Game button for 2 seconds.</a:t>
+                      </a:r>
+                      <a:endParaRPr lang="en-US" sz="1400" dirty="0">
+                        <a:effectLst/>
+                        <a:latin typeface="Calibri" panose="020F0502020204030204" pitchFamily="34" charset="0"/>
+                        <a:ea typeface="Calibri" panose="020F0502020204030204" pitchFamily="34" charset="0"/>
+                        <a:cs typeface="Arial" panose="020B0604020202020204" pitchFamily="34" charset="0"/>
+                      </a:endParaRPr>
+                    </a:p>
+                  </a:txBody>
+                  <a:tcPr marL="44045" marR="44045" marT="0" marB="0" anchor="ctr"/>
+                </a:tc>
+                <a:tc>
+                  <a:txBody>
+                    <a:bodyPr/>
+                    <a:lstStyle/>
+                    <a:p>
+                      <a:pPr marL="0" marR="0">
+                        <a:lnSpc>
+                          <a:spcPct val="107000"/>
+                        </a:lnSpc>
+                        <a:spcBef>
+                          <a:spcPts val="0"/>
+                        </a:spcBef>
+                        <a:spcAft>
+                          <a:spcPts val="0"/>
+                        </a:spcAft>
+                      </a:pPr>
+                      <a:r>
+                        <a:rPr lang="en-US" sz="1200" dirty="0">
+                          <a:effectLst/>
+                        </a:rPr>
+                        <a:t>Gaze at the start game button for 2 seconds.</a:t>
+                      </a:r>
+                      <a:endParaRPr lang="en-US" sz="1400" dirty="0">
+                        <a:effectLst/>
+                        <a:latin typeface="Calibri" panose="020F0502020204030204" pitchFamily="34" charset="0"/>
+                        <a:ea typeface="Calibri" panose="020F0502020204030204" pitchFamily="34" charset="0"/>
+                        <a:cs typeface="Arial" panose="020B0604020202020204" pitchFamily="34" charset="0"/>
+                      </a:endParaRPr>
+                    </a:p>
+                  </a:txBody>
+                  <a:tcPr marL="44045" marR="44045" marT="0" marB="0" anchor="ctr"/>
+                </a:tc>
+                <a:tc>
+                  <a:txBody>
+                    <a:bodyPr/>
+                    <a:lstStyle/>
+                    <a:p>
+                      <a:pPr marL="0" marR="0">
+                        <a:lnSpc>
+                          <a:spcPct val="107000"/>
+                        </a:lnSpc>
+                        <a:spcBef>
+                          <a:spcPts val="0"/>
+                        </a:spcBef>
+                        <a:spcAft>
+                          <a:spcPts val="0"/>
+                        </a:spcAft>
+                      </a:pPr>
+                      <a:r>
+                        <a:rPr lang="en-US" sz="1200">
+                          <a:effectLst/>
+                        </a:rPr>
+                        <a:t>User enters the game.</a:t>
+                      </a:r>
+                      <a:endParaRPr lang="en-US" sz="1400">
+                        <a:effectLst/>
+                        <a:latin typeface="Calibri" panose="020F0502020204030204" pitchFamily="34" charset="0"/>
+                        <a:ea typeface="Calibri" panose="020F0502020204030204" pitchFamily="34" charset="0"/>
+                        <a:cs typeface="Arial" panose="020B0604020202020204" pitchFamily="34" charset="0"/>
+                      </a:endParaRPr>
+                    </a:p>
+                  </a:txBody>
+                  <a:tcPr marL="44045" marR="44045" marT="0" marB="0" anchor="ctr"/>
+                </a:tc>
+                <a:tc>
+                  <a:txBody>
+                    <a:bodyPr/>
+                    <a:lstStyle/>
+                    <a:p>
+                      <a:pPr marL="0" marR="0">
+                        <a:lnSpc>
+                          <a:spcPct val="107000"/>
+                        </a:lnSpc>
+                        <a:spcBef>
+                          <a:spcPts val="0"/>
+                        </a:spcBef>
+                        <a:spcAft>
+                          <a:spcPts val="0"/>
+                        </a:spcAft>
+                      </a:pPr>
+                      <a:r>
+                        <a:rPr lang="en-US" sz="1200">
+                          <a:effectLst/>
+                        </a:rPr>
+                        <a:t>User enters the game.</a:t>
+                      </a:r>
+                      <a:endParaRPr lang="en-US" sz="1400">
+                        <a:effectLst/>
+                        <a:latin typeface="Calibri" panose="020F0502020204030204" pitchFamily="34" charset="0"/>
+                        <a:ea typeface="Calibri" panose="020F0502020204030204" pitchFamily="34" charset="0"/>
+                        <a:cs typeface="Arial" panose="020B0604020202020204" pitchFamily="34" charset="0"/>
+                      </a:endParaRPr>
+                    </a:p>
+                  </a:txBody>
+                  <a:tcPr marL="44045" marR="44045" marT="0" marB="0" anchor="ctr"/>
+                </a:tc>
+                <a:tc rowSpan="4">
+                  <a:txBody>
+                    <a:bodyPr/>
+                    <a:lstStyle/>
+                    <a:p>
+                      <a:pPr marL="0" marR="0">
+                        <a:lnSpc>
+                          <a:spcPct val="107000"/>
+                        </a:lnSpc>
+                        <a:spcBef>
+                          <a:spcPts val="0"/>
+                        </a:spcBef>
+                        <a:spcAft>
+                          <a:spcPts val="0"/>
+                        </a:spcAft>
+                      </a:pPr>
+                      <a:r>
+                        <a:rPr lang="en-US" sz="1200" dirty="0">
+                          <a:effectLst/>
+                        </a:rPr>
+                        <a:t> </a:t>
+                      </a:r>
+                      <a:endParaRPr lang="en-US" sz="1400" dirty="0">
+                        <a:effectLst/>
+                      </a:endParaRPr>
+                    </a:p>
+                    <a:p>
+                      <a:pPr marL="0" marR="0">
+                        <a:lnSpc>
+                          <a:spcPct val="107000"/>
+                        </a:lnSpc>
+                        <a:spcBef>
+                          <a:spcPts val="0"/>
+                        </a:spcBef>
+                        <a:spcAft>
+                          <a:spcPts val="0"/>
+                        </a:spcAft>
+                      </a:pPr>
+                      <a:r>
+                        <a:rPr lang="en-US" sz="1200" dirty="0">
+                          <a:effectLst/>
+                        </a:rPr>
+                        <a:t> </a:t>
+                      </a:r>
+                      <a:endParaRPr lang="en-US" sz="1400" dirty="0">
+                        <a:effectLst/>
+                      </a:endParaRPr>
+                    </a:p>
+                    <a:p>
+                      <a:pPr marL="0" marR="0">
+                        <a:lnSpc>
+                          <a:spcPct val="107000"/>
+                        </a:lnSpc>
+                        <a:spcBef>
+                          <a:spcPts val="0"/>
+                        </a:spcBef>
+                        <a:spcAft>
+                          <a:spcPts val="0"/>
+                        </a:spcAft>
+                      </a:pPr>
+                      <a:r>
+                        <a:rPr lang="en-US" sz="1200" dirty="0">
+                          <a:effectLst/>
+                        </a:rPr>
+                        <a:t> </a:t>
+                      </a:r>
+                      <a:endParaRPr lang="en-US" sz="1400" dirty="0">
+                        <a:effectLst/>
+                      </a:endParaRPr>
+                    </a:p>
+                    <a:p>
+                      <a:pPr marL="0" marR="0">
+                        <a:lnSpc>
+                          <a:spcPct val="107000"/>
+                        </a:lnSpc>
+                        <a:spcBef>
+                          <a:spcPts val="0"/>
+                        </a:spcBef>
+                        <a:spcAft>
+                          <a:spcPts val="0"/>
+                        </a:spcAft>
+                      </a:pPr>
+                      <a:r>
+                        <a:rPr lang="en-US" sz="1200" dirty="0">
+                          <a:effectLst/>
+                        </a:rPr>
+                        <a:t> </a:t>
+                      </a:r>
+                      <a:endParaRPr lang="en-US" sz="1400" dirty="0">
+                        <a:effectLst/>
+                      </a:endParaRPr>
+                    </a:p>
+                    <a:p>
+                      <a:pPr marL="0" marR="0">
+                        <a:lnSpc>
+                          <a:spcPct val="107000"/>
+                        </a:lnSpc>
+                        <a:spcBef>
+                          <a:spcPts val="0"/>
+                        </a:spcBef>
+                        <a:spcAft>
+                          <a:spcPts val="0"/>
+                        </a:spcAft>
+                      </a:pPr>
+                      <a:r>
+                        <a:rPr lang="en-US" sz="1200" dirty="0">
+                          <a:effectLst/>
+                        </a:rPr>
+                        <a:t> </a:t>
+                      </a:r>
+                      <a:endParaRPr lang="en-US" sz="1400" dirty="0">
+                        <a:effectLst/>
+                      </a:endParaRPr>
+                    </a:p>
+                    <a:p>
+                      <a:pPr marL="0" marR="0">
+                        <a:lnSpc>
+                          <a:spcPct val="107000"/>
+                        </a:lnSpc>
+                        <a:spcBef>
+                          <a:spcPts val="0"/>
+                        </a:spcBef>
+                        <a:spcAft>
+                          <a:spcPts val="0"/>
+                        </a:spcAft>
+                      </a:pPr>
+                      <a:r>
+                        <a:rPr lang="en-US" sz="1200" dirty="0">
+                          <a:effectLst/>
+                        </a:rPr>
+                        <a:t> </a:t>
+                      </a:r>
+                      <a:endParaRPr lang="en-US" sz="1400" dirty="0">
+                        <a:effectLst/>
+                      </a:endParaRPr>
+                    </a:p>
+                    <a:p>
+                      <a:pPr marL="0" marR="0">
+                        <a:lnSpc>
+                          <a:spcPct val="107000"/>
+                        </a:lnSpc>
+                        <a:spcBef>
+                          <a:spcPts val="0"/>
+                        </a:spcBef>
+                        <a:spcAft>
+                          <a:spcPts val="0"/>
+                        </a:spcAft>
+                      </a:pPr>
+                      <a:r>
+                        <a:rPr lang="en-US" sz="1200" dirty="0">
+                          <a:effectLst/>
+                        </a:rPr>
+                        <a:t> </a:t>
+                      </a:r>
+                      <a:endParaRPr lang="en-US" sz="1400" dirty="0">
+                        <a:effectLst/>
+                      </a:endParaRPr>
+                    </a:p>
+                    <a:p>
+                      <a:pPr marL="0" marR="0">
+                        <a:lnSpc>
+                          <a:spcPct val="107000"/>
+                        </a:lnSpc>
+                        <a:spcBef>
+                          <a:spcPts val="0"/>
+                        </a:spcBef>
+                        <a:spcAft>
+                          <a:spcPts val="0"/>
+                        </a:spcAft>
+                      </a:pPr>
+                      <a:r>
+                        <a:rPr lang="en-US" sz="1200" dirty="0">
+                          <a:effectLst/>
+                        </a:rPr>
+                        <a:t> </a:t>
+                      </a:r>
+                      <a:endParaRPr lang="en-US" sz="1400" dirty="0">
+                        <a:effectLst/>
+                      </a:endParaRPr>
+                    </a:p>
+                    <a:p>
+                      <a:pPr marL="0" marR="0">
+                        <a:lnSpc>
+                          <a:spcPct val="107000"/>
+                        </a:lnSpc>
+                        <a:spcBef>
+                          <a:spcPts val="0"/>
+                        </a:spcBef>
+                        <a:spcAft>
+                          <a:spcPts val="0"/>
+                        </a:spcAft>
+                      </a:pPr>
+                      <a:r>
+                        <a:rPr lang="en-US" sz="1200" dirty="0">
+                          <a:effectLst/>
+                        </a:rPr>
+                        <a:t> </a:t>
+                      </a:r>
+                      <a:endParaRPr lang="en-US" sz="1400" dirty="0">
+                        <a:effectLst/>
+                      </a:endParaRPr>
+                    </a:p>
+                    <a:p>
+                      <a:pPr marL="0" marR="0" algn="ctr">
+                        <a:lnSpc>
+                          <a:spcPct val="107000"/>
+                        </a:lnSpc>
+                        <a:spcBef>
+                          <a:spcPts val="0"/>
+                        </a:spcBef>
+                        <a:spcAft>
+                          <a:spcPts val="0"/>
+                        </a:spcAft>
+                      </a:pPr>
+                      <a:r>
+                        <a:rPr lang="en-US" sz="1200" dirty="0">
+                          <a:effectLst/>
+                        </a:rPr>
+                        <a:t>Pass</a:t>
+                      </a:r>
+                      <a:endParaRPr lang="en-US" sz="1400" dirty="0">
+                        <a:effectLst/>
+                      </a:endParaRPr>
+                    </a:p>
+                    <a:p>
+                      <a:pPr marL="0" marR="0">
+                        <a:lnSpc>
+                          <a:spcPct val="107000"/>
+                        </a:lnSpc>
+                        <a:spcBef>
+                          <a:spcPts val="0"/>
+                        </a:spcBef>
+                        <a:spcAft>
+                          <a:spcPts val="0"/>
+                        </a:spcAft>
+                      </a:pPr>
+                      <a:r>
+                        <a:rPr lang="en-US" sz="1200" dirty="0">
+                          <a:effectLst/>
+                        </a:rPr>
+                        <a:t> </a:t>
+                      </a:r>
+                      <a:endParaRPr lang="en-US" sz="1400" dirty="0">
+                        <a:effectLst/>
+                        <a:latin typeface="Calibri" panose="020F0502020204030204" pitchFamily="34" charset="0"/>
+                        <a:ea typeface="Calibri" panose="020F0502020204030204" pitchFamily="34" charset="0"/>
+                        <a:cs typeface="Arial" panose="020B0604020202020204" pitchFamily="34" charset="0"/>
+                      </a:endParaRPr>
+                    </a:p>
+                  </a:txBody>
+                  <a:tcPr marL="44045" marR="44045" marT="0" marB="0" anchor="ctr"/>
+                </a:tc>
+              </a:tr>
+              <a:tr h="489934">
+                <a:tc vMerge="1">
+                  <a:txBody>
+                    <a:bodyPr/>
+                    <a:lstStyle/>
+                    <a:p>
+                      <a:endParaRPr lang="en-US"/>
+                    </a:p>
+                  </a:txBody>
+                  <a:tcPr/>
+                </a:tc>
+                <a:tc vMerge="1">
+                  <a:txBody>
+                    <a:bodyPr/>
+                    <a:lstStyle/>
+                    <a:p>
+                      <a:endParaRPr lang="en-US"/>
+                    </a:p>
+                  </a:txBody>
+                  <a:tcPr/>
+                </a:tc>
+                <a:tc vMerge="1">
+                  <a:txBody>
+                    <a:bodyPr/>
+                    <a:lstStyle/>
+                    <a:p>
+                      <a:endParaRPr lang="en-US"/>
+                    </a:p>
+                  </a:txBody>
+                  <a:tcPr/>
+                </a:tc>
+                <a:tc vMerge="1">
+                  <a:txBody>
+                    <a:bodyPr/>
+                    <a:lstStyle/>
+                    <a:p>
+                      <a:endParaRPr lang="en-US"/>
+                    </a:p>
+                  </a:txBody>
+                  <a:tcPr/>
+                </a:tc>
+                <a:tc>
+                  <a:txBody>
+                    <a:bodyPr/>
+                    <a:lstStyle/>
+                    <a:p>
+                      <a:pPr marL="0" marR="0">
+                        <a:lnSpc>
+                          <a:spcPct val="107000"/>
+                        </a:lnSpc>
+                        <a:spcBef>
+                          <a:spcPts val="0"/>
+                        </a:spcBef>
+                        <a:spcAft>
+                          <a:spcPts val="0"/>
+                        </a:spcAft>
+                      </a:pPr>
+                      <a:r>
+                        <a:rPr lang="en-US" sz="1200">
+                          <a:effectLst/>
+                        </a:rPr>
+                        <a:t>User moves the player right.</a:t>
+                      </a:r>
+                      <a:endParaRPr lang="en-US" sz="1400">
+                        <a:effectLst/>
+                        <a:latin typeface="Calibri" panose="020F0502020204030204" pitchFamily="34" charset="0"/>
+                        <a:ea typeface="Calibri" panose="020F0502020204030204" pitchFamily="34" charset="0"/>
+                        <a:cs typeface="Arial" panose="020B0604020202020204" pitchFamily="34" charset="0"/>
+                      </a:endParaRPr>
+                    </a:p>
+                  </a:txBody>
+                  <a:tcPr marL="44045" marR="44045" marT="0" marB="0" anchor="ctr"/>
+                </a:tc>
+                <a:tc>
+                  <a:txBody>
+                    <a:bodyPr/>
+                    <a:lstStyle/>
+                    <a:p>
+                      <a:pPr marL="0" marR="0">
+                        <a:lnSpc>
+                          <a:spcPct val="107000"/>
+                        </a:lnSpc>
+                        <a:spcBef>
+                          <a:spcPts val="0"/>
+                        </a:spcBef>
+                        <a:spcAft>
+                          <a:spcPts val="0"/>
+                        </a:spcAft>
+                      </a:pPr>
+                      <a:r>
+                        <a:rPr lang="en-US" sz="1200" dirty="0">
+                          <a:effectLst/>
+                        </a:rPr>
+                        <a:t>Move the 360 ˚ Rocker to right.</a:t>
+                      </a:r>
+                      <a:endParaRPr lang="en-US" sz="1400" dirty="0">
+                        <a:effectLst/>
+                        <a:latin typeface="Calibri" panose="020F0502020204030204" pitchFamily="34" charset="0"/>
+                        <a:ea typeface="Calibri" panose="020F0502020204030204" pitchFamily="34" charset="0"/>
+                        <a:cs typeface="Arial" panose="020B0604020202020204" pitchFamily="34" charset="0"/>
+                      </a:endParaRPr>
+                    </a:p>
+                  </a:txBody>
+                  <a:tcPr marL="44045" marR="44045" marT="0" marB="0" anchor="ctr"/>
+                </a:tc>
+                <a:tc>
+                  <a:txBody>
+                    <a:bodyPr/>
+                    <a:lstStyle/>
+                    <a:p>
+                      <a:pPr marL="0" marR="0">
+                        <a:lnSpc>
+                          <a:spcPct val="107000"/>
+                        </a:lnSpc>
+                        <a:spcBef>
+                          <a:spcPts val="0"/>
+                        </a:spcBef>
+                        <a:spcAft>
+                          <a:spcPts val="0"/>
+                        </a:spcAft>
+                      </a:pPr>
+                      <a:r>
+                        <a:rPr lang="en-US" sz="1200" dirty="0">
+                          <a:effectLst/>
+                        </a:rPr>
+                        <a:t>Player moves right.</a:t>
+                      </a:r>
+                      <a:endParaRPr lang="en-US" sz="1400" dirty="0">
+                        <a:effectLst/>
+                        <a:latin typeface="Calibri" panose="020F0502020204030204" pitchFamily="34" charset="0"/>
+                        <a:ea typeface="Calibri" panose="020F0502020204030204" pitchFamily="34" charset="0"/>
+                        <a:cs typeface="Arial" panose="020B0604020202020204" pitchFamily="34" charset="0"/>
+                      </a:endParaRPr>
+                    </a:p>
+                  </a:txBody>
+                  <a:tcPr marL="44045" marR="44045" marT="0" marB="0" anchor="ctr"/>
+                </a:tc>
+                <a:tc>
+                  <a:txBody>
+                    <a:bodyPr/>
+                    <a:lstStyle/>
+                    <a:p>
+                      <a:pPr marL="0" marR="0">
+                        <a:lnSpc>
+                          <a:spcPct val="107000"/>
+                        </a:lnSpc>
+                        <a:spcBef>
+                          <a:spcPts val="0"/>
+                        </a:spcBef>
+                        <a:spcAft>
+                          <a:spcPts val="0"/>
+                        </a:spcAft>
+                      </a:pPr>
+                      <a:r>
+                        <a:rPr lang="en-US" sz="1200">
+                          <a:effectLst/>
+                        </a:rPr>
+                        <a:t>Player moves right.</a:t>
+                      </a:r>
+                      <a:endParaRPr lang="en-US" sz="1400">
+                        <a:effectLst/>
+                        <a:latin typeface="Calibri" panose="020F0502020204030204" pitchFamily="34" charset="0"/>
+                        <a:ea typeface="Calibri" panose="020F0502020204030204" pitchFamily="34" charset="0"/>
+                        <a:cs typeface="Arial" panose="020B0604020202020204" pitchFamily="34" charset="0"/>
+                      </a:endParaRPr>
+                    </a:p>
+                  </a:txBody>
+                  <a:tcPr marL="44045" marR="44045" marT="0" marB="0" anchor="ctr"/>
+                </a:tc>
+                <a:tc vMerge="1">
+                  <a:txBody>
+                    <a:bodyPr/>
+                    <a:lstStyle/>
+                    <a:p>
+                      <a:endParaRPr lang="en-US"/>
+                    </a:p>
+                  </a:txBody>
+                  <a:tcPr/>
+                </a:tc>
+              </a:tr>
+              <a:tr h="489934">
+                <a:tc vMerge="1">
+                  <a:txBody>
+                    <a:bodyPr/>
+                    <a:lstStyle/>
+                    <a:p>
+                      <a:endParaRPr lang="en-US"/>
+                    </a:p>
+                  </a:txBody>
+                  <a:tcPr/>
+                </a:tc>
+                <a:tc vMerge="1">
+                  <a:txBody>
+                    <a:bodyPr/>
+                    <a:lstStyle/>
+                    <a:p>
+                      <a:endParaRPr lang="en-US"/>
+                    </a:p>
+                  </a:txBody>
+                  <a:tcPr/>
+                </a:tc>
+                <a:tc vMerge="1">
+                  <a:txBody>
+                    <a:bodyPr/>
+                    <a:lstStyle/>
+                    <a:p>
+                      <a:endParaRPr lang="en-US"/>
+                    </a:p>
+                  </a:txBody>
+                  <a:tcPr/>
+                </a:tc>
+                <a:tc vMerge="1">
+                  <a:txBody>
+                    <a:bodyPr/>
+                    <a:lstStyle/>
+                    <a:p>
+                      <a:endParaRPr lang="en-US"/>
+                    </a:p>
+                  </a:txBody>
+                  <a:tcPr/>
+                </a:tc>
+                <a:tc>
+                  <a:txBody>
+                    <a:bodyPr/>
+                    <a:lstStyle/>
+                    <a:p>
+                      <a:pPr marL="0" marR="0">
+                        <a:lnSpc>
+                          <a:spcPct val="107000"/>
+                        </a:lnSpc>
+                        <a:spcBef>
+                          <a:spcPts val="0"/>
+                        </a:spcBef>
+                        <a:spcAft>
+                          <a:spcPts val="0"/>
+                        </a:spcAft>
+                      </a:pPr>
+                      <a:r>
+                        <a:rPr lang="en-US" sz="1200">
+                          <a:effectLst/>
+                        </a:rPr>
+                        <a:t>User moves the player left.</a:t>
+                      </a:r>
+                      <a:endParaRPr lang="en-US" sz="1400">
+                        <a:effectLst/>
+                        <a:latin typeface="Calibri" panose="020F0502020204030204" pitchFamily="34" charset="0"/>
+                        <a:ea typeface="Calibri" panose="020F0502020204030204" pitchFamily="34" charset="0"/>
+                        <a:cs typeface="Arial" panose="020B0604020202020204" pitchFamily="34" charset="0"/>
+                      </a:endParaRPr>
+                    </a:p>
+                  </a:txBody>
+                  <a:tcPr marL="44045" marR="44045" marT="0" marB="0" anchor="ctr"/>
+                </a:tc>
+                <a:tc>
+                  <a:txBody>
+                    <a:bodyPr/>
+                    <a:lstStyle/>
+                    <a:p>
+                      <a:pPr marL="0" marR="0">
+                        <a:lnSpc>
+                          <a:spcPct val="107000"/>
+                        </a:lnSpc>
+                        <a:spcBef>
+                          <a:spcPts val="0"/>
+                        </a:spcBef>
+                        <a:spcAft>
+                          <a:spcPts val="0"/>
+                        </a:spcAft>
+                      </a:pPr>
+                      <a:r>
+                        <a:rPr lang="en-US" sz="1200">
+                          <a:effectLst/>
+                        </a:rPr>
+                        <a:t>Move the 360 ˚ Rocker to left.</a:t>
+                      </a:r>
+                      <a:endParaRPr lang="en-US" sz="1400">
+                        <a:effectLst/>
+                        <a:latin typeface="Calibri" panose="020F0502020204030204" pitchFamily="34" charset="0"/>
+                        <a:ea typeface="Calibri" panose="020F0502020204030204" pitchFamily="34" charset="0"/>
+                        <a:cs typeface="Arial" panose="020B0604020202020204" pitchFamily="34" charset="0"/>
+                      </a:endParaRPr>
+                    </a:p>
+                  </a:txBody>
+                  <a:tcPr marL="44045" marR="44045" marT="0" marB="0" anchor="ctr"/>
+                </a:tc>
+                <a:tc>
+                  <a:txBody>
+                    <a:bodyPr/>
+                    <a:lstStyle/>
+                    <a:p>
+                      <a:pPr marL="0" marR="0">
+                        <a:lnSpc>
+                          <a:spcPct val="107000"/>
+                        </a:lnSpc>
+                        <a:spcBef>
+                          <a:spcPts val="0"/>
+                        </a:spcBef>
+                        <a:spcAft>
+                          <a:spcPts val="0"/>
+                        </a:spcAft>
+                      </a:pPr>
+                      <a:r>
+                        <a:rPr lang="en-US" sz="1200" dirty="0">
+                          <a:effectLst/>
+                        </a:rPr>
+                        <a:t>Player moves left.</a:t>
+                      </a:r>
+                      <a:endParaRPr lang="en-US" sz="1400" dirty="0">
+                        <a:effectLst/>
+                        <a:latin typeface="Calibri" panose="020F0502020204030204" pitchFamily="34" charset="0"/>
+                        <a:ea typeface="Calibri" panose="020F0502020204030204" pitchFamily="34" charset="0"/>
+                        <a:cs typeface="Arial" panose="020B0604020202020204" pitchFamily="34" charset="0"/>
+                      </a:endParaRPr>
+                    </a:p>
+                  </a:txBody>
+                  <a:tcPr marL="44045" marR="44045" marT="0" marB="0" anchor="ctr"/>
+                </a:tc>
+                <a:tc>
+                  <a:txBody>
+                    <a:bodyPr/>
+                    <a:lstStyle/>
+                    <a:p>
+                      <a:pPr marL="0" marR="0">
+                        <a:lnSpc>
+                          <a:spcPct val="107000"/>
+                        </a:lnSpc>
+                        <a:spcBef>
+                          <a:spcPts val="0"/>
+                        </a:spcBef>
+                        <a:spcAft>
+                          <a:spcPts val="0"/>
+                        </a:spcAft>
+                      </a:pPr>
+                      <a:r>
+                        <a:rPr lang="en-US" sz="1200">
+                          <a:effectLst/>
+                        </a:rPr>
+                        <a:t>Player moves left.</a:t>
+                      </a:r>
+                      <a:endParaRPr lang="en-US" sz="1400">
+                        <a:effectLst/>
+                        <a:latin typeface="Calibri" panose="020F0502020204030204" pitchFamily="34" charset="0"/>
+                        <a:ea typeface="Calibri" panose="020F0502020204030204" pitchFamily="34" charset="0"/>
+                        <a:cs typeface="Arial" panose="020B0604020202020204" pitchFamily="34" charset="0"/>
+                      </a:endParaRPr>
+                    </a:p>
+                  </a:txBody>
+                  <a:tcPr marL="44045" marR="44045" marT="0" marB="0" anchor="ctr"/>
+                </a:tc>
+                <a:tc vMerge="1">
+                  <a:txBody>
+                    <a:bodyPr/>
+                    <a:lstStyle/>
+                    <a:p>
+                      <a:endParaRPr lang="en-US"/>
+                    </a:p>
+                  </a:txBody>
+                  <a:tcPr/>
+                </a:tc>
+              </a:tr>
+              <a:tr h="1202103">
+                <a:tc vMerge="1">
+                  <a:txBody>
+                    <a:bodyPr/>
+                    <a:lstStyle/>
+                    <a:p>
+                      <a:endParaRPr lang="en-US"/>
+                    </a:p>
+                  </a:txBody>
+                  <a:tcPr/>
+                </a:tc>
+                <a:tc vMerge="1">
+                  <a:txBody>
+                    <a:bodyPr/>
+                    <a:lstStyle/>
+                    <a:p>
+                      <a:endParaRPr lang="en-US"/>
+                    </a:p>
+                  </a:txBody>
+                  <a:tcPr/>
+                </a:tc>
+                <a:tc vMerge="1">
+                  <a:txBody>
+                    <a:bodyPr/>
+                    <a:lstStyle/>
+                    <a:p>
+                      <a:endParaRPr lang="en-US"/>
+                    </a:p>
+                  </a:txBody>
+                  <a:tcPr/>
+                </a:tc>
+                <a:tc vMerge="1">
+                  <a:txBody>
+                    <a:bodyPr/>
+                    <a:lstStyle/>
+                    <a:p>
+                      <a:endParaRPr lang="en-US"/>
+                    </a:p>
+                  </a:txBody>
+                  <a:tcPr/>
+                </a:tc>
+                <a:tc>
+                  <a:txBody>
+                    <a:bodyPr/>
+                    <a:lstStyle/>
+                    <a:p>
+                      <a:pPr marL="0" marR="0">
+                        <a:lnSpc>
+                          <a:spcPct val="107000"/>
+                        </a:lnSpc>
+                        <a:spcBef>
+                          <a:spcPts val="0"/>
+                        </a:spcBef>
+                        <a:spcAft>
+                          <a:spcPts val="0"/>
+                        </a:spcAft>
+                      </a:pPr>
+                      <a:r>
+                        <a:rPr lang="en-US" sz="1200" dirty="0">
+                          <a:effectLst/>
+                        </a:rPr>
+                        <a:t>User exits the Game.</a:t>
+                      </a:r>
+                      <a:endParaRPr lang="en-US" sz="1400" dirty="0">
+                        <a:effectLst/>
+                        <a:latin typeface="Calibri" panose="020F0502020204030204" pitchFamily="34" charset="0"/>
+                        <a:ea typeface="Calibri" panose="020F0502020204030204" pitchFamily="34" charset="0"/>
+                        <a:cs typeface="Arial" panose="020B0604020202020204" pitchFamily="34" charset="0"/>
+                      </a:endParaRPr>
+                    </a:p>
+                  </a:txBody>
+                  <a:tcPr marL="44045" marR="44045" marT="0" marB="0" anchor="ctr"/>
+                </a:tc>
+                <a:tc>
+                  <a:txBody>
+                    <a:bodyPr/>
+                    <a:lstStyle/>
+                    <a:p>
+                      <a:pPr marL="0" marR="0">
+                        <a:lnSpc>
+                          <a:spcPct val="107000"/>
+                        </a:lnSpc>
+                        <a:spcBef>
+                          <a:spcPts val="0"/>
+                        </a:spcBef>
+                        <a:spcAft>
+                          <a:spcPts val="0"/>
+                        </a:spcAft>
+                      </a:pPr>
+                      <a:r>
+                        <a:rPr lang="en-US" sz="1200">
+                          <a:effectLst/>
+                        </a:rPr>
+                        <a:t>Button A</a:t>
+                      </a:r>
+                      <a:endParaRPr lang="en-US" sz="1400">
+                        <a:effectLst/>
+                        <a:latin typeface="Calibri" panose="020F0502020204030204" pitchFamily="34" charset="0"/>
+                        <a:ea typeface="Calibri" panose="020F0502020204030204" pitchFamily="34" charset="0"/>
+                        <a:cs typeface="Arial" panose="020B0604020202020204" pitchFamily="34" charset="0"/>
+                      </a:endParaRPr>
+                    </a:p>
+                  </a:txBody>
+                  <a:tcPr marL="44045" marR="44045" marT="0" marB="0" anchor="ctr"/>
+                </a:tc>
+                <a:tc>
+                  <a:txBody>
+                    <a:bodyPr/>
+                    <a:lstStyle/>
+                    <a:p>
+                      <a:pPr marL="0" marR="0">
+                        <a:lnSpc>
+                          <a:spcPct val="107000"/>
+                        </a:lnSpc>
+                        <a:spcBef>
+                          <a:spcPts val="0"/>
+                        </a:spcBef>
+                        <a:spcAft>
+                          <a:spcPts val="0"/>
+                        </a:spcAft>
+                      </a:pPr>
+                      <a:r>
+                        <a:rPr lang="en-US" sz="1200" dirty="0">
+                          <a:effectLst/>
+                        </a:rPr>
+                        <a:t>Player exits the game.</a:t>
+                      </a:r>
+                      <a:endParaRPr lang="en-US" sz="1400" dirty="0">
+                        <a:effectLst/>
+                        <a:latin typeface="Calibri" panose="020F0502020204030204" pitchFamily="34" charset="0"/>
+                        <a:ea typeface="Calibri" panose="020F0502020204030204" pitchFamily="34" charset="0"/>
+                        <a:cs typeface="Arial" panose="020B0604020202020204" pitchFamily="34" charset="0"/>
+                      </a:endParaRPr>
+                    </a:p>
+                  </a:txBody>
+                  <a:tcPr marL="44045" marR="44045" marT="0" marB="0" anchor="ctr"/>
+                </a:tc>
+                <a:tc>
+                  <a:txBody>
+                    <a:bodyPr/>
+                    <a:lstStyle/>
+                    <a:p>
+                      <a:pPr marL="0" marR="0">
+                        <a:lnSpc>
+                          <a:spcPct val="107000"/>
+                        </a:lnSpc>
+                        <a:spcBef>
+                          <a:spcPts val="0"/>
+                        </a:spcBef>
+                        <a:spcAft>
+                          <a:spcPts val="0"/>
+                        </a:spcAft>
+                      </a:pPr>
+                      <a:r>
+                        <a:rPr lang="en-US" sz="1200" dirty="0">
+                          <a:effectLst/>
+                        </a:rPr>
+                        <a:t>Player exits the game.</a:t>
+                      </a:r>
+                      <a:endParaRPr lang="en-US" sz="1400" dirty="0">
+                        <a:effectLst/>
+                        <a:latin typeface="Calibri" panose="020F0502020204030204" pitchFamily="34" charset="0"/>
+                        <a:ea typeface="Calibri" panose="020F0502020204030204" pitchFamily="34" charset="0"/>
+                        <a:cs typeface="Arial" panose="020B0604020202020204" pitchFamily="34" charset="0"/>
+                      </a:endParaRPr>
+                    </a:p>
+                  </a:txBody>
+                  <a:tcPr marL="44045" marR="44045" marT="0" marB="0" anchor="ctr"/>
+                </a:tc>
+                <a:tc vMerge="1">
+                  <a:txBody>
+                    <a:bodyPr/>
+                    <a:lstStyle/>
+                    <a:p>
+                      <a:endParaRPr lang="en-US"/>
+                    </a:p>
+                  </a:txBody>
+                  <a:tcPr/>
+                </a:tc>
+              </a:tr>
+            </a:tbl>
+          </a:graphicData>
+        </a:graphic>
+      </p:graphicFrame>
     </p:spTree>
+    <p:extLst>
+      <p:ext uri="{BB962C8B-B14F-4D97-AF65-F5344CB8AC3E}">
+        <p14:creationId xmlns:p14="http://schemas.microsoft.com/office/powerpoint/2010/main" val="1755747166"/>
+      </p:ext>
+    </p:extLst>
   </p:cSld>
   <p:clrMapOvr>
     <a:masterClrMapping/>
@@ -5380,161 +8591,306 @@
             <p:ph type="title"/>
           </p:nvPr>
         </p:nvSpPr>
-        <p:spPr/>
+        <p:spPr>
+          <a:xfrm>
+            <a:off x="1108460" y="685800"/>
+            <a:ext cx="9864340" cy="691172"/>
+          </a:xfrm>
+        </p:spPr>
         <p:txBody>
           <a:bodyPr/>
           <a:lstStyle/>
           <a:p>
             <a:r>
-              <a:rPr lang="en-US" dirty="0"/>
-              <a:t>References</a:t>
-            </a:r>
-          </a:p>
-        </p:txBody>
-      </p:sp>
-      <p:sp>
-        <p:nvSpPr>
-          <p:cNvPr id="3" name="Content Placeholder 2"/>
-          <p:cNvSpPr>
-            <a:spLocks noGrp="1"/>
-          </p:cNvSpPr>
+              <a:rPr lang="en-US" dirty="0" smtClean="0"/>
+              <a:t>Usability Testing</a:t>
+            </a:r>
+            <a:endParaRPr lang="en-US" dirty="0"/>
+          </a:p>
+        </p:txBody>
+      </p:sp>
+      <p:pic>
+        <p:nvPicPr>
+          <p:cNvPr id="4" name="Content Placeholder 3"/>
+          <p:cNvPicPr>
+            <a:picLocks noGrp="1"/>
+          </p:cNvPicPr>
           <p:nvPr>
             <p:ph idx="1"/>
           </p:nvPr>
-        </p:nvSpPr>
+        </p:nvPicPr>
+        <p:blipFill>
+          <a:blip r:embed="rId2"/>
+          <a:stretch>
+            <a:fillRect/>
+          </a:stretch>
+        </p:blipFill>
         <p:spPr>
           <a:xfrm>
-            <a:off x="1371600" y="1575582"/>
-            <a:ext cx="9601200" cy="4596618"/>
+            <a:off x="1108460" y="1812390"/>
+            <a:ext cx="4839668" cy="4615569"/>
           </a:xfrm>
+          <a:prstGeom prst="rect">
+            <a:avLst/>
+          </a:prstGeom>
         </p:spPr>
-        <p:txBody>
-          <a:bodyPr>
-            <a:normAutofit fontScale="70000" lnSpcReduction="20000"/>
+      </p:pic>
+      <p:pic>
+        <p:nvPicPr>
+          <p:cNvPr id="5" name="Picture 4"/>
+          <p:cNvPicPr/>
+          <p:nvPr/>
+        </p:nvPicPr>
+        <p:blipFill>
+          <a:blip r:embed="rId3" cstate="print">
+            <a:extLst>
+              <a:ext uri="{28A0092B-C50C-407E-A947-70E740481C1C}">
+                <a14:useLocalDpi xmlns:a14="http://schemas.microsoft.com/office/drawing/2010/main" val="0"/>
+              </a:ext>
+            </a:extLst>
+          </a:blip>
+          <a:stretch>
+            <a:fillRect/>
+          </a:stretch>
+        </p:blipFill>
+        <p:spPr>
+          <a:xfrm>
+            <a:off x="7026079" y="2121622"/>
+            <a:ext cx="4444662" cy="2074941"/>
+          </a:xfrm>
+          <a:prstGeom prst="rect">
+            <a:avLst/>
+          </a:prstGeom>
+        </p:spPr>
+      </p:pic>
+      <p:sp>
+        <p:nvSpPr>
+          <p:cNvPr id="6" name="Text Box 31"/>
+          <p:cNvSpPr txBox="1"/>
+          <p:nvPr/>
+        </p:nvSpPr>
+        <p:spPr>
+          <a:xfrm>
+            <a:off x="7026079" y="1812391"/>
+            <a:ext cx="3258658" cy="359309"/>
+          </a:xfrm>
+          <a:prstGeom prst="rect">
+            <a:avLst/>
+          </a:prstGeom>
+          <a:solidFill>
+            <a:schemeClr val="lt1"/>
+          </a:solidFill>
+          <a:ln w="6350">
+            <a:noFill/>
+          </a:ln>
+          <a:effectLst/>
+        </p:spPr>
+        <p:style>
+          <a:lnRef idx="0">
+            <a:schemeClr val="accent1"/>
+          </a:lnRef>
+          <a:fillRef idx="0">
+            <a:schemeClr val="accent1"/>
+          </a:fillRef>
+          <a:effectRef idx="0">
+            <a:schemeClr val="accent1"/>
+          </a:effectRef>
+          <a:fontRef idx="minor">
+            <a:schemeClr val="dk1"/>
+          </a:fontRef>
+        </p:style>
+        <p:txBody>
+          <a:bodyPr rot="0" spcFirstLastPara="0" vert="horz" wrap="square" lIns="91440" tIns="45720" rIns="91440" bIns="45720" numCol="1" spcCol="0" rtlCol="0" fromWordArt="0" anchor="t" anchorCtr="0" forceAA="0" compatLnSpc="1">
+            <a:prstTxWarp prst="textNoShape">
+              <a:avLst/>
+            </a:prstTxWarp>
+            <a:noAutofit/>
           </a:bodyPr>
           <a:lstStyle/>
           <a:p>
+            <a:pPr marL="0" marR="0">
+              <a:lnSpc>
+                <a:spcPct val="107000"/>
+              </a:lnSpc>
+              <a:spcBef>
+                <a:spcPts val="0"/>
+              </a:spcBef>
+              <a:spcAft>
+                <a:spcPts val="800"/>
+              </a:spcAft>
+            </a:pPr>
+            <a:r>
+              <a:rPr lang="en-US" sz="1100" dirty="0">
+                <a:effectLst/>
+                <a:ea typeface="Calibri" panose="020F0502020204030204" pitchFamily="34" charset="0"/>
+                <a:cs typeface="Arial" panose="020B0604020202020204" pitchFamily="34" charset="0"/>
+              </a:rPr>
+              <a:t>I saw or heard something entertaining</a:t>
+            </a:r>
+          </a:p>
+        </p:txBody>
+      </p:sp>
+      <p:pic>
+        <p:nvPicPr>
+          <p:cNvPr id="7" name="Picture 6"/>
+          <p:cNvPicPr/>
+          <p:nvPr/>
+        </p:nvPicPr>
+        <p:blipFill>
+          <a:blip r:embed="rId4" cstate="print">
+            <a:extLst>
+              <a:ext uri="{28A0092B-C50C-407E-A947-70E740481C1C}">
+                <a14:useLocalDpi xmlns:a14="http://schemas.microsoft.com/office/drawing/2010/main" val="0"/>
+              </a:ext>
+            </a:extLst>
+          </a:blip>
+          <a:stretch>
+            <a:fillRect/>
+          </a:stretch>
+        </p:blipFill>
+        <p:spPr>
+          <a:xfrm>
+            <a:off x="7026079" y="4631981"/>
+            <a:ext cx="4444662" cy="1795979"/>
+          </a:xfrm>
+          <a:prstGeom prst="rect">
+            <a:avLst/>
+          </a:prstGeom>
+        </p:spPr>
+      </p:pic>
+      <p:sp>
+        <p:nvSpPr>
+          <p:cNvPr id="8" name="Text Box 32"/>
+          <p:cNvSpPr txBox="1"/>
+          <p:nvPr/>
+        </p:nvSpPr>
+        <p:spPr>
+          <a:xfrm>
+            <a:off x="7026079" y="4270976"/>
+            <a:ext cx="2878412" cy="361005"/>
+          </a:xfrm>
+          <a:prstGeom prst="rect">
+            <a:avLst/>
+          </a:prstGeom>
+          <a:solidFill>
+            <a:schemeClr val="lt1"/>
+          </a:solidFill>
+          <a:ln w="6350">
+            <a:noFill/>
+          </a:ln>
+          <a:effectLst/>
+        </p:spPr>
+        <p:style>
+          <a:lnRef idx="0">
+            <a:schemeClr val="accent1"/>
+          </a:lnRef>
+          <a:fillRef idx="0">
+            <a:schemeClr val="accent1"/>
+          </a:fillRef>
+          <a:effectRef idx="0">
+            <a:schemeClr val="accent1"/>
+          </a:effectRef>
+          <a:fontRef idx="minor">
+            <a:schemeClr val="dk1"/>
+          </a:fontRef>
+        </p:style>
+        <p:txBody>
+          <a:bodyPr rot="0" spcFirstLastPara="0" vert="horz" wrap="square" lIns="91440" tIns="45720" rIns="91440" bIns="45720" numCol="1" spcCol="0" rtlCol="0" fromWordArt="0" anchor="t" anchorCtr="0" forceAA="0" compatLnSpc="1">
+            <a:prstTxWarp prst="textNoShape">
+              <a:avLst/>
+            </a:prstTxWarp>
+            <a:noAutofit/>
+          </a:bodyPr>
+          <a:lstStyle/>
+          <a:p>
+            <a:pPr marL="0" marR="0">
+              <a:lnSpc>
+                <a:spcPct val="107000"/>
+              </a:lnSpc>
+              <a:spcBef>
+                <a:spcPts val="0"/>
+              </a:spcBef>
+              <a:spcAft>
+                <a:spcPts val="800"/>
+              </a:spcAft>
+            </a:pPr>
+            <a:r>
+              <a:rPr lang="en-US" sz="1100" dirty="0">
+                <a:effectLst/>
+                <a:ea typeface="Calibri" panose="020F0502020204030204" pitchFamily="34" charset="0"/>
+                <a:cs typeface="Arial" panose="020B0604020202020204" pitchFamily="34" charset="0"/>
+              </a:rPr>
+              <a:t>I found the text clear and easy to understand</a:t>
+            </a:r>
+          </a:p>
+        </p:txBody>
+      </p:sp>
+      <p:sp>
+        <p:nvSpPr>
+          <p:cNvPr id="9" name="TextBox 8"/>
+          <p:cNvSpPr txBox="1"/>
+          <p:nvPr/>
+        </p:nvSpPr>
+        <p:spPr>
+          <a:xfrm>
+            <a:off x="7026374" y="1368646"/>
+            <a:ext cx="2222331" cy="369332"/>
+          </a:xfrm>
+          <a:prstGeom prst="rect">
+            <a:avLst/>
+          </a:prstGeom>
+          <a:noFill/>
+        </p:spPr>
+        <p:txBody>
+          <a:bodyPr wrap="square" rtlCol="0">
+            <a:spAutoFit/>
+          </a:bodyPr>
+          <a:lstStyle/>
+          <a:p>
+            <a:r>
+              <a:rPr lang="en-US" dirty="0" smtClean="0"/>
+              <a:t>TEST RESULTS</a:t>
+            </a:r>
             <a:endParaRPr lang="en-US" dirty="0"/>
           </a:p>
-          <a:p>
-            <a:pPr marL="0" indent="0">
-              <a:buNone/>
-            </a:pPr>
-            <a:endParaRPr lang="en-US" sz="1400" dirty="0">
-              <a:latin typeface="Calibri" panose="020F0502020204030204" pitchFamily="34" charset="0"/>
-              <a:cs typeface="Calibri" panose="020F0502020204030204" pitchFamily="34" charset="0"/>
-            </a:endParaRPr>
-          </a:p>
-          <a:p>
-            <a:r>
-              <a:rPr lang="en-US" sz="2600" dirty="0">
-                <a:cs typeface="Calibri" panose="020F0502020204030204" pitchFamily="34" charset="0"/>
-              </a:rPr>
-              <a:t>[1] 	S. </a:t>
-            </a:r>
-            <a:r>
-              <a:rPr lang="en-US" sz="2600" dirty="0" err="1">
-                <a:cs typeface="Calibri" panose="020F0502020204030204" pitchFamily="34" charset="0"/>
-              </a:rPr>
-              <a:t>Sukhin</a:t>
-            </a:r>
-            <a:r>
-              <a:rPr lang="en-US" sz="2600" dirty="0">
-                <a:cs typeface="Calibri" panose="020F0502020204030204" pitchFamily="34" charset="0"/>
-              </a:rPr>
-              <a:t>, "Splash Sim: A VR Experience in the Water Cycle - Apps on Google Play," Google, 10 2017. [Online]. Available: https://play.google.com/store/apps/details?id=com.splashsim.splashsim&amp;hl=en_US. [Accessed 28 7 2019].</a:t>
-            </a:r>
-          </a:p>
-          <a:p>
-            <a:r>
-              <a:rPr lang="en-US" sz="2600" dirty="0">
-                <a:cs typeface="Calibri" panose="020F0502020204030204" pitchFamily="34" charset="0"/>
-              </a:rPr>
-              <a:t>[2] 	A. V. Education, "</a:t>
-            </a:r>
-            <a:r>
-              <a:rPr lang="en-US" sz="2600" dirty="0" err="1">
-                <a:cs typeface="Calibri" panose="020F0502020204030204" pitchFamily="34" charset="0"/>
-              </a:rPr>
-              <a:t>Cicle</a:t>
-            </a:r>
-            <a:r>
-              <a:rPr lang="en-US" sz="2600" dirty="0">
-                <a:cs typeface="Calibri" panose="020F0502020204030204" pitchFamily="34" charset="0"/>
-              </a:rPr>
-              <a:t> de </a:t>
-            </a:r>
-            <a:r>
-              <a:rPr lang="en-US" sz="2600" dirty="0" err="1">
-                <a:cs typeface="Calibri" panose="020F0502020204030204" pitchFamily="34" charset="0"/>
-              </a:rPr>
-              <a:t>l'Aigua</a:t>
-            </a:r>
-            <a:r>
-              <a:rPr lang="en-US" sz="2600" dirty="0">
-                <a:cs typeface="Calibri" panose="020F0502020204030204" pitchFamily="34" charset="0"/>
-              </a:rPr>
-              <a:t> VR - Apps on Google Play," Google, 1 2016. [Online]. Available: https://play.google.com/store/apps/details?id=com.allvreducation.cicledelaigua&amp;hl=en. [Accessed 28 7 2019].</a:t>
-            </a:r>
-          </a:p>
-          <a:p>
-            <a:r>
-              <a:rPr lang="en-US" sz="2600" dirty="0">
-                <a:cs typeface="Calibri" panose="020F0502020204030204" pitchFamily="34" charset="0"/>
-              </a:rPr>
-              <a:t>[3] 	EUROCASE, "TABI The Water Cycle - Apps on Google Play," Google, 1 2016. [Online]. Available: https://play.google.com/store/apps/details?id=com.eurocase.hydrologic_cycle&amp;hl=en. [Accessed 28 7 2019].</a:t>
-            </a:r>
-          </a:p>
-          <a:p>
-            <a:r>
-              <a:rPr lang="en-US" sz="2600" dirty="0">
-                <a:cs typeface="Calibri" panose="020F0502020204030204" pitchFamily="34" charset="0"/>
-              </a:rPr>
-              <a:t>[4] 	S. </a:t>
-            </a:r>
-            <a:r>
-              <a:rPr lang="en-US" sz="2600" dirty="0" err="1">
-                <a:cs typeface="Calibri" panose="020F0502020204030204" pitchFamily="34" charset="0"/>
-              </a:rPr>
-              <a:t>Xpert</a:t>
-            </a:r>
-            <a:r>
-              <a:rPr lang="en-US" sz="2600" dirty="0">
-                <a:cs typeface="Calibri" panose="020F0502020204030204" pitchFamily="34" charset="0"/>
-              </a:rPr>
-              <a:t>, "</a:t>
-            </a:r>
-            <a:r>
-              <a:rPr lang="th-TH" sz="2600" dirty="0">
-                <a:cs typeface="Calibri" panose="020F0502020204030204" pitchFamily="34" charset="0"/>
-              </a:rPr>
-              <a:t>วัฏจักรน้ำ (</a:t>
-            </a:r>
-            <a:r>
-              <a:rPr lang="en-US" sz="2600" dirty="0">
-                <a:cs typeface="Calibri" panose="020F0502020204030204" pitchFamily="34" charset="0"/>
-              </a:rPr>
-              <a:t>Water Cycle) - Apps on Google Play," Google, 10 2018. [Online]. Available: https://play.google.com/store/apps/details?id=com.studioxpert.watercycle. [Accessed 28 7 2019].</a:t>
-            </a:r>
-          </a:p>
-          <a:p>
-            <a:endParaRPr lang="en-US" sz="1400" dirty="0">
-              <a:latin typeface="Calibri" panose="020F0502020204030204" pitchFamily="34" charset="0"/>
-              <a:cs typeface="Calibri" panose="020F0502020204030204" pitchFamily="34" charset="0"/>
-            </a:endParaRPr>
-          </a:p>
-          <a:p>
+        </p:txBody>
+      </p:sp>
+      <p:sp>
+        <p:nvSpPr>
+          <p:cNvPr id="10" name="TextBox 9"/>
+          <p:cNvSpPr txBox="1"/>
+          <p:nvPr/>
+        </p:nvSpPr>
+        <p:spPr>
+          <a:xfrm>
+            <a:off x="1108460" y="1443058"/>
+            <a:ext cx="2222331" cy="369332"/>
+          </a:xfrm>
+          <a:prstGeom prst="rect">
+            <a:avLst/>
+          </a:prstGeom>
+          <a:noFill/>
+        </p:spPr>
+        <p:txBody>
+          <a:bodyPr wrap="square" rtlCol="0">
+            <a:spAutoFit/>
+          </a:bodyPr>
+          <a:lstStyle/>
+          <a:p>
+            <a:r>
+              <a:rPr lang="en-US" dirty="0" smtClean="0"/>
+              <a:t>SURVEY</a:t>
+            </a:r>
             <a:endParaRPr lang="en-US" dirty="0"/>
           </a:p>
-          <a:p>
-            <a:endParaRPr lang="en-US" dirty="0"/>
-          </a:p>
-          <a:p>
-            <a:endParaRPr lang="en-US" dirty="0"/>
-          </a:p>
         </p:txBody>
       </p:sp>
     </p:spTree>
+    <p:extLst>
+      <p:ext uri="{BB962C8B-B14F-4D97-AF65-F5344CB8AC3E}">
+        <p14:creationId xmlns:p14="http://schemas.microsoft.com/office/powerpoint/2010/main" val="692169166"/>
+      </p:ext>
+    </p:extLst>
   </p:cSld>
   <p:clrMapOvr>
     <a:masterClrMapping/>
@@ -5656,6 +9012,446 @@
             <a:spLocks noGrp="1"/>
           </p:cNvSpPr>
           <p:nvPr>
+            <p:ph type="title"/>
+          </p:nvPr>
+        </p:nvSpPr>
+        <p:spPr/>
+        <p:txBody>
+          <a:bodyPr/>
+          <a:lstStyle/>
+          <a:p>
+            <a:r>
+              <a:rPr lang="en-US" dirty="0"/>
+              <a:t>Conclusion</a:t>
+            </a:r>
+          </a:p>
+        </p:txBody>
+      </p:sp>
+      <p:sp>
+        <p:nvSpPr>
+          <p:cNvPr id="3" name="Content Placeholder 2"/>
+          <p:cNvSpPr>
+            <a:spLocks noGrp="1"/>
+          </p:cNvSpPr>
+          <p:nvPr>
+            <p:ph idx="1"/>
+          </p:nvPr>
+        </p:nvSpPr>
+        <p:spPr>
+          <a:xfrm>
+            <a:off x="1371600" y="1837853"/>
+            <a:ext cx="9673628" cy="4029547"/>
+          </a:xfrm>
+        </p:spPr>
+        <p:txBody>
+          <a:bodyPr/>
+          <a:lstStyle/>
+          <a:p>
+            <a:r>
+              <a:rPr lang="en-US" dirty="0" smtClean="0"/>
+              <a:t>The project is a </a:t>
+            </a:r>
+            <a:r>
+              <a:rPr lang="en-US" dirty="0" smtClean="0"/>
+              <a:t>Virtual </a:t>
+            </a:r>
+            <a:r>
+              <a:rPr lang="en-US" dirty="0"/>
+              <a:t>Reality application to educate students</a:t>
+            </a:r>
+          </a:p>
+          <a:p>
+            <a:pPr lvl="1"/>
+            <a:r>
+              <a:rPr lang="en-US" dirty="0"/>
+              <a:t>Visual view of the water cycle</a:t>
+            </a:r>
+          </a:p>
+          <a:p>
+            <a:pPr lvl="1"/>
+            <a:r>
+              <a:rPr lang="en-US" dirty="0"/>
+              <a:t>Mini game to polish up user’s knowledge</a:t>
+            </a:r>
+            <a:r>
+              <a:rPr lang="en-US" dirty="0" smtClean="0"/>
+              <a:t>.</a:t>
+            </a:r>
+          </a:p>
+          <a:p>
+            <a:r>
+              <a:rPr lang="en-US" dirty="0"/>
+              <a:t>T</a:t>
+            </a:r>
+            <a:r>
+              <a:rPr lang="en-US" dirty="0" smtClean="0"/>
+              <a:t>he project included Literature review and the study of similar apps in the domain.</a:t>
+            </a:r>
+            <a:endParaRPr lang="en-US" dirty="0" smtClean="0"/>
+          </a:p>
+          <a:p>
+            <a:r>
+              <a:rPr lang="en-US" dirty="0" smtClean="0"/>
+              <a:t>The project went through Software development life cycle.</a:t>
+            </a:r>
+          </a:p>
+          <a:p>
+            <a:r>
+              <a:rPr lang="en-US" dirty="0" smtClean="0"/>
+              <a:t>Establishment of project report.</a:t>
+            </a:r>
+            <a:endParaRPr lang="en-US" dirty="0"/>
+          </a:p>
+        </p:txBody>
+      </p:sp>
+    </p:spTree>
+  </p:cSld>
+  <p:clrMapOvr>
+    <a:masterClrMapping/>
+  </p:clrMapOvr>
+</p:sld>
+</file>
+
+<file path=ppt/slides/slide21.xml><?xml version="1.0" encoding="utf-8"?>
+<p:sld xmlns:a="http://schemas.openxmlformats.org/drawingml/2006/main" xmlns:r="http://schemas.openxmlformats.org/officeDocument/2006/relationships" xmlns:p="http://schemas.openxmlformats.org/presentationml/2006/main">
+  <p:cSld>
+    <p:spTree>
+      <p:nvGrpSpPr>
+        <p:cNvPr id="1" name=""/>
+        <p:cNvGrpSpPr/>
+        <p:nvPr/>
+      </p:nvGrpSpPr>
+      <p:grpSpPr>
+        <a:xfrm>
+          <a:off x="0" y="0"/>
+          <a:ext cx="0" cy="0"/>
+          <a:chOff x="0" y="0"/>
+          <a:chExt cx="0" cy="0"/>
+        </a:xfrm>
+      </p:grpSpPr>
+      <p:sp>
+        <p:nvSpPr>
+          <p:cNvPr id="2" name="Title 1"/>
+          <p:cNvSpPr>
+            <a:spLocks noGrp="1"/>
+          </p:cNvSpPr>
+          <p:nvPr>
+            <p:ph type="title"/>
+          </p:nvPr>
+        </p:nvSpPr>
+        <p:spPr/>
+        <p:txBody>
+          <a:bodyPr/>
+          <a:lstStyle/>
+          <a:p>
+            <a:r>
+              <a:rPr lang="en-US" dirty="0"/>
+              <a:t>Future Work</a:t>
+            </a:r>
+          </a:p>
+        </p:txBody>
+      </p:sp>
+      <p:sp>
+        <p:nvSpPr>
+          <p:cNvPr id="3" name="Content Placeholder 2"/>
+          <p:cNvSpPr>
+            <a:spLocks noGrp="1"/>
+          </p:cNvSpPr>
+          <p:nvPr>
+            <p:ph idx="1"/>
+          </p:nvPr>
+        </p:nvSpPr>
+        <p:spPr>
+          <a:xfrm>
+            <a:off x="1371600" y="1960775"/>
+            <a:ext cx="9601200" cy="3906625"/>
+          </a:xfrm>
+        </p:spPr>
+        <p:txBody>
+          <a:bodyPr>
+            <a:normAutofit/>
+          </a:bodyPr>
+          <a:lstStyle/>
+          <a:p>
+            <a:pPr algn="just">
+              <a:lnSpc>
+                <a:spcPct val="150000"/>
+              </a:lnSpc>
+            </a:pPr>
+            <a:r>
+              <a:rPr lang="en-US" sz="2400" dirty="0"/>
+              <a:t>Improve Graphics </a:t>
+            </a:r>
+          </a:p>
+          <a:p>
+            <a:pPr algn="just">
+              <a:lnSpc>
+                <a:spcPct val="150000"/>
+              </a:lnSpc>
+            </a:pPr>
+            <a:r>
+              <a:rPr lang="en-US" sz="2400" dirty="0"/>
+              <a:t>Text-to-Speech </a:t>
+            </a:r>
+            <a:endParaRPr lang="en-US" sz="3200" dirty="0"/>
+          </a:p>
+          <a:p>
+            <a:pPr algn="just">
+              <a:lnSpc>
+                <a:spcPct val="150000"/>
+              </a:lnSpc>
+            </a:pPr>
+            <a:r>
+              <a:rPr lang="en-US" sz="2400" dirty="0"/>
+              <a:t>Animations</a:t>
+            </a:r>
+            <a:endParaRPr lang="en-US" sz="3200" dirty="0"/>
+          </a:p>
+          <a:p>
+            <a:pPr algn="just">
+              <a:lnSpc>
+                <a:spcPct val="150000"/>
+              </a:lnSpc>
+            </a:pPr>
+            <a:r>
+              <a:rPr lang="en-US" sz="2400" dirty="0"/>
+              <a:t>Different Languages</a:t>
+            </a:r>
+          </a:p>
+          <a:p>
+            <a:pPr algn="just">
+              <a:lnSpc>
+                <a:spcPct val="150000"/>
+              </a:lnSpc>
+            </a:pPr>
+            <a:r>
+              <a:rPr lang="en-US" sz="2400" dirty="0"/>
+              <a:t>Game Modes</a:t>
+            </a:r>
+          </a:p>
+        </p:txBody>
+      </p:sp>
+    </p:spTree>
+  </p:cSld>
+  <p:clrMapOvr>
+    <a:masterClrMapping/>
+  </p:clrMapOvr>
+</p:sld>
+</file>
+
+<file path=ppt/slides/slide22.xml><?xml version="1.0" encoding="utf-8"?>
+<p:sld xmlns:a="http://schemas.openxmlformats.org/drawingml/2006/main" xmlns:r="http://schemas.openxmlformats.org/officeDocument/2006/relationships" xmlns:p="http://schemas.openxmlformats.org/presentationml/2006/main">
+  <p:cSld>
+    <p:spTree>
+      <p:nvGrpSpPr>
+        <p:cNvPr id="1" name=""/>
+        <p:cNvGrpSpPr/>
+        <p:nvPr/>
+      </p:nvGrpSpPr>
+      <p:grpSpPr>
+        <a:xfrm>
+          <a:off x="0" y="0"/>
+          <a:ext cx="0" cy="0"/>
+          <a:chOff x="0" y="0"/>
+          <a:chExt cx="0" cy="0"/>
+        </a:xfrm>
+      </p:grpSpPr>
+      <p:sp>
+        <p:nvSpPr>
+          <p:cNvPr id="2" name="Title 1"/>
+          <p:cNvSpPr>
+            <a:spLocks noGrp="1"/>
+          </p:cNvSpPr>
+          <p:nvPr>
+            <p:ph type="title"/>
+          </p:nvPr>
+        </p:nvSpPr>
+        <p:spPr/>
+        <p:txBody>
+          <a:bodyPr/>
+          <a:lstStyle/>
+          <a:p>
+            <a:r>
+              <a:rPr lang="en-US" dirty="0"/>
+              <a:t>References</a:t>
+            </a:r>
+          </a:p>
+        </p:txBody>
+      </p:sp>
+      <p:sp>
+        <p:nvSpPr>
+          <p:cNvPr id="3" name="Content Placeholder 2"/>
+          <p:cNvSpPr>
+            <a:spLocks noGrp="1"/>
+          </p:cNvSpPr>
+          <p:nvPr>
+            <p:ph idx="1"/>
+          </p:nvPr>
+        </p:nvSpPr>
+        <p:spPr>
+          <a:xfrm>
+            <a:off x="1371600" y="1575582"/>
+            <a:ext cx="9601200" cy="4596618"/>
+          </a:xfrm>
+        </p:spPr>
+        <p:txBody>
+          <a:bodyPr>
+            <a:normAutofit fontScale="70000" lnSpcReduction="20000"/>
+          </a:bodyPr>
+          <a:lstStyle/>
+          <a:p>
+            <a:endParaRPr lang="en-US" dirty="0"/>
+          </a:p>
+          <a:p>
+            <a:pPr marL="0" indent="0">
+              <a:buNone/>
+            </a:pPr>
+            <a:endParaRPr lang="en-US" sz="1400" dirty="0">
+              <a:latin typeface="Calibri" panose="020F0502020204030204" pitchFamily="34" charset="0"/>
+              <a:cs typeface="Calibri" panose="020F0502020204030204" pitchFamily="34" charset="0"/>
+            </a:endParaRPr>
+          </a:p>
+          <a:p>
+            <a:r>
+              <a:rPr lang="en-US" sz="2600" dirty="0">
+                <a:cs typeface="Calibri" panose="020F0502020204030204" pitchFamily="34" charset="0"/>
+              </a:rPr>
+              <a:t>[1] 	S. </a:t>
+            </a:r>
+            <a:r>
+              <a:rPr lang="en-US" sz="2600" dirty="0" err="1">
+                <a:cs typeface="Calibri" panose="020F0502020204030204" pitchFamily="34" charset="0"/>
+              </a:rPr>
+              <a:t>Sukhin</a:t>
+            </a:r>
+            <a:r>
+              <a:rPr lang="en-US" sz="2600" dirty="0">
+                <a:cs typeface="Calibri" panose="020F0502020204030204" pitchFamily="34" charset="0"/>
+              </a:rPr>
+              <a:t>, "Splash Sim: A VR Experience in the Water Cycle - Apps on Google Play," Google, 10 2017. [Online]. Available: https://play.google.com/store/apps/details?id=com.splashsim.splashsim&amp;hl=en_US. [Accessed 28 7 2019].</a:t>
+            </a:r>
+          </a:p>
+          <a:p>
+            <a:r>
+              <a:rPr lang="en-US" sz="2600" dirty="0">
+                <a:cs typeface="Calibri" panose="020F0502020204030204" pitchFamily="34" charset="0"/>
+              </a:rPr>
+              <a:t>[2] 	A. V. Education, "</a:t>
+            </a:r>
+            <a:r>
+              <a:rPr lang="en-US" sz="2600" dirty="0" err="1">
+                <a:cs typeface="Calibri" panose="020F0502020204030204" pitchFamily="34" charset="0"/>
+              </a:rPr>
+              <a:t>Cicle</a:t>
+            </a:r>
+            <a:r>
+              <a:rPr lang="en-US" sz="2600" dirty="0">
+                <a:cs typeface="Calibri" panose="020F0502020204030204" pitchFamily="34" charset="0"/>
+              </a:rPr>
+              <a:t> de </a:t>
+            </a:r>
+            <a:r>
+              <a:rPr lang="en-US" sz="2600" dirty="0" err="1">
+                <a:cs typeface="Calibri" panose="020F0502020204030204" pitchFamily="34" charset="0"/>
+              </a:rPr>
+              <a:t>l'Aigua</a:t>
+            </a:r>
+            <a:r>
+              <a:rPr lang="en-US" sz="2600" dirty="0">
+                <a:cs typeface="Calibri" panose="020F0502020204030204" pitchFamily="34" charset="0"/>
+              </a:rPr>
+              <a:t> VR - Apps on Google Play," Google, 1 2016. [Online]. Available: https://play.google.com/store/apps/details?id=com.allvreducation.cicledelaigua&amp;hl=en. [Accessed 28 7 2019].</a:t>
+            </a:r>
+          </a:p>
+          <a:p>
+            <a:r>
+              <a:rPr lang="en-US" sz="2600" dirty="0">
+                <a:cs typeface="Calibri" panose="020F0502020204030204" pitchFamily="34" charset="0"/>
+              </a:rPr>
+              <a:t>[3] 	EUROCASE, "TABI The Water Cycle - Apps on Google Play," Google, 1 2016. [Online]. Available: https://play.google.com/store/apps/details?id=com.eurocase.hydrologic_cycle&amp;hl=en. [Accessed 28 7 2019].</a:t>
+            </a:r>
+          </a:p>
+          <a:p>
+            <a:r>
+              <a:rPr lang="en-US" sz="2600" dirty="0">
+                <a:cs typeface="Calibri" panose="020F0502020204030204" pitchFamily="34" charset="0"/>
+              </a:rPr>
+              <a:t>[4] 	S. </a:t>
+            </a:r>
+            <a:r>
+              <a:rPr lang="en-US" sz="2600" dirty="0" err="1">
+                <a:cs typeface="Calibri" panose="020F0502020204030204" pitchFamily="34" charset="0"/>
+              </a:rPr>
+              <a:t>Xpert</a:t>
+            </a:r>
+            <a:r>
+              <a:rPr lang="en-US" sz="2600" dirty="0">
+                <a:cs typeface="Calibri" panose="020F0502020204030204" pitchFamily="34" charset="0"/>
+              </a:rPr>
+              <a:t>, "</a:t>
+            </a:r>
+            <a:r>
+              <a:rPr lang="th-TH" sz="2600" dirty="0">
+                <a:cs typeface="Calibri" panose="020F0502020204030204" pitchFamily="34" charset="0"/>
+              </a:rPr>
+              <a:t>วัฏจักรน้ำ (</a:t>
+            </a:r>
+            <a:r>
+              <a:rPr lang="en-US" sz="2600" dirty="0">
+                <a:cs typeface="Calibri" panose="020F0502020204030204" pitchFamily="34" charset="0"/>
+              </a:rPr>
+              <a:t>Water Cycle) - Apps on Google Play," Google, 10 2018. [Online]. Available: https://play.google.com/store/apps/details?id=com.studioxpert.watercycle. [Accessed 28 7 2019].</a:t>
+            </a:r>
+          </a:p>
+          <a:p>
+            <a:endParaRPr lang="en-US" sz="1400" dirty="0">
+              <a:latin typeface="Calibri" panose="020F0502020204030204" pitchFamily="34" charset="0"/>
+              <a:cs typeface="Calibri" panose="020F0502020204030204" pitchFamily="34" charset="0"/>
+            </a:endParaRPr>
+          </a:p>
+          <a:p>
+            <a:endParaRPr lang="en-US" dirty="0"/>
+          </a:p>
+          <a:p>
+            <a:endParaRPr lang="en-US" dirty="0"/>
+          </a:p>
+          <a:p>
+            <a:endParaRPr lang="en-US" dirty="0"/>
+          </a:p>
+        </p:txBody>
+      </p:sp>
+    </p:spTree>
+  </p:cSld>
+  <p:clrMapOvr>
+    <a:masterClrMapping/>
+  </p:clrMapOvr>
+</p:sld>
+</file>
+
+<file path=ppt/slides/slide23.xml><?xml version="1.0" encoding="utf-8"?>
+<p:sld xmlns:a="http://schemas.openxmlformats.org/drawingml/2006/main" xmlns:r="http://schemas.openxmlformats.org/officeDocument/2006/relationships" xmlns:p="http://schemas.openxmlformats.org/presentationml/2006/main">
+  <p:cSld>
+    <p:spTree>
+      <p:nvGrpSpPr>
+        <p:cNvPr id="1" name=""/>
+        <p:cNvGrpSpPr/>
+        <p:nvPr/>
+      </p:nvGrpSpPr>
+      <p:grpSpPr>
+        <a:xfrm>
+          <a:off x="0" y="0"/>
+          <a:ext cx="0" cy="0"/>
+          <a:chOff x="0" y="0"/>
+          <a:chExt cx="0" cy="0"/>
+        </a:xfrm>
+      </p:grpSpPr>
+      <p:sp>
+        <p:nvSpPr>
+          <p:cNvPr id="2" name="Title 1"/>
+          <p:cNvSpPr>
+            <a:spLocks noGrp="1"/>
+          </p:cNvSpPr>
+          <p:nvPr>
             <p:ph type="ctrTitle"/>
           </p:nvPr>
         </p:nvSpPr>
@@ -6085,7 +9881,7 @@
           <p:cNvPr id="2" name="Title 1">
             <a:extLst>
               <a:ext uri="{FF2B5EF4-FFF2-40B4-BE49-F238E27FC236}">
-                <a16:creationId xmlns:a16="http://schemas.microsoft.com/office/drawing/2014/main" id="{188EC054-C8A1-4270-AD6A-BFF830EFD914}"/>
+                <a16:creationId xmlns:a16="http://schemas.microsoft.com/office/drawing/2014/main" xmlns="" id="{188EC054-C8A1-4270-AD6A-BFF830EFD914}"/>
               </a:ext>
             </a:extLst>
           </p:cNvPr>
@@ -6114,7 +9910,7 @@
           <p:cNvPr id="3" name="Content Placeholder 2">
             <a:extLst>
               <a:ext uri="{FF2B5EF4-FFF2-40B4-BE49-F238E27FC236}">
-                <a16:creationId xmlns:a16="http://schemas.microsoft.com/office/drawing/2014/main" id="{C450E60A-4A4C-475C-9746-39A9C405E5AE}"/>
+                <a16:creationId xmlns:a16="http://schemas.microsoft.com/office/drawing/2014/main" xmlns="" id="{C450E60A-4A4C-475C-9746-39A9C405E5AE}"/>
               </a:ext>
             </a:extLst>
           </p:cNvPr>
@@ -6178,7 +9974,7 @@
           <p:cNvPr id="2" name="Title 1">
             <a:extLst>
               <a:ext uri="{FF2B5EF4-FFF2-40B4-BE49-F238E27FC236}">
-                <a16:creationId xmlns:a16="http://schemas.microsoft.com/office/drawing/2014/main" id="{D6EA19ED-1A87-48D5-928D-916299BB8895}"/>
+                <a16:creationId xmlns:a16="http://schemas.microsoft.com/office/drawing/2014/main" xmlns="" id="{D6EA19ED-1A87-48D5-928D-916299BB8895}"/>
               </a:ext>
             </a:extLst>
           </p:cNvPr>
@@ -6207,7 +10003,7 @@
           <p:cNvPr id="4" name="Content Placeholder 3">
             <a:extLst>
               <a:ext uri="{FF2B5EF4-FFF2-40B4-BE49-F238E27FC236}">
-                <a16:creationId xmlns:a16="http://schemas.microsoft.com/office/drawing/2014/main" id="{19044875-2863-4029-9C3B-3A34319FBFA9}"/>
+                <a16:creationId xmlns:a16="http://schemas.microsoft.com/office/drawing/2014/main" xmlns="" id="{19044875-2863-4029-9C3B-3A34319FBFA9}"/>
               </a:ext>
             </a:extLst>
           </p:cNvPr>
@@ -6280,7 +10076,7 @@
           <p:cNvPr id="2" name="Title 1">
             <a:extLst>
               <a:ext uri="{FF2B5EF4-FFF2-40B4-BE49-F238E27FC236}">
-                <a16:creationId xmlns:a16="http://schemas.microsoft.com/office/drawing/2014/main" id="{6C6B4D10-8D2A-43F3-8F08-83A32B1DE4D5}"/>
+                <a16:creationId xmlns:a16="http://schemas.microsoft.com/office/drawing/2014/main" xmlns="" id="{6C6B4D10-8D2A-43F3-8F08-83A32B1DE4D5}"/>
               </a:ext>
             </a:extLst>
           </p:cNvPr>
@@ -6309,7 +10105,7 @@
           <p:cNvPr id="4" name="Content Placeholder 3">
             <a:extLst>
               <a:ext uri="{FF2B5EF4-FFF2-40B4-BE49-F238E27FC236}">
-                <a16:creationId xmlns:a16="http://schemas.microsoft.com/office/drawing/2014/main" id="{6D8B4324-5C06-427C-A7DC-C058189EBBC1}"/>
+                <a16:creationId xmlns:a16="http://schemas.microsoft.com/office/drawing/2014/main" xmlns="" id="{6D8B4324-5C06-427C-A7DC-C058189EBBC1}"/>
               </a:ext>
             </a:extLst>
           </p:cNvPr>
@@ -6382,7 +10178,7 @@
           <p:cNvPr id="2" name="Title 1">
             <a:extLst>
               <a:ext uri="{FF2B5EF4-FFF2-40B4-BE49-F238E27FC236}">
-                <a16:creationId xmlns:a16="http://schemas.microsoft.com/office/drawing/2014/main" id="{82C77B20-7376-4985-A320-EB6A64D68353}"/>
+                <a16:creationId xmlns:a16="http://schemas.microsoft.com/office/drawing/2014/main" xmlns="" id="{82C77B20-7376-4985-A320-EB6A64D68353}"/>
               </a:ext>
             </a:extLst>
           </p:cNvPr>
@@ -6411,7 +10207,7 @@
           <p:cNvPr id="4" name="Picture 3">
             <a:extLst>
               <a:ext uri="{FF2B5EF4-FFF2-40B4-BE49-F238E27FC236}">
-                <a16:creationId xmlns:a16="http://schemas.microsoft.com/office/drawing/2014/main" id="{493BFB8A-AC34-4EF2-AEE0-F598823A10F0}"/>
+                <a16:creationId xmlns:a16="http://schemas.microsoft.com/office/drawing/2014/main" xmlns="" id="{493BFB8A-AC34-4EF2-AEE0-F598823A10F0}"/>
               </a:ext>
             </a:extLst>
           </p:cNvPr>

--- a/Final.pptx
+++ b/Final.pptx
@@ -219,7 +219,7 @@
           <a:p>
             <a:fld id="{69F75836-DCE1-46D1-902E-93AB39588390}" type="datetimeFigureOut">
               <a:rPr lang="en-US" smtClean="0"/>
-              <a:t>11/25/2019</a:t>
+              <a:t>11/26/2019</a:t>
             </a:fld>
             <a:endParaRPr lang="en-US"/>
           </a:p>
@@ -731,7 +731,7 @@
           <a:p>
             <a:fld id="{AB74F416-60AC-47B8-B7A4-8E59A1593C56}" type="datetime1">
               <a:rPr lang="en-US" smtClean="0"/>
-              <a:t>11/25/2019</a:t>
+              <a:t>11/26/2019</a:t>
             </a:fld>
             <a:endParaRPr lang="en-US"/>
           </a:p>
@@ -1016,7 +1016,7 @@
           <a:p>
             <a:fld id="{BB53C6D8-AA99-4DA3-ABE8-6564F3774B9A}" type="datetime1">
               <a:rPr lang="en-US" smtClean="0"/>
-              <a:t>11/25/2019</a:t>
+              <a:t>11/26/2019</a:t>
             </a:fld>
             <a:endParaRPr lang="en-US"/>
           </a:p>
@@ -1199,7 +1199,7 @@
           <a:p>
             <a:fld id="{FAFFD409-992B-4396-831E-400331BF155E}" type="datetime1">
               <a:rPr lang="en-US" smtClean="0"/>
-              <a:t>11/25/2019</a:t>
+              <a:t>11/26/2019</a:t>
             </a:fld>
             <a:endParaRPr lang="en-US"/>
           </a:p>
@@ -1372,7 +1372,7 @@
           <a:p>
             <a:fld id="{A58A56B9-9364-44BD-B6D4-BF1545A1D032}" type="datetime1">
               <a:rPr lang="en-US" smtClean="0"/>
-              <a:t>11/25/2019</a:t>
+              <a:t>11/26/2019</a:t>
             </a:fld>
             <a:endParaRPr lang="en-US"/>
           </a:p>
@@ -1647,7 +1647,7 @@
           <a:p>
             <a:fld id="{08107730-E7E0-4034-9139-F86131BC67E9}" type="datetime1">
               <a:rPr lang="en-US" smtClean="0"/>
-              <a:t>11/25/2019</a:t>
+              <a:t>11/26/2019</a:t>
             </a:fld>
             <a:endParaRPr lang="en-US"/>
           </a:p>
@@ -1998,7 +1998,7 @@
           <a:p>
             <a:fld id="{2128C74C-6B0A-4BE2-AEB5-ADDA4577555B}" type="datetime1">
               <a:rPr lang="en-US" smtClean="0"/>
-              <a:t>11/25/2019</a:t>
+              <a:t>11/26/2019</a:t>
             </a:fld>
             <a:endParaRPr lang="en-US"/>
           </a:p>
@@ -2478,7 +2478,7 @@
           <a:p>
             <a:fld id="{96ED5E1F-5CA0-44A8-9FAF-8E0C8C93E227}" type="datetime1">
               <a:rPr lang="en-US" smtClean="0"/>
-              <a:t>11/25/2019</a:t>
+              <a:t>11/26/2019</a:t>
             </a:fld>
             <a:endParaRPr lang="en-US"/>
           </a:p>
@@ -2599,7 +2599,7 @@
           <a:p>
             <a:fld id="{9F749C11-8001-49CF-9B59-56FDE52B5F69}" type="datetime1">
               <a:rPr lang="en-US" smtClean="0"/>
-              <a:t>11/25/2019</a:t>
+              <a:t>11/26/2019</a:t>
             </a:fld>
             <a:endParaRPr lang="en-US"/>
           </a:p>
@@ -2697,7 +2697,7 @@
           <a:p>
             <a:fld id="{5EC0E55E-AF34-4E2E-A4E8-BDA3BCCD8B12}" type="datetime1">
               <a:rPr lang="en-US" smtClean="0"/>
-              <a:t>11/25/2019</a:t>
+              <a:t>11/26/2019</a:t>
             </a:fld>
             <a:endParaRPr lang="en-US"/>
           </a:p>
@@ -3046,7 +3046,7 @@
           <a:p>
             <a:fld id="{C85C3791-D12F-464C-8CBC-469E089CC249}" type="datetime1">
               <a:rPr lang="en-US" smtClean="0"/>
-              <a:t>11/25/2019</a:t>
+              <a:t>11/26/2019</a:t>
             </a:fld>
             <a:endParaRPr lang="en-US"/>
           </a:p>
@@ -3432,7 +3432,7 @@
           <a:p>
             <a:fld id="{3901A8D7-7DE1-49C0-A859-BA2154FD532A}" type="datetime1">
               <a:rPr lang="en-US" smtClean="0"/>
-              <a:t>11/25/2019</a:t>
+              <a:t>11/26/2019</a:t>
             </a:fld>
             <a:endParaRPr lang="en-US"/>
           </a:p>
@@ -3705,7 +3705,7 @@
           <a:p>
             <a:fld id="{C3381DA6-54E6-48A3-B70A-BA200C1D04A7}" type="datetime1">
               <a:rPr lang="en-US" smtClean="0"/>
-              <a:t>11/25/2019</a:t>
+              <a:t>11/26/2019</a:t>
             </a:fld>
             <a:endParaRPr lang="en-US"/>
           </a:p>
@@ -4407,7 +4407,7 @@
           <p:cNvPr id="2" name="Title 1">
             <a:extLst>
               <a:ext uri="{FF2B5EF4-FFF2-40B4-BE49-F238E27FC236}">
-                <a16:creationId xmlns:a16="http://schemas.microsoft.com/office/drawing/2014/main" xmlns="" id="{CD1992F5-37E6-4DF0-B6E3-E3BC4D55116B}"/>
+                <a16:creationId xmlns:a16="http://schemas.microsoft.com/office/drawing/2014/main" id="{CD1992F5-37E6-4DF0-B6E3-E3BC4D55116B}"/>
               </a:ext>
             </a:extLst>
           </p:cNvPr>
@@ -4436,7 +4436,7 @@
           <p:cNvPr id="4" name="Picture 3">
             <a:extLst>
               <a:ext uri="{FF2B5EF4-FFF2-40B4-BE49-F238E27FC236}">
-                <a16:creationId xmlns:a16="http://schemas.microsoft.com/office/drawing/2014/main" xmlns="" id="{B74C3B5E-2C72-408E-A17F-2852A157BCF4}"/>
+                <a16:creationId xmlns:a16="http://schemas.microsoft.com/office/drawing/2014/main" id="{B74C3B5E-2C72-408E-A17F-2852A157BCF4}"/>
               </a:ext>
             </a:extLst>
           </p:cNvPr>
@@ -4505,7 +4505,7 @@
           <p:cNvPr id="2" name="Title 1">
             <a:extLst>
               <a:ext uri="{FF2B5EF4-FFF2-40B4-BE49-F238E27FC236}">
-                <a16:creationId xmlns:a16="http://schemas.microsoft.com/office/drawing/2014/main" xmlns="" id="{72408A9F-7FA8-47EE-AEA8-112E9A11308D}"/>
+                <a16:creationId xmlns:a16="http://schemas.microsoft.com/office/drawing/2014/main" id="{72408A9F-7FA8-47EE-AEA8-112E9A11308D}"/>
               </a:ext>
             </a:extLst>
           </p:cNvPr>
@@ -4533,7 +4533,7 @@
           <p:cNvPr id="4" name="Picture 3">
             <a:extLst>
               <a:ext uri="{FF2B5EF4-FFF2-40B4-BE49-F238E27FC236}">
-                <a16:creationId xmlns:a16="http://schemas.microsoft.com/office/drawing/2014/main" xmlns="" id="{130C693D-0082-42E2-8009-DAA156230A2D}"/>
+                <a16:creationId xmlns:a16="http://schemas.microsoft.com/office/drawing/2014/main" id="{130C693D-0082-42E2-8009-DAA156230A2D}"/>
               </a:ext>
             </a:extLst>
           </p:cNvPr>
@@ -4597,7 +4597,7 @@
           <p:cNvPr id="2" name="Title 1">
             <a:extLst>
               <a:ext uri="{FF2B5EF4-FFF2-40B4-BE49-F238E27FC236}">
-                <a16:creationId xmlns:a16="http://schemas.microsoft.com/office/drawing/2014/main" xmlns="" id="{35E05BB2-BBAA-4D69-A33C-1E9EA5535B15}"/>
+                <a16:creationId xmlns:a16="http://schemas.microsoft.com/office/drawing/2014/main" id="{35E05BB2-BBAA-4D69-A33C-1E9EA5535B15}"/>
               </a:ext>
             </a:extLst>
           </p:cNvPr>
@@ -4626,7 +4626,7 @@
           <p:cNvPr id="3" name="Content Placeholder 2">
             <a:extLst>
               <a:ext uri="{FF2B5EF4-FFF2-40B4-BE49-F238E27FC236}">
-                <a16:creationId xmlns:a16="http://schemas.microsoft.com/office/drawing/2014/main" xmlns="" id="{D6C69CD3-FDB0-4F51-BF20-3540E3E5BDC3}"/>
+                <a16:creationId xmlns:a16="http://schemas.microsoft.com/office/drawing/2014/main" id="{D6C69CD3-FDB0-4F51-BF20-3540E3E5BDC3}"/>
               </a:ext>
             </a:extLst>
           </p:cNvPr>
@@ -4696,7 +4696,7 @@
           <p:cNvPr id="2" name="Title 1">
             <a:extLst>
               <a:ext uri="{FF2B5EF4-FFF2-40B4-BE49-F238E27FC236}">
-                <a16:creationId xmlns:a16="http://schemas.microsoft.com/office/drawing/2014/main" xmlns="" id="{C66671C6-2D3E-41A2-9405-3BE98F784F4E}"/>
+                <a16:creationId xmlns:a16="http://schemas.microsoft.com/office/drawing/2014/main" id="{C66671C6-2D3E-41A2-9405-3BE98F784F4E}"/>
               </a:ext>
             </a:extLst>
           </p:cNvPr>
@@ -4730,7 +4730,7 @@
           <p:cNvPr id="3" name="Content Placeholder 2">
             <a:extLst>
               <a:ext uri="{FF2B5EF4-FFF2-40B4-BE49-F238E27FC236}">
-                <a16:creationId xmlns:a16="http://schemas.microsoft.com/office/drawing/2014/main" xmlns="" id="{4F2994D7-DD43-4771-88A0-0B2DABC7D5EF}"/>
+                <a16:creationId xmlns:a16="http://schemas.microsoft.com/office/drawing/2014/main" id="{4F2994D7-DD43-4771-88A0-0B2DABC7D5EF}"/>
               </a:ext>
             </a:extLst>
           </p:cNvPr>
@@ -4846,7 +4846,7 @@
           <p:cNvPr id="2" name="Title 1">
             <a:extLst>
               <a:ext uri="{FF2B5EF4-FFF2-40B4-BE49-F238E27FC236}">
-                <a16:creationId xmlns:a16="http://schemas.microsoft.com/office/drawing/2014/main" xmlns="" id="{32BF840A-1286-494D-8F55-F34E4C46CC90}"/>
+                <a16:creationId xmlns:a16="http://schemas.microsoft.com/office/drawing/2014/main" id="{32BF840A-1286-494D-8F55-F34E4C46CC90}"/>
               </a:ext>
             </a:extLst>
           </p:cNvPr>
@@ -4874,7 +4874,7 @@
           <p:cNvPr id="3" name="Content Placeholder 2">
             <a:extLst>
               <a:ext uri="{FF2B5EF4-FFF2-40B4-BE49-F238E27FC236}">
-                <a16:creationId xmlns:a16="http://schemas.microsoft.com/office/drawing/2014/main" xmlns="" id="{7A585712-05BE-4FEE-B049-114455637083}"/>
+                <a16:creationId xmlns:a16="http://schemas.microsoft.com/office/drawing/2014/main" id="{7A585712-05BE-4FEE-B049-114455637083}"/>
               </a:ext>
             </a:extLst>
           </p:cNvPr>
@@ -4946,7 +4946,7 @@
           <p:cNvPr id="2" name="Title 1">
             <a:extLst>
               <a:ext uri="{FF2B5EF4-FFF2-40B4-BE49-F238E27FC236}">
-                <a16:creationId xmlns:a16="http://schemas.microsoft.com/office/drawing/2014/main" xmlns="" id="{EEC7B15A-2493-4E9C-8DF6-152DACFFC264}"/>
+                <a16:creationId xmlns:a16="http://schemas.microsoft.com/office/drawing/2014/main" id="{EEC7B15A-2493-4E9C-8DF6-152DACFFC264}"/>
               </a:ext>
             </a:extLst>
           </p:cNvPr>
@@ -4975,7 +4975,7 @@
           <p:cNvPr id="3" name="Content Placeholder 2">
             <a:extLst>
               <a:ext uri="{FF2B5EF4-FFF2-40B4-BE49-F238E27FC236}">
-                <a16:creationId xmlns:a16="http://schemas.microsoft.com/office/drawing/2014/main" xmlns="" id="{C922D2EE-5369-4E03-941B-6DB60177C864}"/>
+                <a16:creationId xmlns:a16="http://schemas.microsoft.com/office/drawing/2014/main" id="{C922D2EE-5369-4E03-941B-6DB60177C864}"/>
               </a:ext>
             </a:extLst>
           </p:cNvPr>
@@ -5053,7 +5053,7 @@
           <p:cNvPr id="2" name="Title 1">
             <a:extLst>
               <a:ext uri="{FF2B5EF4-FFF2-40B4-BE49-F238E27FC236}">
-                <a16:creationId xmlns:a16="http://schemas.microsoft.com/office/drawing/2014/main" xmlns="" id="{22EC3005-1204-404A-8DF6-14963C08CD39}"/>
+                <a16:creationId xmlns:a16="http://schemas.microsoft.com/office/drawing/2014/main" id="{22EC3005-1204-404A-8DF6-14963C08CD39}"/>
               </a:ext>
             </a:extLst>
           </p:cNvPr>
@@ -5082,7 +5082,7 @@
           <p:cNvPr id="3" name="Content Placeholder 2">
             <a:extLst>
               <a:ext uri="{FF2B5EF4-FFF2-40B4-BE49-F238E27FC236}">
-                <a16:creationId xmlns:a16="http://schemas.microsoft.com/office/drawing/2014/main" xmlns="" id="{7FF16DDA-DC2F-4804-B711-3266D19946C7}"/>
+                <a16:creationId xmlns:a16="http://schemas.microsoft.com/office/drawing/2014/main" id="{7FF16DDA-DC2F-4804-B711-3266D19946C7}"/>
               </a:ext>
             </a:extLst>
           </p:cNvPr>
@@ -5125,86 +5125,51 @@
           </a:p>
           <a:p>
             <a:r>
-              <a:rPr lang="en-US" b="1" dirty="0" smtClean="0"/>
-              <a:t>Types </a:t>
-            </a:r>
-            <a:r>
               <a:rPr lang="en-US" b="1" dirty="0"/>
-              <a:t>of System </a:t>
-            </a:r>
-            <a:r>
-              <a:rPr lang="en-US" b="1" dirty="0" smtClean="0"/>
-              <a:t>Tests</a:t>
+              <a:t>Types of System Tests</a:t>
             </a:r>
           </a:p>
           <a:p>
             <a:pPr lvl="1"/>
             <a:r>
               <a:rPr lang="en-US" dirty="0"/>
-              <a:t>Functional </a:t>
-            </a:r>
-            <a:r>
-              <a:rPr lang="en-US" dirty="0" smtClean="0"/>
-              <a:t>testing </a:t>
-            </a:r>
-            <a:endParaRPr lang="en-US" dirty="0"/>
+              <a:t>Functional testing </a:t>
+            </a:r>
           </a:p>
           <a:p>
             <a:pPr lvl="1"/>
             <a:r>
               <a:rPr lang="en-US" dirty="0"/>
-              <a:t>Non- functional </a:t>
-            </a:r>
-            <a:r>
-              <a:rPr lang="en-US" dirty="0" smtClean="0"/>
-              <a:t>testing</a:t>
-            </a:r>
-            <a:endParaRPr lang="en-US" dirty="0"/>
-          </a:p>
-          <a:p>
-            <a:r>
-              <a:rPr lang="en-US" b="1" dirty="0" smtClean="0"/>
+              <a:t>Non- functional testing</a:t>
+            </a:r>
+          </a:p>
+          <a:p>
+            <a:r>
+              <a:rPr lang="en-US" b="1" dirty="0"/>
               <a:t>Testing techniques</a:t>
             </a:r>
           </a:p>
           <a:p>
             <a:pPr lvl="1"/>
             <a:r>
-              <a:rPr lang="en-US" dirty="0" smtClean="0"/>
-              <a:t>Functional testing: </a:t>
-            </a:r>
-            <a:r>
               <a:rPr lang="en-US" dirty="0"/>
-              <a:t>Equivalence class partitioning (ECP) </a:t>
+              <a:t>Functional testing: Equivalence class partitioning (ECP) &amp;</a:t>
+            </a:r>
+            <a:r>
+              <a:rPr lang="en-US" sz="1800" dirty="0"/>
+              <a:t> </a:t>
             </a:r>
             <a:r>
               <a:rPr lang="en-US" dirty="0"/>
-              <a:t>&amp;</a:t>
-            </a:r>
-            <a:r>
-              <a:rPr lang="en-US" sz="1800" dirty="0" smtClean="0"/>
-              <a:t> </a:t>
-            </a:r>
-            <a:r>
-              <a:rPr lang="en-US" dirty="0" smtClean="0"/>
-              <a:t>State </a:t>
-            </a:r>
-            <a:r>
-              <a:rPr lang="en-US" dirty="0"/>
-              <a:t>transition </a:t>
-            </a:r>
-            <a:r>
-              <a:rPr lang="en-US" dirty="0" smtClean="0"/>
-              <a:t>testing.</a:t>
+              <a:t>State transition testing.</a:t>
             </a:r>
           </a:p>
           <a:p>
             <a:pPr lvl="1"/>
             <a:r>
-              <a:rPr lang="en-US" sz="1800" dirty="0" smtClean="0"/>
+              <a:rPr lang="en-US" sz="1800" dirty="0"/>
               <a:t>Non-functional: Survey</a:t>
             </a:r>
-            <a:endParaRPr lang="en-US" sz="1800" dirty="0"/>
           </a:p>
           <a:p>
             <a:pPr lvl="1"/>
@@ -5258,10 +5223,9 @@
           <a:lstStyle/>
           <a:p>
             <a:r>
-              <a:rPr lang="en-US" dirty="0" smtClean="0"/>
+              <a:rPr lang="en-US" dirty="0"/>
               <a:t>Unit Testing</a:t>
             </a:r>
-            <a:endParaRPr lang="en-US" dirty="0"/>
           </a:p>
         </p:txBody>
       </p:sp>
@@ -5291,15 +5255,69 @@
                 <a:tableStyleId>{5C22544A-7EE6-4342-B048-85BDC9FD1C3A}</a:tableStyleId>
               </a:tblPr>
               <a:tblGrid>
-                <a:gridCol w="944516"/>
-                <a:gridCol w="1260697"/>
-                <a:gridCol w="1216392"/>
-                <a:gridCol w="1447990"/>
-                <a:gridCol w="1176113"/>
-                <a:gridCol w="1176113"/>
-                <a:gridCol w="1103614"/>
-                <a:gridCol w="916321"/>
-                <a:gridCol w="825695"/>
+                <a:gridCol w="944516">
+                  <a:extLst>
+                    <a:ext uri="{9D8B030D-6E8A-4147-A177-3AD203B41FA5}">
+                      <a16:colId xmlns:a16="http://schemas.microsoft.com/office/drawing/2014/main" val="20000"/>
+                    </a:ext>
+                  </a:extLst>
+                </a:gridCol>
+                <a:gridCol w="1260697">
+                  <a:extLst>
+                    <a:ext uri="{9D8B030D-6E8A-4147-A177-3AD203B41FA5}">
+                      <a16:colId xmlns:a16="http://schemas.microsoft.com/office/drawing/2014/main" val="20001"/>
+                    </a:ext>
+                  </a:extLst>
+                </a:gridCol>
+                <a:gridCol w="1216392">
+                  <a:extLst>
+                    <a:ext uri="{9D8B030D-6E8A-4147-A177-3AD203B41FA5}">
+                      <a16:colId xmlns:a16="http://schemas.microsoft.com/office/drawing/2014/main" val="20002"/>
+                    </a:ext>
+                  </a:extLst>
+                </a:gridCol>
+                <a:gridCol w="1447990">
+                  <a:extLst>
+                    <a:ext uri="{9D8B030D-6E8A-4147-A177-3AD203B41FA5}">
+                      <a16:colId xmlns:a16="http://schemas.microsoft.com/office/drawing/2014/main" val="20003"/>
+                    </a:ext>
+                  </a:extLst>
+                </a:gridCol>
+                <a:gridCol w="1176113">
+                  <a:extLst>
+                    <a:ext uri="{9D8B030D-6E8A-4147-A177-3AD203B41FA5}">
+                      <a16:colId xmlns:a16="http://schemas.microsoft.com/office/drawing/2014/main" val="20004"/>
+                    </a:ext>
+                  </a:extLst>
+                </a:gridCol>
+                <a:gridCol w="1176113">
+                  <a:extLst>
+                    <a:ext uri="{9D8B030D-6E8A-4147-A177-3AD203B41FA5}">
+                      <a16:colId xmlns:a16="http://schemas.microsoft.com/office/drawing/2014/main" val="20005"/>
+                    </a:ext>
+                  </a:extLst>
+                </a:gridCol>
+                <a:gridCol w="1103614">
+                  <a:extLst>
+                    <a:ext uri="{9D8B030D-6E8A-4147-A177-3AD203B41FA5}">
+                      <a16:colId xmlns:a16="http://schemas.microsoft.com/office/drawing/2014/main" val="20006"/>
+                    </a:ext>
+                  </a:extLst>
+                </a:gridCol>
+                <a:gridCol w="916321">
+                  <a:extLst>
+                    <a:ext uri="{9D8B030D-6E8A-4147-A177-3AD203B41FA5}">
+                      <a16:colId xmlns:a16="http://schemas.microsoft.com/office/drawing/2014/main" val="20007"/>
+                    </a:ext>
+                  </a:extLst>
+                </a:gridCol>
+                <a:gridCol w="825695">
+                  <a:extLst>
+                    <a:ext uri="{9D8B030D-6E8A-4147-A177-3AD203B41FA5}">
+                      <a16:colId xmlns:a16="http://schemas.microsoft.com/office/drawing/2014/main" val="20008"/>
+                    </a:ext>
+                  </a:extLst>
+                </a:gridCol>
               </a:tblGrid>
               <a:tr h="632240">
                 <a:tc>
@@ -5612,6 +5630,11 @@
                   </a:txBody>
                   <a:tcPr marL="68580" marR="68580" marT="0" marB="0" anchor="ctr"/>
                 </a:tc>
+                <a:extLst>
+                  <a:ext uri="{0D108BD9-81ED-4DB2-BD59-A6C34878D82A}">
+                    <a16:rowId xmlns:a16="http://schemas.microsoft.com/office/drawing/2014/main" val="10000"/>
+                  </a:ext>
+                </a:extLst>
               </a:tr>
               <a:tr h="1347679">
                 <a:tc>
@@ -5902,6 +5925,11 @@
                   </a:txBody>
                   <a:tcPr marL="68580" marR="68580" marT="0" marB="0" anchor="ctr"/>
                 </a:tc>
+                <a:extLst>
+                  <a:ext uri="{0D108BD9-81ED-4DB2-BD59-A6C34878D82A}">
+                    <a16:rowId xmlns:a16="http://schemas.microsoft.com/office/drawing/2014/main" val="10001"/>
+                  </a:ext>
+                </a:extLst>
               </a:tr>
               <a:tr h="1347679">
                 <a:tc>
@@ -6192,6 +6220,11 @@
                   </a:txBody>
                   <a:tcPr marL="68580" marR="68580" marT="0" marB="0" anchor="ctr"/>
                 </a:tc>
+                <a:extLst>
+                  <a:ext uri="{0D108BD9-81ED-4DB2-BD59-A6C34878D82A}">
+                    <a16:rowId xmlns:a16="http://schemas.microsoft.com/office/drawing/2014/main" val="10002"/>
+                  </a:ext>
+                </a:extLst>
               </a:tr>
               <a:tr h="1280613">
                 <a:tc>
@@ -6482,6 +6515,11 @@
                   </a:txBody>
                   <a:tcPr marL="68580" marR="68580" marT="0" marB="0" anchor="ctr"/>
                 </a:tc>
+                <a:extLst>
+                  <a:ext uri="{0D108BD9-81ED-4DB2-BD59-A6C34878D82A}">
+                    <a16:rowId xmlns:a16="http://schemas.microsoft.com/office/drawing/2014/main" val="10003"/>
+                  </a:ext>
+                </a:extLst>
               </a:tr>
             </a:tbl>
           </a:graphicData>
@@ -6540,10 +6578,9 @@
           <a:lstStyle/>
           <a:p>
             <a:r>
-              <a:rPr lang="en-US" dirty="0" smtClean="0"/>
+              <a:rPr lang="en-US" dirty="0"/>
               <a:t>System Testing</a:t>
             </a:r>
-            <a:endParaRPr lang="en-US" dirty="0"/>
           </a:p>
         </p:txBody>
       </p:sp>
@@ -6573,15 +6610,69 @@
                 <a:tableStyleId>{5C22544A-7EE6-4342-B048-85BDC9FD1C3A}</a:tableStyleId>
               </a:tblPr>
               <a:tblGrid>
-                <a:gridCol w="754398"/>
-                <a:gridCol w="1803253"/>
-                <a:gridCol w="1554737"/>
-                <a:gridCol w="753850"/>
-                <a:gridCol w="1882757"/>
-                <a:gridCol w="1382689"/>
-                <a:gridCol w="1382689"/>
-                <a:gridCol w="999692"/>
-                <a:gridCol w="571902"/>
+                <a:gridCol w="754398">
+                  <a:extLst>
+                    <a:ext uri="{9D8B030D-6E8A-4147-A177-3AD203B41FA5}">
+                      <a16:colId xmlns:a16="http://schemas.microsoft.com/office/drawing/2014/main" val="20000"/>
+                    </a:ext>
+                  </a:extLst>
+                </a:gridCol>
+                <a:gridCol w="1803253">
+                  <a:extLst>
+                    <a:ext uri="{9D8B030D-6E8A-4147-A177-3AD203B41FA5}">
+                      <a16:colId xmlns:a16="http://schemas.microsoft.com/office/drawing/2014/main" val="20001"/>
+                    </a:ext>
+                  </a:extLst>
+                </a:gridCol>
+                <a:gridCol w="1554737">
+                  <a:extLst>
+                    <a:ext uri="{9D8B030D-6E8A-4147-A177-3AD203B41FA5}">
+                      <a16:colId xmlns:a16="http://schemas.microsoft.com/office/drawing/2014/main" val="20002"/>
+                    </a:ext>
+                  </a:extLst>
+                </a:gridCol>
+                <a:gridCol w="753850">
+                  <a:extLst>
+                    <a:ext uri="{9D8B030D-6E8A-4147-A177-3AD203B41FA5}">
+                      <a16:colId xmlns:a16="http://schemas.microsoft.com/office/drawing/2014/main" val="20003"/>
+                    </a:ext>
+                  </a:extLst>
+                </a:gridCol>
+                <a:gridCol w="1882757">
+                  <a:extLst>
+                    <a:ext uri="{9D8B030D-6E8A-4147-A177-3AD203B41FA5}">
+                      <a16:colId xmlns:a16="http://schemas.microsoft.com/office/drawing/2014/main" val="20004"/>
+                    </a:ext>
+                  </a:extLst>
+                </a:gridCol>
+                <a:gridCol w="1382689">
+                  <a:extLst>
+                    <a:ext uri="{9D8B030D-6E8A-4147-A177-3AD203B41FA5}">
+                      <a16:colId xmlns:a16="http://schemas.microsoft.com/office/drawing/2014/main" val="20005"/>
+                    </a:ext>
+                  </a:extLst>
+                </a:gridCol>
+                <a:gridCol w="1382689">
+                  <a:extLst>
+                    <a:ext uri="{9D8B030D-6E8A-4147-A177-3AD203B41FA5}">
+                      <a16:colId xmlns:a16="http://schemas.microsoft.com/office/drawing/2014/main" val="20006"/>
+                    </a:ext>
+                  </a:extLst>
+                </a:gridCol>
+                <a:gridCol w="999692">
+                  <a:extLst>
+                    <a:ext uri="{9D8B030D-6E8A-4147-A177-3AD203B41FA5}">
+                      <a16:colId xmlns:a16="http://schemas.microsoft.com/office/drawing/2014/main" val="20007"/>
+                    </a:ext>
+                  </a:extLst>
+                </a:gridCol>
+                <a:gridCol w="571902">
+                  <a:extLst>
+                    <a:ext uri="{9D8B030D-6E8A-4147-A177-3AD203B41FA5}">
+                      <a16:colId xmlns:a16="http://schemas.microsoft.com/office/drawing/2014/main" val="20008"/>
+                    </a:ext>
+                  </a:extLst>
+                </a:gridCol>
               </a:tblGrid>
               <a:tr h="860233">
                 <a:tc>
@@ -6894,6 +6985,11 @@
                   </a:txBody>
                   <a:tcPr marL="44045" marR="44045" marT="0" marB="0" anchor="ctr"/>
                 </a:tc>
+                <a:extLst>
+                  <a:ext uri="{0D108BD9-81ED-4DB2-BD59-A6C34878D82A}">
+                    <a16:rowId xmlns:a16="http://schemas.microsoft.com/office/drawing/2014/main" val="10000"/>
+                  </a:ext>
+                </a:extLst>
               </a:tr>
               <a:tr h="512666">
                 <a:tc rowSpan="2">
@@ -7294,6 +7390,11 @@
                   </a:txBody>
                   <a:tcPr marL="44045" marR="44045" marT="0" marB="0" anchor="ctr"/>
                 </a:tc>
+                <a:extLst>
+                  <a:ext uri="{0D108BD9-81ED-4DB2-BD59-A6C34878D82A}">
+                    <a16:rowId xmlns:a16="http://schemas.microsoft.com/office/drawing/2014/main" val="10001"/>
+                  </a:ext>
+                </a:extLst>
               </a:tr>
               <a:tr h="957136">
                 <a:tc vMerge="1">
@@ -7474,6 +7575,11 @@
                   </a:txBody>
                   <a:tcPr/>
                 </a:tc>
+                <a:extLst>
+                  <a:ext uri="{0D108BD9-81ED-4DB2-BD59-A6C34878D82A}">
+                    <a16:rowId xmlns:a16="http://schemas.microsoft.com/office/drawing/2014/main" val="10002"/>
+                  </a:ext>
+                </a:extLst>
               </a:tr>
               <a:tr h="512666">
                 <a:tc rowSpan="4">
@@ -8006,6 +8112,11 @@
                   </a:txBody>
                   <a:tcPr marL="44045" marR="44045" marT="0" marB="0" anchor="ctr"/>
                 </a:tc>
+                <a:extLst>
+                  <a:ext uri="{0D108BD9-81ED-4DB2-BD59-A6C34878D82A}">
+                    <a16:rowId xmlns:a16="http://schemas.microsoft.com/office/drawing/2014/main" val="10003"/>
+                  </a:ext>
+                </a:extLst>
               </a:tr>
               <a:tr h="489934">
                 <a:tc vMerge="1">
@@ -8186,6 +8297,11 @@
                   </a:txBody>
                   <a:tcPr/>
                 </a:tc>
+                <a:extLst>
+                  <a:ext uri="{0D108BD9-81ED-4DB2-BD59-A6C34878D82A}">
+                    <a16:rowId xmlns:a16="http://schemas.microsoft.com/office/drawing/2014/main" val="10004"/>
+                  </a:ext>
+                </a:extLst>
               </a:tr>
               <a:tr h="489934">
                 <a:tc vMerge="1">
@@ -8366,6 +8482,11 @@
                   </a:txBody>
                   <a:tcPr/>
                 </a:tc>
+                <a:extLst>
+                  <a:ext uri="{0D108BD9-81ED-4DB2-BD59-A6C34878D82A}">
+                    <a16:rowId xmlns:a16="http://schemas.microsoft.com/office/drawing/2014/main" val="10005"/>
+                  </a:ext>
+                </a:extLst>
               </a:tr>
               <a:tr h="1202103">
                 <a:tc vMerge="1">
@@ -8546,6 +8667,11 @@
                   </a:txBody>
                   <a:tcPr/>
                 </a:tc>
+                <a:extLst>
+                  <a:ext uri="{0D108BD9-81ED-4DB2-BD59-A6C34878D82A}">
+                    <a16:rowId xmlns:a16="http://schemas.microsoft.com/office/drawing/2014/main" val="10006"/>
+                  </a:ext>
+                </a:extLst>
               </a:tr>
             </a:tbl>
           </a:graphicData>
@@ -8602,10 +8728,9 @@
           <a:lstStyle/>
           <a:p>
             <a:r>
-              <a:rPr lang="en-US" dirty="0" smtClean="0"/>
+              <a:rPr lang="en-US" dirty="0"/>
               <a:t>Usability Testing</a:t>
             </a:r>
-            <a:endParaRPr lang="en-US" dirty="0"/>
           </a:p>
         </p:txBody>
       </p:sp>
@@ -8848,10 +8973,9 @@
           <a:lstStyle/>
           <a:p>
             <a:r>
-              <a:rPr lang="en-US" dirty="0" smtClean="0"/>
+              <a:rPr lang="en-US" dirty="0"/>
               <a:t>TEST RESULTS</a:t>
             </a:r>
-            <a:endParaRPr lang="en-US" dirty="0"/>
           </a:p>
         </p:txBody>
       </p:sp>
@@ -8878,10 +9002,9 @@
           <a:lstStyle/>
           <a:p>
             <a:r>
-              <a:rPr lang="en-US" dirty="0" smtClean="0"/>
+              <a:rPr lang="en-US" dirty="0"/>
               <a:t>SURVEY</a:t>
             </a:r>
-            <a:endParaRPr lang="en-US" dirty="0"/>
           </a:p>
         </p:txBody>
       </p:sp>
@@ -9048,16 +9171,8 @@
           <a:lstStyle/>
           <a:p>
             <a:r>
-              <a:rPr lang="en-US" dirty="0" smtClean="0"/>
-              <a:t>The project is a </a:t>
-            </a:r>
-            <a:r>
-              <a:rPr lang="en-US" dirty="0" smtClean="0"/>
-              <a:t>Virtual </a:t>
-            </a:r>
-            <a:r>
               <a:rPr lang="en-US" dirty="0"/>
-              <a:t>Reality application to educate students</a:t>
+              <a:t>The project is a Virtual Reality application to educate students</a:t>
             </a:r>
           </a:p>
           <a:p>
@@ -9071,36 +9186,26 @@
             <a:pPr lvl="1"/>
             <a:r>
               <a:rPr lang="en-US" dirty="0"/>
-              <a:t>Mini game to polish up user’s knowledge</a:t>
-            </a:r>
-            <a:r>
-              <a:rPr lang="en-US" dirty="0" smtClean="0"/>
-              <a:t>.</a:t>
+              <a:t>Mini game to polish up user’s knowledge.</a:t>
             </a:r>
           </a:p>
           <a:p>
             <a:r>
               <a:rPr lang="en-US" dirty="0"/>
-              <a:t>T</a:t>
-            </a:r>
-            <a:r>
-              <a:rPr lang="en-US" dirty="0" smtClean="0"/>
-              <a:t>he project included Literature review and the study of similar apps in the domain.</a:t>
-            </a:r>
-            <a:endParaRPr lang="en-US" dirty="0" smtClean="0"/>
-          </a:p>
-          <a:p>
-            <a:r>
-              <a:rPr lang="en-US" dirty="0" smtClean="0"/>
+              <a:t>The project included Literature review and the study of similar apps in the domain.</a:t>
+            </a:r>
+          </a:p>
+          <a:p>
+            <a:r>
+              <a:rPr lang="en-US" dirty="0"/>
               <a:t>The project went through Software development life cycle.</a:t>
             </a:r>
           </a:p>
           <a:p>
             <a:r>
-              <a:rPr lang="en-US" dirty="0" smtClean="0"/>
+              <a:rPr lang="en-US" dirty="0"/>
               <a:t>Establishment of project report.</a:t>
             </a:r>
-            <a:endParaRPr lang="en-US" dirty="0"/>
           </a:p>
         </p:txBody>
       </p:sp>
@@ -9881,7 +9986,7 @@
           <p:cNvPr id="2" name="Title 1">
             <a:extLst>
               <a:ext uri="{FF2B5EF4-FFF2-40B4-BE49-F238E27FC236}">
-                <a16:creationId xmlns:a16="http://schemas.microsoft.com/office/drawing/2014/main" xmlns="" id="{188EC054-C8A1-4270-AD6A-BFF830EFD914}"/>
+                <a16:creationId xmlns:a16="http://schemas.microsoft.com/office/drawing/2014/main" id="{188EC054-C8A1-4270-AD6A-BFF830EFD914}"/>
               </a:ext>
             </a:extLst>
           </p:cNvPr>
@@ -9910,7 +10015,7 @@
           <p:cNvPr id="3" name="Content Placeholder 2">
             <a:extLst>
               <a:ext uri="{FF2B5EF4-FFF2-40B4-BE49-F238E27FC236}">
-                <a16:creationId xmlns:a16="http://schemas.microsoft.com/office/drawing/2014/main" xmlns="" id="{C450E60A-4A4C-475C-9746-39A9C405E5AE}"/>
+                <a16:creationId xmlns:a16="http://schemas.microsoft.com/office/drawing/2014/main" id="{C450E60A-4A4C-475C-9746-39A9C405E5AE}"/>
               </a:ext>
             </a:extLst>
           </p:cNvPr>
@@ -9935,6 +10040,27 @@
             <a:r>
               <a:rPr lang="en-US" dirty="0"/>
               <a:t>Component diagram: whole system is decomposed into subsystems</a:t>
+            </a:r>
+          </a:p>
+          <a:p>
+            <a:pPr lvl="1"/>
+            <a:r>
+              <a:rPr lang="en-US" dirty="0"/>
+              <a:t>Main Menu</a:t>
+            </a:r>
+          </a:p>
+          <a:p>
+            <a:pPr lvl="1"/>
+            <a:r>
+              <a:rPr lang="en-US" dirty="0"/>
+              <a:t>Tour Guide</a:t>
+            </a:r>
+          </a:p>
+          <a:p>
+            <a:pPr lvl="1"/>
+            <a:r>
+              <a:rPr lang="en-US" dirty="0"/>
+              <a:t>Game Mode</a:t>
             </a:r>
           </a:p>
         </p:txBody>
@@ -9974,7 +10100,7 @@
           <p:cNvPr id="2" name="Title 1">
             <a:extLst>
               <a:ext uri="{FF2B5EF4-FFF2-40B4-BE49-F238E27FC236}">
-                <a16:creationId xmlns:a16="http://schemas.microsoft.com/office/drawing/2014/main" xmlns="" id="{D6EA19ED-1A87-48D5-928D-916299BB8895}"/>
+                <a16:creationId xmlns:a16="http://schemas.microsoft.com/office/drawing/2014/main" id="{D6EA19ED-1A87-48D5-928D-916299BB8895}"/>
               </a:ext>
             </a:extLst>
           </p:cNvPr>
@@ -10003,7 +10129,7 @@
           <p:cNvPr id="4" name="Content Placeholder 3">
             <a:extLst>
               <a:ext uri="{FF2B5EF4-FFF2-40B4-BE49-F238E27FC236}">
-                <a16:creationId xmlns:a16="http://schemas.microsoft.com/office/drawing/2014/main" xmlns="" id="{19044875-2863-4029-9C3B-3A34319FBFA9}"/>
+                <a16:creationId xmlns:a16="http://schemas.microsoft.com/office/drawing/2014/main" id="{19044875-2863-4029-9C3B-3A34319FBFA9}"/>
               </a:ext>
             </a:extLst>
           </p:cNvPr>
@@ -10076,7 +10202,7 @@
           <p:cNvPr id="2" name="Title 1">
             <a:extLst>
               <a:ext uri="{FF2B5EF4-FFF2-40B4-BE49-F238E27FC236}">
-                <a16:creationId xmlns:a16="http://schemas.microsoft.com/office/drawing/2014/main" xmlns="" id="{6C6B4D10-8D2A-43F3-8F08-83A32B1DE4D5}"/>
+                <a16:creationId xmlns:a16="http://schemas.microsoft.com/office/drawing/2014/main" id="{6C6B4D10-8D2A-43F3-8F08-83A32B1DE4D5}"/>
               </a:ext>
             </a:extLst>
           </p:cNvPr>
@@ -10105,7 +10231,7 @@
           <p:cNvPr id="4" name="Content Placeholder 3">
             <a:extLst>
               <a:ext uri="{FF2B5EF4-FFF2-40B4-BE49-F238E27FC236}">
-                <a16:creationId xmlns:a16="http://schemas.microsoft.com/office/drawing/2014/main" xmlns="" id="{6D8B4324-5C06-427C-A7DC-C058189EBBC1}"/>
+                <a16:creationId xmlns:a16="http://schemas.microsoft.com/office/drawing/2014/main" id="{6D8B4324-5C06-427C-A7DC-C058189EBBC1}"/>
               </a:ext>
             </a:extLst>
           </p:cNvPr>
@@ -10178,7 +10304,7 @@
           <p:cNvPr id="2" name="Title 1">
             <a:extLst>
               <a:ext uri="{FF2B5EF4-FFF2-40B4-BE49-F238E27FC236}">
-                <a16:creationId xmlns:a16="http://schemas.microsoft.com/office/drawing/2014/main" xmlns="" id="{82C77B20-7376-4985-A320-EB6A64D68353}"/>
+                <a16:creationId xmlns:a16="http://schemas.microsoft.com/office/drawing/2014/main" id="{82C77B20-7376-4985-A320-EB6A64D68353}"/>
               </a:ext>
             </a:extLst>
           </p:cNvPr>
@@ -10207,7 +10333,7 @@
           <p:cNvPr id="4" name="Picture 3">
             <a:extLst>
               <a:ext uri="{FF2B5EF4-FFF2-40B4-BE49-F238E27FC236}">
-                <a16:creationId xmlns:a16="http://schemas.microsoft.com/office/drawing/2014/main" xmlns="" id="{493BFB8A-AC34-4EF2-AEE0-F598823A10F0}"/>
+                <a16:creationId xmlns:a16="http://schemas.microsoft.com/office/drawing/2014/main" id="{493BFB8A-AC34-4EF2-AEE0-F598823A10F0}"/>
               </a:ext>
             </a:extLst>
           </p:cNvPr>

--- a/Final.pptx
+++ b/Final.pptx
@@ -4418,7 +4418,12 @@
             <p:ph type="title"/>
           </p:nvPr>
         </p:nvSpPr>
-        <p:spPr/>
+        <p:spPr>
+          <a:xfrm>
+            <a:off x="1413803" y="587326"/>
+            <a:ext cx="9601200" cy="1485900"/>
+          </a:xfrm>
+        </p:spPr>
         <p:txBody>
           <a:bodyPr/>
           <a:lstStyle/>
@@ -4458,7 +4463,7 @@
         </p:blipFill>
         <p:spPr bwMode="auto">
           <a:xfrm>
-            <a:off x="3518022" y="1231362"/>
+            <a:off x="3518022" y="1597122"/>
             <a:ext cx="5155956" cy="4395275"/>
           </a:xfrm>
           <a:prstGeom prst="rect">
@@ -4554,7 +4559,7 @@
         </p:blipFill>
         <p:spPr>
           <a:xfrm>
-            <a:off x="4457700" y="1592580"/>
+            <a:off x="2914650" y="1442818"/>
             <a:ext cx="6515100" cy="4968240"/>
           </a:xfrm>
           <a:prstGeom prst="rect">
@@ -4613,7 +4618,6 @@
           <a:bodyPr/>
           <a:lstStyle/>
           <a:p>
-            <a:pPr algn="ctr"/>
             <a:r>
               <a:rPr lang="en-US" dirty="0"/>
               <a:t>Implementation</a:t>
@@ -4962,7 +4966,6 @@
           <a:bodyPr/>
           <a:lstStyle/>
           <a:p>
-            <a:pPr algn="ctr"/>
             <a:r>
               <a:rPr lang="en-US" dirty="0"/>
               <a:t>User Interface</a:t>
@@ -5069,7 +5072,6 @@
           <a:bodyPr/>
           <a:lstStyle/>
           <a:p>
-            <a:pPr algn="ctr"/>
             <a:r>
               <a:rPr lang="en-US" dirty="0"/>
               <a:t>Testing</a:t>
@@ -9083,7 +9085,25 @@
           <a:p>
             <a:r>
               <a:rPr lang="en-US" dirty="0"/>
-              <a:t>Requirements</a:t>
+              <a:t>Requirement Analysis</a:t>
+            </a:r>
+          </a:p>
+          <a:p>
+            <a:r>
+              <a:rPr lang="en-US" dirty="0"/>
+              <a:t>Design</a:t>
+            </a:r>
+          </a:p>
+          <a:p>
+            <a:r>
+              <a:rPr lang="en-US" dirty="0"/>
+              <a:t>Implementation</a:t>
+            </a:r>
+          </a:p>
+          <a:p>
+            <a:r>
+              <a:rPr lang="en-US" dirty="0"/>
+              <a:t>Testing</a:t>
             </a:r>
           </a:p>
           <a:p>
@@ -9395,13 +9415,13 @@
         </p:nvSpPr>
         <p:spPr>
           <a:xfrm>
-            <a:off x="1371600" y="1575582"/>
+            <a:off x="1295400" y="801859"/>
             <a:ext cx="9601200" cy="4596618"/>
           </a:xfrm>
         </p:spPr>
         <p:txBody>
           <a:bodyPr>
-            <a:normAutofit fontScale="70000" lnSpcReduction="20000"/>
+            <a:normAutofit fontScale="92500" lnSpcReduction="10000"/>
           </a:bodyPr>
           <a:lstStyle/>
           <a:p>
@@ -9417,98 +9437,46 @@
             </a:endParaRPr>
           </a:p>
           <a:p>
-            <a:r>
-              <a:rPr lang="en-US" sz="2600" dirty="0">
-                <a:cs typeface="Calibri" panose="020F0502020204030204" pitchFamily="34" charset="0"/>
-              </a:rPr>
-              <a:t>[1] 	S. </a:t>
-            </a:r>
-            <a:r>
-              <a:rPr lang="en-US" sz="2600" dirty="0" err="1">
-                <a:cs typeface="Calibri" panose="020F0502020204030204" pitchFamily="34" charset="0"/>
-              </a:rPr>
-              <a:t>Sukhin</a:t>
-            </a:r>
-            <a:r>
-              <a:rPr lang="en-US" sz="2600" dirty="0">
-                <a:cs typeface="Calibri" panose="020F0502020204030204" pitchFamily="34" charset="0"/>
-              </a:rPr>
-              <a:t>, "Splash Sim: A VR Experience in the Water Cycle - Apps on Google Play," Google, 10 2017. [Online]. Available: https://play.google.com/store/apps/details?id=com.splashsim.splashsim&amp;hl=en_US. [Accessed 28 7 2019].</a:t>
-            </a:r>
-          </a:p>
-          <a:p>
-            <a:r>
-              <a:rPr lang="en-US" sz="2600" dirty="0">
-                <a:cs typeface="Calibri" panose="020F0502020204030204" pitchFamily="34" charset="0"/>
-              </a:rPr>
-              <a:t>[2] 	A. V. Education, "</a:t>
-            </a:r>
-            <a:r>
-              <a:rPr lang="en-US" sz="2600" dirty="0" err="1">
-                <a:cs typeface="Calibri" panose="020F0502020204030204" pitchFamily="34" charset="0"/>
-              </a:rPr>
-              <a:t>Cicle</a:t>
-            </a:r>
-            <a:r>
-              <a:rPr lang="en-US" sz="2600" dirty="0">
-                <a:cs typeface="Calibri" panose="020F0502020204030204" pitchFamily="34" charset="0"/>
-              </a:rPr>
-              <a:t> de </a:t>
-            </a:r>
-            <a:r>
-              <a:rPr lang="en-US" sz="2600" dirty="0" err="1">
-                <a:cs typeface="Calibri" panose="020F0502020204030204" pitchFamily="34" charset="0"/>
-              </a:rPr>
-              <a:t>l'Aigua</a:t>
-            </a:r>
-            <a:r>
-              <a:rPr lang="en-US" sz="2600" dirty="0">
-                <a:cs typeface="Calibri" panose="020F0502020204030204" pitchFamily="34" charset="0"/>
-              </a:rPr>
-              <a:t> VR - Apps on Google Play," Google, 1 2016. [Online]. Available: https://play.google.com/store/apps/details?id=com.allvreducation.cicledelaigua&amp;hl=en. [Accessed 28 7 2019].</a:t>
-            </a:r>
-          </a:p>
-          <a:p>
-            <a:r>
-              <a:rPr lang="en-US" sz="2600" dirty="0">
-                <a:cs typeface="Calibri" panose="020F0502020204030204" pitchFamily="34" charset="0"/>
-              </a:rPr>
-              <a:t>[3] 	EUROCASE, "TABI The Water Cycle - Apps on Google Play," Google, 1 2016. [Online]. Available: https://play.google.com/store/apps/details?id=com.eurocase.hydrologic_cycle&amp;hl=en. [Accessed 28 7 2019].</a:t>
-            </a:r>
-          </a:p>
-          <a:p>
-            <a:r>
-              <a:rPr lang="en-US" sz="2600" dirty="0">
-                <a:cs typeface="Calibri" panose="020F0502020204030204" pitchFamily="34" charset="0"/>
-              </a:rPr>
-              <a:t>[4] 	S. </a:t>
-            </a:r>
-            <a:r>
-              <a:rPr lang="en-US" sz="2600" dirty="0" err="1">
-                <a:cs typeface="Calibri" panose="020F0502020204030204" pitchFamily="34" charset="0"/>
-              </a:rPr>
-              <a:t>Xpert</a:t>
-            </a:r>
-            <a:r>
-              <a:rPr lang="en-US" sz="2600" dirty="0">
-                <a:cs typeface="Calibri" panose="020F0502020204030204" pitchFamily="34" charset="0"/>
-              </a:rPr>
-              <a:t>, "</a:t>
-            </a:r>
-            <a:r>
-              <a:rPr lang="th-TH" sz="2600" dirty="0">
-                <a:cs typeface="Calibri" panose="020F0502020204030204" pitchFamily="34" charset="0"/>
-              </a:rPr>
-              <a:t>วัฏจักรน้ำ (</a:t>
-            </a:r>
-            <a:r>
-              <a:rPr lang="en-US" sz="2600" dirty="0">
-                <a:cs typeface="Calibri" panose="020F0502020204030204" pitchFamily="34" charset="0"/>
-              </a:rPr>
-              <a:t>Water Cycle) - Apps on Google Play," Google, 10 2018. [Online]. Available: https://play.google.com/store/apps/details?id=com.studioxpert.watercycle. [Accessed 28 7 2019].</a:t>
-            </a:r>
-          </a:p>
-          <a:p>
+            <a:pPr lvl="0"/>
+            <a:r>
+              <a:rPr lang="en-US" dirty="0"/>
+              <a:t>Visual-paradigm.com. (2019). What is Component Diagram?. [online] Available at: https://www.visual-paradigm.com/guide/uml-unified-modeling-language/what-is-component-diagram/ [Accessed 10 Sep. 2019].</a:t>
+            </a:r>
+          </a:p>
+          <a:p>
+            <a:pPr lvl="0"/>
+            <a:r>
+              <a:rPr lang="en-US" dirty="0"/>
+              <a:t> &amp;</a:t>
+            </a:r>
+            <a:r>
+              <a:rPr lang="en-US" dirty="0" err="1"/>
+              <a:t>rarr</a:t>
+            </a:r>
+            <a:r>
+              <a:rPr lang="en-US" dirty="0"/>
+              <a:t>;, V. (2019). Deployment Diagram Tutorial | What is a Deployment Diagram. [online] </a:t>
+            </a:r>
+            <a:r>
+              <a:rPr lang="en-US" dirty="0" err="1"/>
+              <a:t>Creately</a:t>
+            </a:r>
+            <a:r>
+              <a:rPr lang="en-US" dirty="0"/>
+              <a:t> Blog. Available at: https://creately.com/blog/diagrams/deployment-diagram-tutorial/ [Accessed 15 Oct. 2019].</a:t>
+            </a:r>
+          </a:p>
+          <a:p>
+            <a:r>
+              <a:rPr lang="en-US" dirty="0"/>
+              <a:t>Software Testing Material. (2019). Equivalence Partitioning Test Case Design Technique. [online] Available at: https://www.softwaretestingmaterial.com/equivalence-partitioning-testing-technique/ [Accessed 20 Aug. 2019]. </a:t>
+            </a:r>
+          </a:p>
+          <a:p>
+            <a:r>
+              <a:rPr lang="en-US" dirty="0"/>
+              <a:t>The Economic Times. (2019). What is System Testing? Definition of System Testing, System Testing Meaning - The Economic Times. [online] Available at: https://economictimes.indiatimes.com/definition/system-testing [Accessed 20 Sep. 2019]</a:t>
+            </a:r>
             <a:endParaRPr lang="en-US" sz="1400" dirty="0">
               <a:latin typeface="Calibri" panose="020F0502020204030204" pitchFamily="34" charset="0"/>
               <a:cs typeface="Calibri" panose="020F0502020204030204" pitchFamily="34" charset="0"/>
@@ -10002,7 +9970,6 @@
           <a:bodyPr/>
           <a:lstStyle/>
           <a:p>
-            <a:pPr algn="ctr"/>
             <a:r>
               <a:rPr lang="en-US" dirty="0"/>
               <a:t>Design</a:t>

--- a/Final.pptx
+++ b/Final.pptx
@@ -4254,36 +4254,6 @@
           </a:p>
         </p:txBody>
       </p:sp>
-      <p:pic>
-        <p:nvPicPr>
-          <p:cNvPr id="5" name="Picture 4"/>
-          <p:cNvPicPr>
-            <a:picLocks noChangeAspect="1"/>
-          </p:cNvPicPr>
-          <p:nvPr/>
-        </p:nvPicPr>
-        <p:blipFill>
-          <a:blip r:embed="rId3" cstate="print">
-            <a:extLst>
-              <a:ext uri="{28A0092B-C50C-407E-A947-70E740481C1C}">
-                <a14:useLocalDpi xmlns:a14="http://schemas.microsoft.com/office/drawing/2010/main" val="0"/>
-              </a:ext>
-            </a:extLst>
-          </a:blip>
-          <a:stretch>
-            <a:fillRect/>
-          </a:stretch>
-        </p:blipFill>
-        <p:spPr>
-          <a:xfrm>
-            <a:off x="9647609" y="194064"/>
-            <a:ext cx="1856569" cy="1347436"/>
-          </a:xfrm>
-          <a:prstGeom prst="rect">
-            <a:avLst/>
-          </a:prstGeom>
-        </p:spPr>
-      </p:pic>
       <p:sp>
         <p:nvSpPr>
           <p:cNvPr id="4" name="TextBox 3"/>
@@ -4377,6 +4347,42 @@
           </a:p>
         </p:txBody>
       </p:sp>
+      <p:pic>
+        <p:nvPicPr>
+          <p:cNvPr id="7" name="Picture 6">
+            <a:extLst>
+              <a:ext uri="{FF2B5EF4-FFF2-40B4-BE49-F238E27FC236}">
+                <a16:creationId xmlns:a16="http://schemas.microsoft.com/office/drawing/2014/main" id="{C87BE86B-E7D9-4F90-831E-5069DA0C28B1}"/>
+              </a:ext>
+            </a:extLst>
+          </p:cNvPr>
+          <p:cNvPicPr/>
+          <p:nvPr/>
+        </p:nvPicPr>
+        <p:blipFill>
+          <a:blip r:embed="rId3">
+            <a:extLst>
+              <a:ext uri="{28A0092B-C50C-407E-A947-70E740481C1C}">
+                <a14:useLocalDpi xmlns:a14="http://schemas.microsoft.com/office/drawing/2010/main" val="0"/>
+              </a:ext>
+            </a:extLst>
+          </a:blip>
+          <a:srcRect/>
+          <a:stretch>
+            <a:fillRect/>
+          </a:stretch>
+        </p:blipFill>
+        <p:spPr bwMode="auto">
+          <a:xfrm>
+            <a:off x="9069809" y="94529"/>
+            <a:ext cx="2434369" cy="1505672"/>
+          </a:xfrm>
+          <a:prstGeom prst="rect">
+            <a:avLst/>
+          </a:prstGeom>
+          <a:noFill/>
+        </p:spPr>
+      </p:pic>
     </p:spTree>
   </p:cSld>
   <p:clrMapOvr>
